--- a/20210830_조성운_세미나발표자료.pptx
+++ b/20210830_조성운_세미나발표자료.pptx
@@ -5,21 +5,23 @@
     <p:sldMasterId id="2147483648" r:id="rId1"/>
   </p:sldMasterIdLst>
   <p:notesMasterIdLst>
-    <p:notesMasterId r:id="rId14"/>
+    <p:notesMasterId r:id="rId16"/>
   </p:notesMasterIdLst>
   <p:sldIdLst>
     <p:sldId id="256" r:id="rId2"/>
     <p:sldId id="257" r:id="rId3"/>
     <p:sldId id="266" r:id="rId4"/>
-    <p:sldId id="268" r:id="rId5"/>
+    <p:sldId id="272" r:id="rId5"/>
     <p:sldId id="269" r:id="rId6"/>
-    <p:sldId id="270" r:id="rId7"/>
-    <p:sldId id="259" r:id="rId8"/>
-    <p:sldId id="261" r:id="rId9"/>
-    <p:sldId id="258" r:id="rId10"/>
-    <p:sldId id="267" r:id="rId11"/>
-    <p:sldId id="264" r:id="rId12"/>
-    <p:sldId id="271" r:id="rId13"/>
+    <p:sldId id="268" r:id="rId7"/>
+    <p:sldId id="273" r:id="rId8"/>
+    <p:sldId id="270" r:id="rId9"/>
+    <p:sldId id="259" r:id="rId10"/>
+    <p:sldId id="261" r:id="rId11"/>
+    <p:sldId id="258" r:id="rId12"/>
+    <p:sldId id="267" r:id="rId13"/>
+    <p:sldId id="264" r:id="rId14"/>
+    <p:sldId id="271" r:id="rId15"/>
   </p:sldIdLst>
   <p:sldSz cx="12192000" cy="6858000"/>
   <p:notesSz cx="6858000" cy="9144000"/>
@@ -118,6 +120,11 @@
       </a:defRPr>
     </a:lvl9pPr>
   </p:defaultTextStyle>
+  <p:extLst>
+    <p:ext uri="{EFAFB233-063F-42B5-8137-9DF3F51BA10A}">
+      <p15:sldGuideLst xmlns:p15="http://schemas.microsoft.com/office/powerpoint/2012/main"/>
+    </p:ext>
+  </p:extLst>
 </p:presentation>
 </file>
 
@@ -203,7 +210,7 @@
           <a:p>
             <a:fld id="{2D7BE360-DDB7-E442-8A29-38FAFE199664}" type="datetimeFigureOut">
               <a:rPr lang="en-KR" smtClean="0"/>
-              <a:t>2021/08/29</a:t>
+              <a:t>2021/09/04</a:t>
             </a:fld>
             <a:endParaRPr lang="en-KR"/>
           </a:p>
@@ -854,6 +861,244 @@
           <a:bodyPr/>
           <a:lstStyle/>
           <a:p>
+            <a:r>
+              <a:rPr lang="en-US" dirty="0"/>
+              <a:t>O</a:t>
+            </a:r>
+            <a:r>
+              <a:rPr lang="en-KR" dirty="0"/>
+              <a:t>ther knob1</a:t>
+            </a:r>
+            <a:r>
+              <a:rPr lang="en-US" altLang="ko-KR" dirty="0"/>
+              <a:t>(</a:t>
+            </a:r>
+            <a:r>
+              <a:rPr lang="ko-KR" altLang="en-US" dirty="0"/>
+              <a:t>전체</a:t>
+            </a:r>
+            <a:r>
+              <a:rPr lang="en-US" altLang="ko-KR" dirty="0"/>
+              <a:t>)</a:t>
+            </a:r>
+            <a:endParaRPr lang="en-KR" dirty="0"/>
+          </a:p>
+          <a:p>
+            <a:r>
+              <a:rPr lang="en-US" dirty="0"/>
+              <a:t>S</a:t>
+            </a:r>
+            <a:r>
+              <a:rPr lang="en-KR" dirty="0"/>
+              <a:t>ave0_0 kendal</a:t>
+            </a:r>
+          </a:p>
+          <a:p>
+            <a:r>
+              <a:rPr lang="en-US" dirty="0"/>
+              <a:t>S</a:t>
+            </a:r>
+            <a:r>
+              <a:rPr lang="en-KR" dirty="0"/>
+              <a:t>ave1_0</a:t>
+            </a:r>
+          </a:p>
+          <a:p>
+            <a:r>
+              <a:rPr lang="en-US" dirty="0"/>
+              <a:t>S</a:t>
+            </a:r>
+            <a:r>
+              <a:rPr lang="en-KR" dirty="0"/>
+              <a:t>ave2_1</a:t>
+            </a:r>
+          </a:p>
+          <a:p>
+            <a:r>
+              <a:rPr lang="en-US" dirty="0"/>
+              <a:t>M</a:t>
+            </a:r>
+            <a:r>
+              <a:rPr lang="en-KR" dirty="0"/>
+              <a:t>axmemory-samples</a:t>
+            </a:r>
+          </a:p>
+          <a:p>
+            <a:endParaRPr lang="en-KR" dirty="0"/>
+          </a:p>
+          <a:p>
+            <a:r>
+              <a:rPr lang="en-US" dirty="0"/>
+              <a:t>O</a:t>
+            </a:r>
+            <a:r>
+              <a:rPr lang="en-KR" dirty="0"/>
+              <a:t>ther knob2</a:t>
+            </a:r>
+            <a:r>
+              <a:rPr lang="en-US" dirty="0"/>
+              <a:t>(</a:t>
+            </a:r>
+            <a:r>
+              <a:rPr lang="en-US" dirty="0" err="1"/>
+              <a:t>activedefrag</a:t>
+            </a:r>
+            <a:r>
+              <a:rPr lang="ko-KR" altLang="en-US" dirty="0"/>
+              <a:t>포함</a:t>
+            </a:r>
+            <a:r>
+              <a:rPr lang="en-US" altLang="ko-KR" dirty="0"/>
+              <a:t>)</a:t>
+            </a:r>
+            <a:endParaRPr lang="en-KR" dirty="0"/>
+          </a:p>
+          <a:p>
+            <a:r>
+              <a:rPr lang="en-US" dirty="0"/>
+              <a:t>S</a:t>
+            </a:r>
+            <a:r>
+              <a:rPr lang="en-KR" dirty="0"/>
+              <a:t>ave0_0</a:t>
+            </a:r>
+          </a:p>
+          <a:p>
+            <a:r>
+              <a:rPr lang="en-US" dirty="0"/>
+              <a:t>S</a:t>
+            </a:r>
+            <a:r>
+              <a:rPr lang="en-KR" dirty="0"/>
+              <a:t>ave0_1</a:t>
+            </a:r>
+          </a:p>
+          <a:p>
+            <a:r>
+              <a:rPr lang="en-US" dirty="0"/>
+              <a:t>S</a:t>
+            </a:r>
+            <a:r>
+              <a:rPr lang="en-KR" dirty="0"/>
+              <a:t>ave1_0</a:t>
+            </a:r>
+          </a:p>
+          <a:p>
+            <a:r>
+              <a:rPr lang="en-US" dirty="0"/>
+              <a:t>S</a:t>
+            </a:r>
+            <a:r>
+              <a:rPr lang="en-KR" dirty="0"/>
+              <a:t>ave2_1</a:t>
+            </a:r>
+          </a:p>
+          <a:p>
+            <a:r>
+              <a:rPr lang="en-US" dirty="0"/>
+              <a:t>M</a:t>
+            </a:r>
+            <a:r>
+              <a:rPr lang="en-KR" dirty="0"/>
+              <a:t>axmemory-samples</a:t>
+            </a:r>
+          </a:p>
+          <a:p>
+            <a:endParaRPr lang="en-KR" dirty="0"/>
+          </a:p>
+          <a:p>
+            <a:r>
+              <a:rPr lang="en-US" dirty="0"/>
+              <a:t>O</a:t>
+            </a:r>
+            <a:r>
+              <a:rPr lang="en-KR" dirty="0"/>
+              <a:t>ther knob3(activedefrag </a:t>
+            </a:r>
+            <a:r>
+              <a:rPr lang="ko-KR" altLang="en-US" dirty="0"/>
+              <a:t>제외</a:t>
+            </a:r>
+            <a:r>
+              <a:rPr lang="en-KR" dirty="0"/>
+              <a:t>)</a:t>
+            </a:r>
+          </a:p>
+          <a:p>
+            <a:r>
+              <a:rPr lang="en-US" dirty="0"/>
+              <a:t>S</a:t>
+            </a:r>
+            <a:r>
+              <a:rPr lang="en-KR" dirty="0"/>
+              <a:t>ave1_0</a:t>
+            </a:r>
+          </a:p>
+          <a:p>
+            <a:r>
+              <a:rPr lang="en-US" dirty="0"/>
+              <a:t>S</a:t>
+            </a:r>
+            <a:r>
+              <a:rPr lang="en-KR" dirty="0"/>
+              <a:t>ave2_0</a:t>
+            </a:r>
+          </a:p>
+          <a:p>
+            <a:r>
+              <a:rPr lang="en-US" dirty="0"/>
+              <a:t>S</a:t>
+            </a:r>
+            <a:r>
+              <a:rPr lang="en-KR" dirty="0"/>
+              <a:t>ave2_1</a:t>
+            </a:r>
+          </a:p>
+          <a:p>
+            <a:r>
+              <a:rPr lang="en-US" dirty="0"/>
+              <a:t>H</a:t>
+            </a:r>
+            <a:r>
+              <a:rPr lang="en-KR" dirty="0"/>
+              <a:t>ash-max-ziplist-enteries</a:t>
+            </a:r>
+          </a:p>
+          <a:p>
+            <a:r>
+              <a:rPr lang="en-US" dirty="0"/>
+              <a:t>H</a:t>
+            </a:r>
+            <a:r>
+              <a:rPr lang="en-KR" dirty="0"/>
+              <a:t>ash-max-ziplist-value</a:t>
+            </a:r>
+          </a:p>
+          <a:p>
+            <a:endParaRPr lang="en-KR" dirty="0"/>
+          </a:p>
+          <a:p>
+            <a:endParaRPr lang="en-KR" dirty="0"/>
+          </a:p>
+          <a:p>
+            <a:endParaRPr lang="en-KR" dirty="0"/>
+          </a:p>
+          <a:p>
+            <a:endParaRPr lang="en-KR" dirty="0"/>
+          </a:p>
+          <a:p>
+            <a:endParaRPr lang="en-KR" dirty="0"/>
+          </a:p>
+          <a:p>
+            <a:endParaRPr lang="en-KR" dirty="0"/>
+          </a:p>
+          <a:p>
+            <a:endParaRPr lang="en-KR" dirty="0"/>
+          </a:p>
+          <a:p>
+            <a:endParaRPr lang="en-KR" dirty="0"/>
+          </a:p>
+          <a:p>
             <a:endParaRPr lang="en-KR" dirty="0"/>
           </a:p>
         </p:txBody>
@@ -876,6 +1121,174 @@
             <a:fld id="{95096DF8-94DB-B348-8B31-3E53A800E0FD}" type="slidenum">
               <a:rPr lang="en-KR" smtClean="0"/>
               <a:t>12</a:t>
+            </a:fld>
+            <a:endParaRPr lang="en-KR"/>
+          </a:p>
+        </p:txBody>
+      </p:sp>
+    </p:spTree>
+    <p:extLst>
+      <p:ext uri="{BB962C8B-B14F-4D97-AF65-F5344CB8AC3E}">
+        <p14:creationId xmlns:p14="http://schemas.microsoft.com/office/powerpoint/2010/main" val="40276587"/>
+      </p:ext>
+    </p:extLst>
+  </p:cSld>
+  <p:clrMapOvr>
+    <a:masterClrMapping/>
+  </p:clrMapOvr>
+</p:notes>
+</file>
+
+<file path=ppt/notesSlides/notesSlide11.xml><?xml version="1.0" encoding="utf-8"?>
+<p:notes xmlns:a="http://schemas.openxmlformats.org/drawingml/2006/main" xmlns:r="http://schemas.openxmlformats.org/officeDocument/2006/relationships" xmlns:p="http://schemas.openxmlformats.org/presentationml/2006/main">
+  <p:cSld>
+    <p:spTree>
+      <p:nvGrpSpPr>
+        <p:cNvPr id="1" name=""/>
+        <p:cNvGrpSpPr/>
+        <p:nvPr/>
+      </p:nvGrpSpPr>
+      <p:grpSpPr>
+        <a:xfrm>
+          <a:off x="0" y="0"/>
+          <a:ext cx="0" cy="0"/>
+          <a:chOff x="0" y="0"/>
+          <a:chExt cx="0" cy="0"/>
+        </a:xfrm>
+      </p:grpSpPr>
+      <p:sp>
+        <p:nvSpPr>
+          <p:cNvPr id="2" name="Slide Image Placeholder 1"/>
+          <p:cNvSpPr>
+            <a:spLocks noGrp="1" noRot="1" noChangeAspect="1"/>
+          </p:cNvSpPr>
+          <p:nvPr>
+            <p:ph type="sldImg"/>
+          </p:nvPr>
+        </p:nvSpPr>
+        <p:spPr/>
+      </p:sp>
+      <p:sp>
+        <p:nvSpPr>
+          <p:cNvPr id="3" name="Notes Placeholder 2"/>
+          <p:cNvSpPr>
+            <a:spLocks noGrp="1"/>
+          </p:cNvSpPr>
+          <p:nvPr>
+            <p:ph type="body" idx="1"/>
+          </p:nvPr>
+        </p:nvSpPr>
+        <p:spPr/>
+        <p:txBody>
+          <a:bodyPr/>
+          <a:lstStyle/>
+          <a:p>
+            <a:endParaRPr lang="en-KR" dirty="0"/>
+          </a:p>
+        </p:txBody>
+      </p:sp>
+      <p:sp>
+        <p:nvSpPr>
+          <p:cNvPr id="4" name="Slide Number Placeholder 3"/>
+          <p:cNvSpPr>
+            <a:spLocks noGrp="1"/>
+          </p:cNvSpPr>
+          <p:nvPr>
+            <p:ph type="sldNum" sz="quarter" idx="5"/>
+          </p:nvPr>
+        </p:nvSpPr>
+        <p:spPr/>
+        <p:txBody>
+          <a:bodyPr/>
+          <a:lstStyle/>
+          <a:p>
+            <a:fld id="{95096DF8-94DB-B348-8B31-3E53A800E0FD}" type="slidenum">
+              <a:rPr lang="en-KR" smtClean="0"/>
+              <a:t>13</a:t>
+            </a:fld>
+            <a:endParaRPr lang="en-KR"/>
+          </a:p>
+        </p:txBody>
+      </p:sp>
+    </p:spTree>
+    <p:extLst>
+      <p:ext uri="{BB962C8B-B14F-4D97-AF65-F5344CB8AC3E}">
+        <p14:creationId xmlns:p14="http://schemas.microsoft.com/office/powerpoint/2010/main" val="2535231776"/>
+      </p:ext>
+    </p:extLst>
+  </p:cSld>
+  <p:clrMapOvr>
+    <a:masterClrMapping/>
+  </p:clrMapOvr>
+</p:notes>
+</file>
+
+<file path=ppt/notesSlides/notesSlide12.xml><?xml version="1.0" encoding="utf-8"?>
+<p:notes xmlns:a="http://schemas.openxmlformats.org/drawingml/2006/main" xmlns:r="http://schemas.openxmlformats.org/officeDocument/2006/relationships" xmlns:p="http://schemas.openxmlformats.org/presentationml/2006/main">
+  <p:cSld>
+    <p:spTree>
+      <p:nvGrpSpPr>
+        <p:cNvPr id="1" name=""/>
+        <p:cNvGrpSpPr/>
+        <p:nvPr/>
+      </p:nvGrpSpPr>
+      <p:grpSpPr>
+        <a:xfrm>
+          <a:off x="0" y="0"/>
+          <a:ext cx="0" cy="0"/>
+          <a:chOff x="0" y="0"/>
+          <a:chExt cx="0" cy="0"/>
+        </a:xfrm>
+      </p:grpSpPr>
+      <p:sp>
+        <p:nvSpPr>
+          <p:cNvPr id="2" name="Slide Image Placeholder 1"/>
+          <p:cNvSpPr>
+            <a:spLocks noGrp="1" noRot="1" noChangeAspect="1"/>
+          </p:cNvSpPr>
+          <p:nvPr>
+            <p:ph type="sldImg"/>
+          </p:nvPr>
+        </p:nvSpPr>
+        <p:spPr/>
+      </p:sp>
+      <p:sp>
+        <p:nvSpPr>
+          <p:cNvPr id="3" name="Notes Placeholder 2"/>
+          <p:cNvSpPr>
+            <a:spLocks noGrp="1"/>
+          </p:cNvSpPr>
+          <p:nvPr>
+            <p:ph type="body" idx="1"/>
+          </p:nvPr>
+        </p:nvSpPr>
+        <p:spPr/>
+        <p:txBody>
+          <a:bodyPr/>
+          <a:lstStyle/>
+          <a:p>
+            <a:endParaRPr lang="en-KR" dirty="0"/>
+          </a:p>
+        </p:txBody>
+      </p:sp>
+      <p:sp>
+        <p:nvSpPr>
+          <p:cNvPr id="4" name="Slide Number Placeholder 3"/>
+          <p:cNvSpPr>
+            <a:spLocks noGrp="1"/>
+          </p:cNvSpPr>
+          <p:nvPr>
+            <p:ph type="sldNum" sz="quarter" idx="5"/>
+          </p:nvPr>
+        </p:nvSpPr>
+        <p:spPr/>
+        <p:txBody>
+          <a:bodyPr/>
+          <a:lstStyle/>
+          <a:p>
+            <a:fld id="{95096DF8-94DB-B348-8B31-3E53A800E0FD}" type="slidenum">
+              <a:rPr lang="en-KR" smtClean="0"/>
+              <a:t>14</a:t>
             </a:fld>
             <a:endParaRPr lang="en-KR"/>
           </a:p>
@@ -1144,7 +1557,7 @@
     </p:spTree>
     <p:extLst>
       <p:ext uri="{BB962C8B-B14F-4D97-AF65-F5344CB8AC3E}">
-        <p14:creationId xmlns:p14="http://schemas.microsoft.com/office/powerpoint/2010/main" val="1492180131"/>
+        <p14:creationId xmlns:p14="http://schemas.microsoft.com/office/powerpoint/2010/main" val="452871602"/>
       </p:ext>
     </p:extLst>
   </p:cSld>
@@ -1199,30 +1612,240 @@
           <a:lstStyle/>
           <a:p>
             <a:r>
-              <a:rPr lang="ko-KR" altLang="en-US" dirty="0"/>
-              <a:t>모든 </a:t>
-            </a:r>
-            <a:r>
-              <a:rPr lang="en-US" altLang="ko-KR" dirty="0"/>
-              <a:t>knob</a:t>
-            </a:r>
-            <a:r>
-              <a:rPr lang="ko-KR" altLang="en-US" dirty="0"/>
-              <a:t>들 별로 클러스터에 매칭시킨 결과</a:t>
-            </a:r>
-            <a:endParaRPr lang="en-US" altLang="ko-KR" dirty="0"/>
-          </a:p>
-          <a:p>
-            <a:endParaRPr lang="en-US" altLang="ko-KR" dirty="0"/>
-          </a:p>
-          <a:p>
-            <a:endParaRPr lang="en-US" altLang="ko-KR" dirty="0"/>
-          </a:p>
-          <a:p>
+              <a:rPr lang="en-US" dirty="0"/>
+              <a:t>"hash-max-</a:t>
+            </a:r>
+            <a:r>
+              <a:rPr lang="en-US" dirty="0" err="1"/>
+              <a:t>ziplist</a:t>
+            </a:r>
+            <a:r>
+              <a:rPr lang="en-US" dirty="0"/>
+              <a:t>-entries" : 284</a:t>
+            </a:r>
+          </a:p>
+          <a:p>
+            <a:r>
+              <a:rPr lang="en-US" dirty="0"/>
+              <a:t>'hash-max-</a:t>
+            </a:r>
+            <a:r>
+              <a:rPr lang="en-US" dirty="0" err="1"/>
+              <a:t>ziplist</a:t>
+            </a:r>
+            <a:r>
+              <a:rPr lang="en-US" dirty="0"/>
+              <a:t>-value' 22</a:t>
+            </a:r>
+          </a:p>
+          <a:p>
+            <a:r>
+              <a:rPr lang="en-US" dirty="0"/>
+              <a:t>'</a:t>
+            </a:r>
+            <a:r>
+              <a:rPr lang="en-US" dirty="0" err="1"/>
+              <a:t>activerehashing</a:t>
+            </a:r>
+            <a:r>
+              <a:rPr lang="en-US" dirty="0"/>
+              <a:t>': 'yes'</a:t>
+            </a:r>
+          </a:p>
+          <a:p>
+            <a:r>
+              <a:rPr lang="en-US" dirty="0"/>
+              <a:t>'</a:t>
+            </a:r>
+            <a:r>
+              <a:rPr lang="en-US" dirty="0" err="1"/>
+              <a:t>hz</a:t>
+            </a:r>
+            <a:r>
+              <a:rPr lang="en-US" dirty="0"/>
+              <a:t>' 32</a:t>
+            </a:r>
+          </a:p>
+          <a:p>
+            <a:r>
+              <a:rPr lang="en-US" dirty="0"/>
+              <a:t>'dynamic-</a:t>
+            </a:r>
+            <a:r>
+              <a:rPr lang="en-US" dirty="0" err="1"/>
+              <a:t>hz</a:t>
+            </a:r>
+            <a:r>
+              <a:rPr lang="en-US" dirty="0"/>
+              <a:t>' : 'yes'</a:t>
+            </a:r>
+          </a:p>
+          <a:p>
+            <a:r>
+              <a:rPr lang="en-US" dirty="0"/>
+              <a:t>'save0_0' : 877</a:t>
+            </a:r>
+          </a:p>
+          <a:p>
+            <a:r>
+              <a:rPr lang="en-US" dirty="0"/>
+              <a:t>'save0_1'2</a:t>
+            </a:r>
+          </a:p>
+          <a:p>
+            <a:r>
+              <a:rPr lang="en-US" dirty="0"/>
+              <a:t>'save1_0'272</a:t>
+            </a:r>
+          </a:p>
+          <a:p>
+            <a:r>
+              <a:rPr lang="en-US" dirty="0"/>
+              <a:t>'save1_1' : 12</a:t>
+            </a:r>
+          </a:p>
+          <a:p>
+            <a:r>
+              <a:rPr lang="en-US" dirty="0"/>
+              <a:t>'save2_0'33</a:t>
+            </a:r>
+          </a:p>
+          <a:p>
+            <a:r>
+              <a:rPr lang="en-US" dirty="0"/>
+              <a:t>'save2_1' : 11669 </a:t>
+            </a:r>
+          </a:p>
+          <a:p>
+            <a:r>
+              <a:rPr lang="en-US" dirty="0"/>
+              <a:t>'</a:t>
+            </a:r>
+            <a:r>
+              <a:rPr lang="en-US" dirty="0" err="1"/>
+              <a:t>rdbcompression'no</a:t>
+            </a:r>
             <a:endParaRPr lang="en-US" dirty="0"/>
           </a:p>
           <a:p>
-            <a:endParaRPr lang="en-KR" dirty="0"/>
+            <a:r>
+              <a:rPr lang="en-US" dirty="0"/>
+              <a:t>'</a:t>
+            </a:r>
+            <a:r>
+              <a:rPr lang="en-US" dirty="0" err="1"/>
+              <a:t>rdbchecksum</a:t>
+            </a:r>
+            <a:r>
+              <a:rPr lang="en-US" dirty="0"/>
+              <a:t>' yes</a:t>
+            </a:r>
+          </a:p>
+          <a:p>
+            <a:r>
+              <a:rPr lang="en-US" dirty="0"/>
+              <a:t>"</a:t>
+            </a:r>
+            <a:r>
+              <a:rPr lang="en-US" dirty="0" err="1"/>
+              <a:t>rdb</a:t>
+            </a:r>
+            <a:r>
+              <a:rPr lang="en-US" dirty="0"/>
+              <a:t>-save-incremental-</a:t>
+            </a:r>
+            <a:r>
+              <a:rPr lang="en-US" dirty="0" err="1"/>
+              <a:t>fsync</a:t>
+            </a:r>
+            <a:r>
+              <a:rPr lang="en-US" dirty="0"/>
+              <a:t>" 'no'</a:t>
+            </a:r>
+          </a:p>
+          <a:p>
+            <a:r>
+              <a:rPr lang="en-US" dirty="0"/>
+              <a:t>'active-defrag-threshold-lower'3</a:t>
+            </a:r>
+          </a:p>
+          <a:p>
+            <a:r>
+              <a:rPr lang="en-US" dirty="0"/>
+              <a:t>'active-defrag-threshold-upper': 87</a:t>
+            </a:r>
+          </a:p>
+          <a:p>
+            <a:r>
+              <a:rPr lang="en-US" dirty="0"/>
+              <a:t>'active-defrag-cycle-min' : 25</a:t>
+            </a:r>
+          </a:p>
+          <a:p>
+            <a:r>
+              <a:rPr lang="en-US" dirty="0"/>
+              <a:t>'active-defrag-cycle-max' : 80</a:t>
+            </a:r>
+          </a:p>
+          <a:p>
+            <a:r>
+              <a:rPr lang="en-US" dirty="0"/>
+              <a:t>'maxmemory'1298</a:t>
+            </a:r>
+          </a:p>
+          <a:p>
+            <a:r>
+              <a:rPr lang="en-US" dirty="0"/>
+              <a:t>'maxmemory-samples'6</a:t>
+            </a:r>
+          </a:p>
+          <a:p>
+            <a:r>
+              <a:rPr lang="en-US" dirty="0"/>
+              <a:t>"</a:t>
+            </a:r>
+            <a:r>
+              <a:rPr lang="en-US" dirty="0" err="1"/>
+              <a:t>lazyfree</a:t>
+            </a:r>
+            <a:r>
+              <a:rPr lang="en-US" dirty="0"/>
+              <a:t>-lazy-eviction"  'no'</a:t>
+            </a:r>
+          </a:p>
+          <a:p>
+            <a:r>
+              <a:rPr lang="en-US" dirty="0"/>
+              <a:t>'</a:t>
+            </a:r>
+            <a:r>
+              <a:rPr lang="en-US" dirty="0" err="1"/>
+              <a:t>lazyfree</a:t>
+            </a:r>
+            <a:r>
+              <a:rPr lang="en-US" dirty="0"/>
+              <a:t>-lazy-expire' yes</a:t>
+            </a:r>
+          </a:p>
+          <a:p>
+            <a:r>
+              <a:rPr lang="en-US" dirty="0"/>
+              <a:t>'</a:t>
+            </a:r>
+            <a:r>
+              <a:rPr lang="en-US" dirty="0" err="1"/>
+              <a:t>lazyfree</a:t>
+            </a:r>
+            <a:r>
+              <a:rPr lang="en-US" dirty="0"/>
+              <a:t>-lazy-server-del' yes</a:t>
+            </a:r>
+          </a:p>
+          <a:p>
+            <a:endParaRPr lang="en-US" dirty="0"/>
+          </a:p>
+          <a:p>
+            <a:endParaRPr lang="en-US" dirty="0" err="1"/>
           </a:p>
         </p:txBody>
       </p:sp>
@@ -1307,45 +1930,70 @@
           <a:lstStyle/>
           <a:p>
             <a:r>
+              <a:rPr lang="ko-KR" altLang="en-US" dirty="0"/>
+              <a:t>저는 </a:t>
+            </a:r>
+            <a:r>
               <a:rPr lang="en-US" altLang="ko-KR" dirty="0"/>
-              <a:t>5</a:t>
+              <a:t>numeric</a:t>
             </a:r>
             <a:r>
               <a:rPr lang="ko-KR" altLang="en-US" dirty="0"/>
-              <a:t>번 </a:t>
+              <a:t>과 </a:t>
+            </a:r>
+            <a:r>
+              <a:rPr lang="en-US" altLang="ko-KR" dirty="0" err="1"/>
+              <a:t>boolean</a:t>
             </a:r>
             <a:r>
               <a:rPr lang="en-US" altLang="ko-KR" dirty="0"/>
-              <a:t>throughput </a:t>
+              <a:t>,</a:t>
             </a:r>
             <a:r>
               <a:rPr lang="ko-KR" altLang="en-US" dirty="0"/>
-              <a:t>값을 계산한 결과입니다</a:t>
+              <a:t> </a:t>
+            </a:r>
+            <a:r>
+              <a:rPr lang="en-US" altLang="ko-KR" dirty="0" err="1"/>
+              <a:t>activedefrag</a:t>
+            </a:r>
+            <a:r>
+              <a:rPr lang="en-US" altLang="ko-KR" dirty="0"/>
+              <a:t> </a:t>
+            </a:r>
+            <a:r>
+              <a:rPr lang="ko-KR" altLang="en-US" dirty="0"/>
+              <a:t>나눠서 각 클러스터 내부의 </a:t>
+            </a:r>
+            <a:r>
+              <a:rPr lang="en-US" altLang="ko-KR" dirty="0" err="1"/>
+              <a:t>internal_metrics</a:t>
+            </a:r>
+            <a:r>
+              <a:rPr lang="ko-KR" altLang="en-US" dirty="0" err="1"/>
+              <a:t>와의</a:t>
+            </a:r>
+            <a:r>
+              <a:rPr lang="ko-KR" altLang="en-US" dirty="0"/>
+              <a:t> 상관계수를 구했습니다</a:t>
             </a:r>
             <a:r>
               <a:rPr lang="en-US" altLang="ko-KR" dirty="0"/>
               <a:t>.</a:t>
             </a:r>
-          </a:p>
-          <a:p>
+            <a:r>
+              <a:rPr lang="ko-KR" altLang="en-US" dirty="0"/>
+              <a:t> </a:t>
+            </a:r>
             <a:endParaRPr lang="en-US" altLang="ko-KR" dirty="0"/>
           </a:p>
           <a:p>
-            <a:r>
-              <a:rPr lang="ko-KR" altLang="en-US" dirty="0"/>
-              <a:t>전체 </a:t>
-            </a:r>
-            <a:r>
-              <a:rPr lang="en-US" altLang="ko-KR" dirty="0"/>
-              <a:t>knob </a:t>
-            </a:r>
-            <a:r>
-              <a:rPr lang="ko-KR" altLang="en-US" dirty="0"/>
-              <a:t>대상으로 </a:t>
-            </a:r>
+            <a:endParaRPr lang="en-US" altLang="ko-KR" dirty="0"/>
+          </a:p>
+          <a:p>
             <a:r>
               <a:rPr lang="en-US" altLang="ko-KR" dirty="0" err="1"/>
-              <a:t>bo</a:t>
+              <a:t>Activedefrag</a:t>
             </a:r>
             <a:r>
               <a:rPr lang="ko-KR" altLang="en-US" dirty="0" err="1"/>
@@ -1353,36 +2001,69 @@
             </a:r>
             <a:r>
               <a:rPr lang="ko-KR" altLang="en-US" dirty="0"/>
-              <a:t> 진행한 결과가 제가 </a:t>
+              <a:t> 나눈 이유는 </a:t>
             </a:r>
             <a:r>
               <a:rPr lang="en-US" altLang="ko-KR" dirty="0" err="1"/>
-              <a:t>gouping</a:t>
+              <a:t>aof</a:t>
             </a:r>
             <a:r>
               <a:rPr lang="en-US" altLang="ko-KR" dirty="0"/>
-              <a:t> </a:t>
+              <a:t>, </a:t>
+            </a:r>
+            <a:r>
+              <a:rPr lang="en-US" altLang="ko-KR" dirty="0" err="1"/>
+              <a:t>rdb</a:t>
             </a:r>
             <a:r>
               <a:rPr lang="ko-KR" altLang="en-US" dirty="0"/>
-              <a:t>시킨 뒤 개별적으로 </a:t>
-            </a:r>
-            <a:r>
-              <a:rPr lang="en-US" altLang="ko-KR" dirty="0" err="1"/>
-              <a:t>bo</a:t>
+              <a:t>와 마찬가지로 사용되지 않으면 관련 </a:t>
+            </a:r>
+            <a:r>
+              <a:rPr lang="en-US" altLang="ko-KR" dirty="0"/>
+              <a:t>Knob</a:t>
+            </a:r>
+            <a:r>
+              <a:rPr lang="ko-KR" altLang="en-US" dirty="0"/>
+              <a:t>들에 값이 할당되지 않기 때문에 </a:t>
             </a:r>
             <a:r>
               <a:rPr lang="ko-KR" altLang="en-US" dirty="0" err="1"/>
-              <a:t>를</a:t>
+              <a:t>사용하는경우만</a:t>
             </a:r>
             <a:r>
               <a:rPr lang="ko-KR" altLang="en-US" dirty="0"/>
-              <a:t> 진행한 결과보다 더 높은 수치가 나온걸 확인할 수 있었습니다</a:t>
+              <a:t> 따로 분리해서 상관계수를 구했습니다</a:t>
             </a:r>
             <a:r>
               <a:rPr lang="en-US" altLang="ko-KR" dirty="0"/>
               <a:t>.</a:t>
             </a:r>
+          </a:p>
+          <a:p>
+            <a:endParaRPr lang="en-US" altLang="ko-KR" dirty="0"/>
+          </a:p>
+          <a:p>
+            <a:r>
+              <a:rPr lang="ko-KR" altLang="en-US" dirty="0"/>
+              <a:t>각 클러스터 내부 </a:t>
+            </a:r>
+            <a:r>
+              <a:rPr lang="en-US" altLang="ko-KR" dirty="0"/>
+              <a:t>internal </a:t>
+            </a:r>
+            <a:r>
+              <a:rPr lang="en-US" altLang="ko-KR" dirty="0" err="1"/>
+              <a:t>metircs</a:t>
+            </a:r>
+            <a:r>
+              <a:rPr lang="ko-KR" altLang="en-US" dirty="0"/>
+              <a:t> 상관계수들을  절댓값을 더한 값들 입니다</a:t>
+            </a:r>
+            <a:r>
+              <a:rPr lang="en-US" altLang="ko-KR" dirty="0"/>
+              <a:t>.</a:t>
+            </a:r>
             <a:r>
               <a:rPr lang="ko-KR" altLang="en-US" dirty="0"/>
               <a:t> </a:t>
@@ -1395,63 +2076,33 @@
           <a:p>
             <a:r>
               <a:rPr lang="ko-KR" altLang="en-US" dirty="0"/>
-              <a:t>한계점</a:t>
+              <a:t>그래서 특정 </a:t>
             </a:r>
             <a:r>
               <a:rPr lang="en-US" altLang="ko-KR" dirty="0"/>
-              <a:t>,</a:t>
+              <a:t>Knob</a:t>
             </a:r>
             <a:r>
               <a:rPr lang="ko-KR" altLang="en-US" dirty="0"/>
-              <a:t> 문제점</a:t>
-            </a:r>
-            <a:endParaRPr lang="en-US" altLang="ko-KR" dirty="0"/>
-          </a:p>
-          <a:p>
+              <a:t>에서 상관계수 합의 값이 가장 높은 값을 가진 클러스터에 </a:t>
+            </a:r>
+            <a:r>
+              <a:rPr lang="ko-KR" altLang="en-US" dirty="0" err="1"/>
+              <a:t>매칭을</a:t>
+            </a:r>
             <a:r>
               <a:rPr lang="ko-KR" altLang="en-US" dirty="0"/>
-              <a:t>상관계수가 </a:t>
-            </a:r>
-            <a:r>
-              <a:rPr lang="en-US" altLang="ko-KR" dirty="0"/>
-              <a:t>0.1</a:t>
-            </a:r>
-            <a:r>
-              <a:rPr lang="ko-KR" altLang="en-US" dirty="0"/>
-              <a:t>을 넘지 않는 경우가 대부분이었고 </a:t>
-            </a:r>
-            <a:r>
-              <a:rPr lang="en-US" altLang="ko-KR" dirty="0"/>
-              <a:t>p-value </a:t>
-            </a:r>
-            <a:r>
-              <a:rPr lang="ko-KR" altLang="en-US" dirty="0"/>
-              <a:t>의 경우 </a:t>
-            </a:r>
-            <a:r>
-              <a:rPr lang="en-US" altLang="ko-KR" dirty="0"/>
-              <a:t>0.05</a:t>
-            </a:r>
-            <a:r>
-              <a:rPr lang="ko-KR" altLang="en-US" dirty="0" err="1"/>
-              <a:t>를</a:t>
-            </a:r>
-            <a:r>
-              <a:rPr lang="ko-KR" altLang="en-US" dirty="0"/>
-              <a:t> 넘지 않아서 첨부터 상관계수 값들을 신뢰할 수 없어 연관시키는게 잘못된 과정</a:t>
-            </a:r>
-            <a:r>
-              <a:rPr lang="en-US" altLang="ko-KR" dirty="0"/>
-              <a:t>?</a:t>
-            </a:r>
-            <a:r>
-              <a:rPr lang="ko-KR" altLang="en-US" dirty="0"/>
-              <a:t> 이라고 생각합니다</a:t>
+              <a:t> 시켰다</a:t>
             </a:r>
             <a:r>
               <a:rPr lang="en-US" altLang="ko-KR" dirty="0"/>
               <a:t>.</a:t>
             </a:r>
+            <a:r>
+              <a:rPr lang="ko-KR" altLang="en-US" dirty="0"/>
+              <a:t> </a:t>
+            </a:r>
+            <a:endParaRPr lang="en-US" altLang="ko-KR" dirty="0"/>
           </a:p>
           <a:p>
             <a:endParaRPr lang="en-KR" dirty="0"/>
@@ -1484,7 +2135,7 @@
     </p:spTree>
     <p:extLst>
       <p:ext uri="{BB962C8B-B14F-4D97-AF65-F5344CB8AC3E}">
-        <p14:creationId xmlns:p14="http://schemas.microsoft.com/office/powerpoint/2010/main" val="1445440840"/>
+        <p14:creationId xmlns:p14="http://schemas.microsoft.com/office/powerpoint/2010/main" val="1492180131"/>
       </p:ext>
     </p:extLst>
   </p:cSld>
@@ -1540,243 +2191,239 @@
           <a:p>
             <a:r>
               <a:rPr lang="en-US" dirty="0"/>
-              <a:t>O</a:t>
-            </a:r>
-            <a:r>
-              <a:rPr lang="en-KR" dirty="0"/>
-              <a:t>ther knob1</a:t>
-            </a:r>
-            <a:r>
-              <a:rPr lang="en-US" altLang="ko-KR" dirty="0"/>
-              <a:t>(</a:t>
-            </a:r>
-            <a:r>
-              <a:rPr lang="ko-KR" altLang="en-US" dirty="0"/>
-              <a:t>전체</a:t>
-            </a:r>
-            <a:r>
-              <a:rPr lang="en-US" altLang="ko-KR" dirty="0"/>
-              <a:t>)</a:t>
-            </a:r>
-            <a:endParaRPr lang="en-KR" dirty="0"/>
-          </a:p>
-          <a:p>
+              <a:t>"hash-max-</a:t>
+            </a:r>
+            <a:r>
+              <a:rPr lang="en-US" dirty="0" err="1"/>
+              <a:t>ziplist</a:t>
+            </a:r>
             <a:r>
               <a:rPr lang="en-US" dirty="0"/>
-              <a:t>S</a:t>
-            </a:r>
-            <a:r>
-              <a:rPr lang="en-KR" dirty="0"/>
-              <a:t>ave0_0 kendal</a:t>
+              <a:t>-entries" : 284</a:t>
             </a:r>
           </a:p>
           <a:p>
             <a:r>
               <a:rPr lang="en-US" dirty="0"/>
-              <a:t>S</a:t>
-            </a:r>
-            <a:r>
-              <a:rPr lang="en-KR" dirty="0"/>
-              <a:t>ave1_0</a:t>
-            </a:r>
-          </a:p>
-          <a:p>
+              <a:t>'hash-max-</a:t>
+            </a:r>
+            <a:r>
+              <a:rPr lang="en-US" dirty="0" err="1"/>
+              <a:t>ziplist</a:t>
+            </a:r>
             <a:r>
               <a:rPr lang="en-US" dirty="0"/>
-              <a:t>S</a:t>
-            </a:r>
-            <a:r>
-              <a:rPr lang="en-KR" dirty="0"/>
-              <a:t>ave2_1</a:t>
+              <a:t>-value' 22</a:t>
             </a:r>
           </a:p>
           <a:p>
             <a:r>
               <a:rPr lang="en-US" dirty="0"/>
-              <a:t>M</a:t>
-            </a:r>
-            <a:r>
-              <a:rPr lang="en-KR" dirty="0"/>
-              <a:t>axmemory-samples</a:t>
-            </a:r>
-          </a:p>
-          <a:p>
-            <a:endParaRPr lang="en-KR" dirty="0"/>
-          </a:p>
-          <a:p>
+              <a:t>'</a:t>
+            </a:r>
+            <a:r>
+              <a:rPr lang="en-US" dirty="0" err="1"/>
+              <a:t>activerehashing</a:t>
+            </a:r>
             <a:r>
               <a:rPr lang="en-US" dirty="0"/>
-              <a:t>O</a:t>
-            </a:r>
-            <a:r>
-              <a:rPr lang="en-KR" dirty="0"/>
-              <a:t>ther knob2</a:t>
-            </a:r>
+              <a:t>': 'yes'</a:t>
+            </a:r>
+          </a:p>
+          <a:p>
             <a:r>
               <a:rPr lang="en-US" dirty="0"/>
-              <a:t>(</a:t>
+              <a:t>'</a:t>
             </a:r>
             <a:r>
               <a:rPr lang="en-US" dirty="0" err="1"/>
-              <a:t>activedefrag</a:t>
-            </a:r>
-            <a:r>
-              <a:rPr lang="ko-KR" altLang="en-US" dirty="0"/>
-              <a:t>포함</a:t>
-            </a:r>
-            <a:r>
-              <a:rPr lang="en-US" altLang="ko-KR" dirty="0"/>
-              <a:t>)</a:t>
-            </a:r>
-            <a:endParaRPr lang="en-KR" dirty="0"/>
-          </a:p>
-          <a:p>
+              <a:t>hz</a:t>
+            </a:r>
             <a:r>
               <a:rPr lang="en-US" dirty="0"/>
-              <a:t>S</a:t>
-            </a:r>
-            <a:r>
-              <a:rPr lang="en-KR" dirty="0"/>
-              <a:t>ave0_0</a:t>
+              <a:t>' 32</a:t>
             </a:r>
           </a:p>
           <a:p>
             <a:r>
               <a:rPr lang="en-US" dirty="0"/>
-              <a:t>S</a:t>
-            </a:r>
-            <a:r>
-              <a:rPr lang="en-KR" dirty="0"/>
-              <a:t>ave0_1</a:t>
-            </a:r>
-          </a:p>
-          <a:p>
+              <a:t>'dynamic-</a:t>
+            </a:r>
+            <a:r>
+              <a:rPr lang="en-US" dirty="0" err="1"/>
+              <a:t>hz</a:t>
+            </a:r>
             <a:r>
               <a:rPr lang="en-US" dirty="0"/>
-              <a:t>S</a:t>
-            </a:r>
-            <a:r>
-              <a:rPr lang="en-KR" dirty="0"/>
-              <a:t>ave1_0</a:t>
+              <a:t>' : 'yes'</a:t>
             </a:r>
           </a:p>
           <a:p>
             <a:r>
               <a:rPr lang="en-US" dirty="0"/>
-              <a:t>S</a:t>
-            </a:r>
-            <a:r>
-              <a:rPr lang="en-KR" dirty="0"/>
-              <a:t>ave2_1</a:t>
+              <a:t>'save0_0' : 877</a:t>
             </a:r>
           </a:p>
           <a:p>
             <a:r>
               <a:rPr lang="en-US" dirty="0"/>
-              <a:t>M</a:t>
-            </a:r>
-            <a:r>
-              <a:rPr lang="en-KR" dirty="0"/>
-              <a:t>axmemory-samples</a:t>
-            </a:r>
-          </a:p>
-          <a:p>
-            <a:endParaRPr lang="en-KR" dirty="0"/>
+              <a:t>'save0_1'2</a:t>
+            </a:r>
           </a:p>
           <a:p>
             <a:r>
               <a:rPr lang="en-US" dirty="0"/>
-              <a:t>O</a:t>
-            </a:r>
-            <a:r>
-              <a:rPr lang="en-KR" dirty="0"/>
-              <a:t>ther knob3(activedefrag </a:t>
-            </a:r>
-            <a:r>
-              <a:rPr lang="ko-KR" altLang="en-US" dirty="0"/>
-              <a:t>제외</a:t>
-            </a:r>
-            <a:r>
-              <a:rPr lang="en-KR" dirty="0"/>
-              <a:t>)</a:t>
+              <a:t>'save1_0'272</a:t>
             </a:r>
           </a:p>
           <a:p>
             <a:r>
               <a:rPr lang="en-US" dirty="0"/>
-              <a:t>S</a:t>
-            </a:r>
-            <a:r>
-              <a:rPr lang="en-KR" dirty="0"/>
-              <a:t>ave1_0</a:t>
+              <a:t>'save1_1' : 12</a:t>
             </a:r>
           </a:p>
           <a:p>
             <a:r>
               <a:rPr lang="en-US" dirty="0"/>
-              <a:t>S</a:t>
-            </a:r>
-            <a:r>
-              <a:rPr lang="en-KR" dirty="0"/>
-              <a:t>ave2_0</a:t>
+              <a:t>'save2_0'33</a:t>
             </a:r>
           </a:p>
           <a:p>
             <a:r>
               <a:rPr lang="en-US" dirty="0"/>
-              <a:t>S</a:t>
-            </a:r>
-            <a:r>
-              <a:rPr lang="en-KR" dirty="0"/>
-              <a:t>ave2_1</a:t>
+              <a:t>'save2_1' : 11669 </a:t>
             </a:r>
           </a:p>
           <a:p>
             <a:r>
               <a:rPr lang="en-US" dirty="0"/>
-              <a:t>H</a:t>
-            </a:r>
-            <a:r>
-              <a:rPr lang="en-KR" dirty="0"/>
-              <a:t>ash-max-ziplist-enteries</a:t>
-            </a:r>
+              <a:t>'</a:t>
+            </a:r>
+            <a:r>
+              <a:rPr lang="en-US" dirty="0" err="1"/>
+              <a:t>rdbcompression'no</a:t>
+            </a:r>
+            <a:endParaRPr lang="en-US" dirty="0"/>
           </a:p>
           <a:p>
             <a:r>
               <a:rPr lang="en-US" dirty="0"/>
-              <a:t>H</a:t>
-            </a:r>
-            <a:r>
-              <a:rPr lang="en-KR" dirty="0"/>
-              <a:t>ash-max-ziplist-value</a:t>
-            </a:r>
-          </a:p>
-          <a:p>
-            <a:endParaRPr lang="en-KR" dirty="0"/>
-          </a:p>
-          <a:p>
-            <a:endParaRPr lang="en-KR" dirty="0"/>
-          </a:p>
-          <a:p>
-            <a:endParaRPr lang="en-KR" dirty="0"/>
-          </a:p>
-          <a:p>
-            <a:endParaRPr lang="en-KR" dirty="0"/>
-          </a:p>
-          <a:p>
-            <a:endParaRPr lang="en-KR" dirty="0"/>
-          </a:p>
-          <a:p>
-            <a:endParaRPr lang="en-KR" dirty="0"/>
-          </a:p>
-          <a:p>
-            <a:endParaRPr lang="en-KR" dirty="0"/>
-          </a:p>
-          <a:p>
-            <a:endParaRPr lang="en-KR" dirty="0"/>
-          </a:p>
-          <a:p>
-            <a:endParaRPr lang="en-KR" dirty="0"/>
+              <a:t>'</a:t>
+            </a:r>
+            <a:r>
+              <a:rPr lang="en-US" dirty="0" err="1"/>
+              <a:t>rdbchecksum</a:t>
+            </a:r>
+            <a:r>
+              <a:rPr lang="en-US" dirty="0"/>
+              <a:t>' yes</a:t>
+            </a:r>
+          </a:p>
+          <a:p>
+            <a:r>
+              <a:rPr lang="en-US" dirty="0"/>
+              <a:t>"</a:t>
+            </a:r>
+            <a:r>
+              <a:rPr lang="en-US" dirty="0" err="1"/>
+              <a:t>rdb</a:t>
+            </a:r>
+            <a:r>
+              <a:rPr lang="en-US" dirty="0"/>
+              <a:t>-save-incremental-</a:t>
+            </a:r>
+            <a:r>
+              <a:rPr lang="en-US" dirty="0" err="1"/>
+              <a:t>fsync</a:t>
+            </a:r>
+            <a:r>
+              <a:rPr lang="en-US" dirty="0"/>
+              <a:t>" 'no'</a:t>
+            </a:r>
+          </a:p>
+          <a:p>
+            <a:r>
+              <a:rPr lang="en-US" dirty="0"/>
+              <a:t>'active-defrag-threshold-lower'3</a:t>
+            </a:r>
+          </a:p>
+          <a:p>
+            <a:r>
+              <a:rPr lang="en-US" dirty="0"/>
+              <a:t>'active-defrag-threshold-upper': 87</a:t>
+            </a:r>
+          </a:p>
+          <a:p>
+            <a:r>
+              <a:rPr lang="en-US" dirty="0"/>
+              <a:t>'active-defrag-cycle-min' : 25</a:t>
+            </a:r>
+          </a:p>
+          <a:p>
+            <a:r>
+              <a:rPr lang="en-US" dirty="0"/>
+              <a:t>'active-defrag-cycle-max' : 80</a:t>
+            </a:r>
+          </a:p>
+          <a:p>
+            <a:r>
+              <a:rPr lang="en-US" dirty="0"/>
+              <a:t>'maxmemory'1298</a:t>
+            </a:r>
+          </a:p>
+          <a:p>
+            <a:r>
+              <a:rPr lang="en-US" dirty="0"/>
+              <a:t>'maxmemory-samples'6</a:t>
+            </a:r>
+          </a:p>
+          <a:p>
+            <a:r>
+              <a:rPr lang="en-US" dirty="0"/>
+              <a:t>"</a:t>
+            </a:r>
+            <a:r>
+              <a:rPr lang="en-US" dirty="0" err="1"/>
+              <a:t>lazyfree</a:t>
+            </a:r>
+            <a:r>
+              <a:rPr lang="en-US" dirty="0"/>
+              <a:t>-lazy-eviction"  'no'</a:t>
+            </a:r>
+          </a:p>
+          <a:p>
+            <a:r>
+              <a:rPr lang="en-US" dirty="0"/>
+              <a:t>'</a:t>
+            </a:r>
+            <a:r>
+              <a:rPr lang="en-US" dirty="0" err="1"/>
+              <a:t>lazyfree</a:t>
+            </a:r>
+            <a:r>
+              <a:rPr lang="en-US" dirty="0"/>
+              <a:t>-lazy-expire' yes</a:t>
+            </a:r>
+          </a:p>
+          <a:p>
+            <a:r>
+              <a:rPr lang="en-US" dirty="0"/>
+              <a:t>'</a:t>
+            </a:r>
+            <a:r>
+              <a:rPr lang="en-US" dirty="0" err="1"/>
+              <a:t>lazyfree</a:t>
+            </a:r>
+            <a:r>
+              <a:rPr lang="en-US" dirty="0"/>
+              <a:t>-lazy-server-del' yes</a:t>
+            </a:r>
+          </a:p>
+          <a:p>
+            <a:endParaRPr lang="en-US" dirty="0"/>
+          </a:p>
+          <a:p>
+            <a:endParaRPr lang="en-US" dirty="0" err="1"/>
           </a:p>
         </p:txBody>
       </p:sp>
@@ -1806,7 +2453,7 @@
     </p:spTree>
     <p:extLst>
       <p:ext uri="{BB962C8B-B14F-4D97-AF65-F5344CB8AC3E}">
-        <p14:creationId xmlns:p14="http://schemas.microsoft.com/office/powerpoint/2010/main" val="2504565878"/>
+        <p14:creationId xmlns:p14="http://schemas.microsoft.com/office/powerpoint/2010/main" val="2434037152"/>
       </p:ext>
     </p:extLst>
   </p:cSld>
@@ -1860,64 +2507,154 @@
           <a:bodyPr/>
           <a:lstStyle/>
           <a:p>
-            <a:endParaRPr lang="en-KR" dirty="0"/>
-          </a:p>
-          <a:p>
-            <a:r>
-              <a:rPr lang="en-US" dirty="0"/>
-              <a:t>P-value</a:t>
+            <a:r>
+              <a:rPr lang="en-US" altLang="ko-KR" dirty="0"/>
+              <a:t>5</a:t>
             </a:r>
             <a:r>
               <a:rPr lang="ko-KR" altLang="en-US" dirty="0"/>
-              <a:t>가 </a:t>
+              <a:t>번 </a:t>
+            </a:r>
+            <a:r>
+              <a:rPr lang="en-US" altLang="ko-KR" dirty="0"/>
+              <a:t>throughput </a:t>
+            </a:r>
+            <a:r>
+              <a:rPr lang="ko-KR" altLang="en-US" dirty="0"/>
+              <a:t>값을 계산한 결과입니다</a:t>
+            </a:r>
+            <a:r>
+              <a:rPr lang="en-US" altLang="ko-KR" dirty="0"/>
+              <a:t>.</a:t>
+            </a:r>
+          </a:p>
+          <a:p>
+            <a:endParaRPr lang="en-US" altLang="ko-KR" dirty="0"/>
+          </a:p>
+          <a:p>
+            <a:r>
+              <a:rPr lang="ko-KR" altLang="en-US" dirty="0"/>
+              <a:t>전체 </a:t>
+            </a:r>
+            <a:r>
+              <a:rPr lang="en-US" altLang="ko-KR" dirty="0"/>
+              <a:t>knob </a:t>
+            </a:r>
+            <a:r>
+              <a:rPr lang="ko-KR" altLang="en-US" dirty="0"/>
+              <a:t>대상으로 </a:t>
+            </a:r>
+            <a:r>
+              <a:rPr lang="en-US" altLang="ko-KR" dirty="0" err="1"/>
+              <a:t>bo</a:t>
+            </a:r>
+            <a:r>
+              <a:rPr lang="ko-KR" altLang="en-US" dirty="0" err="1"/>
+              <a:t>를</a:t>
+            </a:r>
+            <a:r>
+              <a:rPr lang="ko-KR" altLang="en-US" dirty="0"/>
+              <a:t> 진행한 결과가 제가 </a:t>
+            </a:r>
+            <a:r>
+              <a:rPr lang="en-US" altLang="ko-KR" dirty="0" err="1"/>
+              <a:t>gouping</a:t>
+            </a:r>
+            <a:r>
+              <a:rPr lang="en-US" altLang="ko-KR" dirty="0"/>
+              <a:t> </a:t>
+            </a:r>
+            <a:r>
+              <a:rPr lang="ko-KR" altLang="en-US" dirty="0"/>
+              <a:t>시킨 뒤 개별적으로 </a:t>
+            </a:r>
+            <a:r>
+              <a:rPr lang="en-US" altLang="ko-KR" dirty="0" err="1"/>
+              <a:t>bo</a:t>
+            </a:r>
+            <a:r>
+              <a:rPr lang="ko-KR" altLang="en-US" dirty="0" err="1"/>
+              <a:t>를</a:t>
+            </a:r>
+            <a:r>
+              <a:rPr lang="ko-KR" altLang="en-US" dirty="0"/>
+              <a:t> 진행한 결과보다 더 높은 수치가 나온걸 확인할 수 있었습니다</a:t>
+            </a:r>
+            <a:r>
+              <a:rPr lang="en-US" altLang="ko-KR" dirty="0"/>
+              <a:t>.</a:t>
+            </a:r>
+            <a:r>
+              <a:rPr lang="ko-KR" altLang="en-US" dirty="0"/>
+              <a:t> </a:t>
+            </a:r>
+            <a:endParaRPr lang="en-US" altLang="ko-KR" dirty="0"/>
+          </a:p>
+          <a:p>
+            <a:endParaRPr lang="en-US" altLang="ko-KR" dirty="0"/>
+          </a:p>
+          <a:p>
+            <a:r>
+              <a:rPr lang="ko-KR" altLang="en-US" dirty="0"/>
+              <a:t>한계점</a:t>
+            </a:r>
+            <a:r>
+              <a:rPr lang="en-US" altLang="ko-KR" dirty="0"/>
+              <a:t>,</a:t>
+            </a:r>
+            <a:r>
+              <a:rPr lang="ko-KR" altLang="en-US" dirty="0"/>
+              <a:t> 문제점</a:t>
+            </a:r>
+            <a:endParaRPr lang="en-US" altLang="ko-KR" dirty="0"/>
+          </a:p>
+          <a:p>
+            <a:r>
+              <a:rPr lang="ko-KR" altLang="en-US" dirty="0"/>
+              <a:t>상관계수가 </a:t>
+            </a:r>
+            <a:r>
+              <a:rPr lang="en-US" altLang="ko-KR" dirty="0"/>
+              <a:t>0.1</a:t>
+            </a:r>
+            <a:r>
+              <a:rPr lang="ko-KR" altLang="en-US" dirty="0"/>
+              <a:t>을 넘지 않는 경우가 대부분이었고 </a:t>
+            </a:r>
+            <a:r>
+              <a:rPr lang="en-US" altLang="ko-KR" dirty="0"/>
+              <a:t>p-value </a:t>
+            </a:r>
+            <a:r>
+              <a:rPr lang="ko-KR" altLang="en-US" dirty="0"/>
+              <a:t>의 경우 </a:t>
             </a:r>
             <a:r>
               <a:rPr lang="en-US" altLang="ko-KR" dirty="0"/>
               <a:t>0.05</a:t>
             </a:r>
             <a:r>
+              <a:rPr lang="ko-KR" altLang="en-US" dirty="0" err="1"/>
+              <a:t>를</a:t>
+            </a:r>
+            <a:r>
               <a:rPr lang="ko-KR" altLang="en-US" dirty="0"/>
-              <a:t> 이하인 </a:t>
+              <a:t> 넘지 않아서 첨부터 상관계수 값들을 신뢰할 수 없어 연관시키는게 잘못된 과정</a:t>
             </a:r>
             <a:r>
               <a:rPr lang="en-US" altLang="ko-KR" dirty="0"/>
-              <a:t>Knob</a:t>
+              <a:t>?</a:t>
             </a:r>
             <a:r>
               <a:rPr lang="ko-KR" altLang="en-US" dirty="0"/>
-              <a:t>들을 확인했을 때는 </a:t>
-            </a:r>
-            <a:r>
-              <a:rPr lang="en-US" altLang="ko-KR" dirty="0"/>
-              <a:t>4</a:t>
-            </a:r>
-            <a:r>
-              <a:rPr lang="ko-KR" altLang="en-US" dirty="0"/>
-              <a:t>가지 뿐이었고 </a:t>
-            </a:r>
-            <a:endParaRPr lang="en-US" altLang="ko-KR" dirty="0"/>
-          </a:p>
-          <a:p>
-            <a:r>
-              <a:rPr lang="ko-KR" altLang="en-US" dirty="0"/>
-              <a:t>상관계수는 </a:t>
-            </a:r>
-            <a:r>
-              <a:rPr lang="en-US" altLang="ko-KR" dirty="0"/>
-              <a:t>0,.1</a:t>
-            </a:r>
-            <a:r>
-              <a:rPr lang="ko-KR" altLang="en-US" dirty="0"/>
-              <a:t> 이하인 값이어서 연관성이 있다고 보기는 어렵다고 생각했습니다</a:t>
+              <a:t> 이라고 생각합니다</a:t>
             </a:r>
             <a:r>
               <a:rPr lang="en-US" altLang="ko-KR" dirty="0"/>
               <a:t>.</a:t>
             </a:r>
-            <a:r>
-              <a:rPr lang="ko-KR" altLang="en-US" dirty="0"/>
-              <a:t> </a:t>
-            </a:r>
+          </a:p>
+          <a:p>
             <a:endParaRPr lang="en-KR" dirty="0"/>
           </a:p>
         </p:txBody>
@@ -1948,7 +2685,7 @@
     </p:spTree>
     <p:extLst>
       <p:ext uri="{BB962C8B-B14F-4D97-AF65-F5344CB8AC3E}">
-        <p14:creationId xmlns:p14="http://schemas.microsoft.com/office/powerpoint/2010/main" val="3296702577"/>
+        <p14:creationId xmlns:p14="http://schemas.microsoft.com/office/powerpoint/2010/main" val="1445440840"/>
       </p:ext>
     </p:extLst>
   </p:cSld>
@@ -2002,6 +2739,244 @@
           <a:bodyPr/>
           <a:lstStyle/>
           <a:p>
+            <a:r>
+              <a:rPr lang="en-US" dirty="0"/>
+              <a:t>O</a:t>
+            </a:r>
+            <a:r>
+              <a:rPr lang="en-KR" dirty="0"/>
+              <a:t>ther knob1</a:t>
+            </a:r>
+            <a:r>
+              <a:rPr lang="en-US" altLang="ko-KR" dirty="0"/>
+              <a:t>(</a:t>
+            </a:r>
+            <a:r>
+              <a:rPr lang="ko-KR" altLang="en-US" dirty="0"/>
+              <a:t>전체</a:t>
+            </a:r>
+            <a:r>
+              <a:rPr lang="en-US" altLang="ko-KR" dirty="0"/>
+              <a:t>)</a:t>
+            </a:r>
+            <a:endParaRPr lang="en-KR" dirty="0"/>
+          </a:p>
+          <a:p>
+            <a:r>
+              <a:rPr lang="en-US" dirty="0"/>
+              <a:t>S</a:t>
+            </a:r>
+            <a:r>
+              <a:rPr lang="en-KR" dirty="0"/>
+              <a:t>ave0_0 kendal</a:t>
+            </a:r>
+          </a:p>
+          <a:p>
+            <a:r>
+              <a:rPr lang="en-US" dirty="0"/>
+              <a:t>S</a:t>
+            </a:r>
+            <a:r>
+              <a:rPr lang="en-KR" dirty="0"/>
+              <a:t>ave1_0</a:t>
+            </a:r>
+          </a:p>
+          <a:p>
+            <a:r>
+              <a:rPr lang="en-US" dirty="0"/>
+              <a:t>S</a:t>
+            </a:r>
+            <a:r>
+              <a:rPr lang="en-KR" dirty="0"/>
+              <a:t>ave2_1</a:t>
+            </a:r>
+          </a:p>
+          <a:p>
+            <a:r>
+              <a:rPr lang="en-US" dirty="0"/>
+              <a:t>M</a:t>
+            </a:r>
+            <a:r>
+              <a:rPr lang="en-KR" dirty="0"/>
+              <a:t>axmemory-samples</a:t>
+            </a:r>
+          </a:p>
+          <a:p>
+            <a:endParaRPr lang="en-KR" dirty="0"/>
+          </a:p>
+          <a:p>
+            <a:r>
+              <a:rPr lang="en-US" dirty="0"/>
+              <a:t>O</a:t>
+            </a:r>
+            <a:r>
+              <a:rPr lang="en-KR" dirty="0"/>
+              <a:t>ther knob2</a:t>
+            </a:r>
+            <a:r>
+              <a:rPr lang="en-US" dirty="0"/>
+              <a:t>(</a:t>
+            </a:r>
+            <a:r>
+              <a:rPr lang="en-US" dirty="0" err="1"/>
+              <a:t>activedefrag</a:t>
+            </a:r>
+            <a:r>
+              <a:rPr lang="ko-KR" altLang="en-US" dirty="0"/>
+              <a:t>포함</a:t>
+            </a:r>
+            <a:r>
+              <a:rPr lang="en-US" altLang="ko-KR" dirty="0"/>
+              <a:t>)</a:t>
+            </a:r>
+            <a:endParaRPr lang="en-KR" dirty="0"/>
+          </a:p>
+          <a:p>
+            <a:r>
+              <a:rPr lang="en-US" dirty="0"/>
+              <a:t>S</a:t>
+            </a:r>
+            <a:r>
+              <a:rPr lang="en-KR" dirty="0"/>
+              <a:t>ave0_0</a:t>
+            </a:r>
+          </a:p>
+          <a:p>
+            <a:r>
+              <a:rPr lang="en-US" dirty="0"/>
+              <a:t>S</a:t>
+            </a:r>
+            <a:r>
+              <a:rPr lang="en-KR" dirty="0"/>
+              <a:t>ave0_1</a:t>
+            </a:r>
+          </a:p>
+          <a:p>
+            <a:r>
+              <a:rPr lang="en-US" dirty="0"/>
+              <a:t>S</a:t>
+            </a:r>
+            <a:r>
+              <a:rPr lang="en-KR" dirty="0"/>
+              <a:t>ave1_0</a:t>
+            </a:r>
+          </a:p>
+          <a:p>
+            <a:r>
+              <a:rPr lang="en-US" dirty="0"/>
+              <a:t>S</a:t>
+            </a:r>
+            <a:r>
+              <a:rPr lang="en-KR" dirty="0"/>
+              <a:t>ave2_1</a:t>
+            </a:r>
+          </a:p>
+          <a:p>
+            <a:r>
+              <a:rPr lang="en-US" dirty="0"/>
+              <a:t>M</a:t>
+            </a:r>
+            <a:r>
+              <a:rPr lang="en-KR" dirty="0"/>
+              <a:t>axmemory-samples</a:t>
+            </a:r>
+          </a:p>
+          <a:p>
+            <a:endParaRPr lang="en-KR" dirty="0"/>
+          </a:p>
+          <a:p>
+            <a:r>
+              <a:rPr lang="en-US" dirty="0"/>
+              <a:t>O</a:t>
+            </a:r>
+            <a:r>
+              <a:rPr lang="en-KR" dirty="0"/>
+              <a:t>ther knob3(activedefrag </a:t>
+            </a:r>
+            <a:r>
+              <a:rPr lang="ko-KR" altLang="en-US" dirty="0"/>
+              <a:t>제외</a:t>
+            </a:r>
+            <a:r>
+              <a:rPr lang="en-KR" dirty="0"/>
+              <a:t>)</a:t>
+            </a:r>
+          </a:p>
+          <a:p>
+            <a:r>
+              <a:rPr lang="en-US" dirty="0"/>
+              <a:t>S</a:t>
+            </a:r>
+            <a:r>
+              <a:rPr lang="en-KR" dirty="0"/>
+              <a:t>ave1_0</a:t>
+            </a:r>
+          </a:p>
+          <a:p>
+            <a:r>
+              <a:rPr lang="en-US" dirty="0"/>
+              <a:t>S</a:t>
+            </a:r>
+            <a:r>
+              <a:rPr lang="en-KR" dirty="0"/>
+              <a:t>ave2_0</a:t>
+            </a:r>
+          </a:p>
+          <a:p>
+            <a:r>
+              <a:rPr lang="en-US" dirty="0"/>
+              <a:t>S</a:t>
+            </a:r>
+            <a:r>
+              <a:rPr lang="en-KR" dirty="0"/>
+              <a:t>ave2_1</a:t>
+            </a:r>
+          </a:p>
+          <a:p>
+            <a:r>
+              <a:rPr lang="en-US" dirty="0"/>
+              <a:t>H</a:t>
+            </a:r>
+            <a:r>
+              <a:rPr lang="en-KR" dirty="0"/>
+              <a:t>ash-max-ziplist-enteries</a:t>
+            </a:r>
+          </a:p>
+          <a:p>
+            <a:r>
+              <a:rPr lang="en-US" dirty="0"/>
+              <a:t>H</a:t>
+            </a:r>
+            <a:r>
+              <a:rPr lang="en-KR" dirty="0"/>
+              <a:t>ash-max-ziplist-value</a:t>
+            </a:r>
+          </a:p>
+          <a:p>
+            <a:endParaRPr lang="en-KR" dirty="0"/>
+          </a:p>
+          <a:p>
+            <a:endParaRPr lang="en-KR" dirty="0"/>
+          </a:p>
+          <a:p>
+            <a:endParaRPr lang="en-KR" dirty="0"/>
+          </a:p>
+          <a:p>
+            <a:endParaRPr lang="en-KR" dirty="0"/>
+          </a:p>
+          <a:p>
+            <a:endParaRPr lang="en-KR" dirty="0"/>
+          </a:p>
+          <a:p>
+            <a:endParaRPr lang="en-KR" dirty="0"/>
+          </a:p>
+          <a:p>
+            <a:endParaRPr lang="en-KR" dirty="0"/>
+          </a:p>
+          <a:p>
+            <a:endParaRPr lang="en-KR" dirty="0"/>
+          </a:p>
+          <a:p>
             <a:endParaRPr lang="en-KR" dirty="0"/>
           </a:p>
         </p:txBody>
@@ -2032,7 +3007,7 @@
     </p:spTree>
     <p:extLst>
       <p:ext uri="{BB962C8B-B14F-4D97-AF65-F5344CB8AC3E}">
-        <p14:creationId xmlns:p14="http://schemas.microsoft.com/office/powerpoint/2010/main" val="115935143"/>
+        <p14:creationId xmlns:p14="http://schemas.microsoft.com/office/powerpoint/2010/main" val="2504565878"/>
       </p:ext>
     </p:extLst>
   </p:cSld>
@@ -2086,244 +3061,64 @@
           <a:bodyPr/>
           <a:lstStyle/>
           <a:p>
+            <a:endParaRPr lang="en-KR" dirty="0"/>
+          </a:p>
+          <a:p>
             <a:r>
               <a:rPr lang="en-US" dirty="0"/>
-              <a:t>O</a:t>
-            </a:r>
-            <a:r>
-              <a:rPr lang="en-KR" dirty="0"/>
-              <a:t>ther knob1</a:t>
+              <a:t>P-value</a:t>
+            </a:r>
+            <a:r>
+              <a:rPr lang="ko-KR" altLang="en-US" dirty="0"/>
+              <a:t>가 </a:t>
             </a:r>
             <a:r>
               <a:rPr lang="en-US" altLang="ko-KR" dirty="0"/>
-              <a:t>(</a:t>
+              <a:t>0.05</a:t>
             </a:r>
             <a:r>
               <a:rPr lang="ko-KR" altLang="en-US" dirty="0"/>
-              <a:t>전체</a:t>
+              <a:t> 이하인 </a:t>
             </a:r>
             <a:r>
               <a:rPr lang="en-US" altLang="ko-KR" dirty="0"/>
-              <a:t>)</a:t>
-            </a:r>
-            <a:endParaRPr lang="en-KR" dirty="0"/>
-          </a:p>
-          <a:p>
-            <a:r>
-              <a:rPr lang="en-US" dirty="0"/>
-              <a:t>S</a:t>
-            </a:r>
-            <a:r>
-              <a:rPr lang="en-KR" dirty="0"/>
-              <a:t>ave0_0 kendal</a:t>
-            </a:r>
-          </a:p>
-          <a:p>
-            <a:r>
-              <a:rPr lang="en-US" dirty="0"/>
-              <a:t>S</a:t>
-            </a:r>
-            <a:r>
-              <a:rPr lang="en-KR" dirty="0"/>
-              <a:t>ave1_0</a:t>
-            </a:r>
-          </a:p>
-          <a:p>
-            <a:r>
-              <a:rPr lang="en-US" dirty="0"/>
-              <a:t>S</a:t>
-            </a:r>
-            <a:r>
-              <a:rPr lang="en-KR" dirty="0"/>
-              <a:t>ave2_1</a:t>
-            </a:r>
-          </a:p>
-          <a:p>
-            <a:r>
-              <a:rPr lang="en-US" dirty="0"/>
-              <a:t>M</a:t>
-            </a:r>
-            <a:r>
-              <a:rPr lang="en-KR" dirty="0"/>
-              <a:t>axmemory-samples</a:t>
-            </a:r>
-          </a:p>
-          <a:p>
-            <a:endParaRPr lang="en-KR" dirty="0"/>
-          </a:p>
-          <a:p>
-            <a:r>
-              <a:rPr lang="en-US" dirty="0"/>
-              <a:t>O</a:t>
-            </a:r>
-            <a:r>
-              <a:rPr lang="en-KR" dirty="0"/>
-              <a:t>ther knob2</a:t>
-            </a:r>
-            <a:r>
-              <a:rPr lang="en-US" dirty="0"/>
-              <a:t>(</a:t>
-            </a:r>
-            <a:r>
-              <a:rPr lang="en-US" dirty="0" err="1"/>
-              <a:t>activedefrag</a:t>
+              <a:t>Knob</a:t>
             </a:r>
             <a:r>
               <a:rPr lang="ko-KR" altLang="en-US" dirty="0"/>
-              <a:t>포함</a:t>
+              <a:t>들을 확인했을 때는 </a:t>
             </a:r>
             <a:r>
               <a:rPr lang="en-US" altLang="ko-KR" dirty="0"/>
-              <a:t>)</a:t>
-            </a:r>
-            <a:endParaRPr lang="en-KR" dirty="0"/>
-          </a:p>
-          <a:p>
-            <a:r>
-              <a:rPr lang="en-US" dirty="0"/>
-              <a:t>S</a:t>
-            </a:r>
-            <a:r>
-              <a:rPr lang="en-KR" dirty="0"/>
-              <a:t>ave0_0</a:t>
-            </a:r>
-          </a:p>
-          <a:p>
-            <a:r>
-              <a:rPr lang="en-US" dirty="0"/>
-              <a:t>S</a:t>
-            </a:r>
-            <a:r>
-              <a:rPr lang="en-KR" dirty="0"/>
-              <a:t>ave0_1</a:t>
-            </a:r>
-          </a:p>
-          <a:p>
-            <a:r>
-              <a:rPr lang="en-US" dirty="0"/>
-              <a:t>S</a:t>
-            </a:r>
-            <a:r>
-              <a:rPr lang="en-KR" dirty="0"/>
-              <a:t>ave1_0</a:t>
-            </a:r>
-          </a:p>
-          <a:p>
-            <a:r>
-              <a:rPr lang="en-US" dirty="0"/>
-              <a:t>S</a:t>
-            </a:r>
-            <a:r>
-              <a:rPr lang="en-KR" dirty="0"/>
-              <a:t>ave2_1</a:t>
-            </a:r>
-          </a:p>
-          <a:p>
-            <a:r>
-              <a:rPr lang="en-US" dirty="0"/>
-              <a:t>M</a:t>
-            </a:r>
-            <a:r>
-              <a:rPr lang="en-KR" dirty="0"/>
-              <a:t>axmemory-samples</a:t>
-            </a:r>
-          </a:p>
-          <a:p>
-            <a:endParaRPr lang="en-KR" dirty="0"/>
-          </a:p>
-          <a:p>
-            <a:r>
-              <a:rPr lang="en-US" dirty="0"/>
-              <a:t>O</a:t>
-            </a:r>
-            <a:r>
-              <a:rPr lang="en-KR" dirty="0"/>
-              <a:t>ther knob3(activedefrag </a:t>
+              <a:t>4</a:t>
             </a:r>
             <a:r>
               <a:rPr lang="ko-KR" altLang="en-US" dirty="0"/>
-              <a:t>제외</a:t>
-            </a:r>
-            <a:r>
-              <a:rPr lang="en-KR" dirty="0"/>
-              <a:t>)</a:t>
-            </a:r>
-          </a:p>
-          <a:p>
-            <a:r>
-              <a:rPr lang="en-US" dirty="0"/>
-              <a:t>S</a:t>
-            </a:r>
-            <a:r>
-              <a:rPr lang="en-KR" dirty="0"/>
-              <a:t>ave1_0</a:t>
-            </a:r>
-          </a:p>
-          <a:p>
-            <a:r>
-              <a:rPr lang="en-US" dirty="0"/>
-              <a:t>S</a:t>
-            </a:r>
-            <a:r>
-              <a:rPr lang="en-KR" dirty="0"/>
-              <a:t>ave2_0</a:t>
-            </a:r>
-          </a:p>
-          <a:p>
-            <a:r>
-              <a:rPr lang="en-US" dirty="0"/>
-              <a:t>S</a:t>
-            </a:r>
-            <a:r>
-              <a:rPr lang="en-KR" dirty="0"/>
-              <a:t>ave2_1</a:t>
-            </a:r>
-          </a:p>
-          <a:p>
-            <a:r>
-              <a:rPr lang="en-US" dirty="0"/>
-              <a:t>H</a:t>
-            </a:r>
-            <a:r>
-              <a:rPr lang="en-KR" dirty="0"/>
-              <a:t>ash-max-ziplist-enteries</a:t>
-            </a:r>
-          </a:p>
-          <a:p>
-            <a:r>
-              <a:rPr lang="en-US" dirty="0"/>
-              <a:t>H</a:t>
-            </a:r>
-            <a:r>
-              <a:rPr lang="en-KR" dirty="0"/>
-              <a:t>ash-max-ziplist-value</a:t>
-            </a:r>
-          </a:p>
-          <a:p>
-            <a:endParaRPr lang="en-KR" dirty="0"/>
-          </a:p>
-          <a:p>
-            <a:endParaRPr lang="en-KR" dirty="0"/>
-          </a:p>
-          <a:p>
-            <a:endParaRPr lang="en-KR" dirty="0"/>
-          </a:p>
-          <a:p>
-            <a:endParaRPr lang="en-KR" dirty="0"/>
-          </a:p>
-          <a:p>
-            <a:endParaRPr lang="en-KR" dirty="0"/>
-          </a:p>
-          <a:p>
-            <a:endParaRPr lang="en-KR" dirty="0"/>
-          </a:p>
-          <a:p>
-            <a:endParaRPr lang="en-KR" dirty="0"/>
-          </a:p>
-          <a:p>
-            <a:endParaRPr lang="en-KR" dirty="0"/>
-          </a:p>
-          <a:p>
+              <a:t>가지 뿐이었고 </a:t>
+            </a:r>
+            <a:endParaRPr lang="en-US" altLang="ko-KR" dirty="0"/>
+          </a:p>
+          <a:p>
+            <a:r>
+              <a:rPr lang="ko-KR" altLang="en-US" dirty="0"/>
+              <a:t>상관계수는 </a:t>
+            </a:r>
+            <a:r>
+              <a:rPr lang="en-US" altLang="ko-KR" dirty="0"/>
+              <a:t>0,.1</a:t>
+            </a:r>
+            <a:r>
+              <a:rPr lang="ko-KR" altLang="en-US" dirty="0"/>
+              <a:t> 이하인 값이어서 연관성이 있다고 보기는 어렵다고 생각했습니다</a:t>
+            </a:r>
+            <a:r>
+              <a:rPr lang="en-US" altLang="ko-KR" dirty="0"/>
+              <a:t>.</a:t>
+            </a:r>
+            <a:r>
+              <a:rPr lang="ko-KR" altLang="en-US" dirty="0"/>
+              <a:t> </a:t>
+            </a:r>
             <a:endParaRPr lang="en-KR" dirty="0"/>
           </a:p>
         </p:txBody>
@@ -2354,7 +3149,7 @@
     </p:spTree>
     <p:extLst>
       <p:ext uri="{BB962C8B-B14F-4D97-AF65-F5344CB8AC3E}">
-        <p14:creationId xmlns:p14="http://schemas.microsoft.com/office/powerpoint/2010/main" val="40276587"/>
+        <p14:creationId xmlns:p14="http://schemas.microsoft.com/office/powerpoint/2010/main" val="3296702577"/>
       </p:ext>
     </p:extLst>
   </p:cSld>
@@ -2438,7 +3233,7 @@
     </p:spTree>
     <p:extLst>
       <p:ext uri="{BB962C8B-B14F-4D97-AF65-F5344CB8AC3E}">
-        <p14:creationId xmlns:p14="http://schemas.microsoft.com/office/powerpoint/2010/main" val="2535231776"/>
+        <p14:creationId xmlns:p14="http://schemas.microsoft.com/office/powerpoint/2010/main" val="115935143"/>
       </p:ext>
     </p:extLst>
   </p:cSld>
@@ -2597,7 +3392,7 @@
           <a:p>
             <a:fld id="{C7DE45F8-7D89-D746-AA99-D12565FD74B2}" type="datetime1">
               <a:rPr lang="en-US" smtClean="0"/>
-              <a:t>8/29/21</a:t>
+              <a:t>9/4/21</a:t>
             </a:fld>
             <a:endParaRPr lang="en-KR"/>
           </a:p>
@@ -2797,7 +3592,7 @@
           <a:p>
             <a:fld id="{C718B04C-9B9D-E84C-B85E-C0D6C3D3794F}" type="datetime1">
               <a:rPr lang="en-US" smtClean="0"/>
-              <a:t>8/29/21</a:t>
+              <a:t>9/4/21</a:t>
             </a:fld>
             <a:endParaRPr lang="en-KR"/>
           </a:p>
@@ -3007,7 +3802,7 @@
           <a:p>
             <a:fld id="{43851114-648F-DC48-AEBD-3B978578801C}" type="datetime1">
               <a:rPr lang="en-US" smtClean="0"/>
-              <a:t>8/29/21</a:t>
+              <a:t>9/4/21</a:t>
             </a:fld>
             <a:endParaRPr lang="en-KR"/>
           </a:p>
@@ -3207,7 +4002,7 @@
           <a:p>
             <a:fld id="{2171C15F-C927-0B4A-B4DE-2407930C0E33}" type="datetime1">
               <a:rPr lang="en-US" smtClean="0"/>
-              <a:t>8/29/21</a:t>
+              <a:t>9/4/21</a:t>
             </a:fld>
             <a:endParaRPr lang="en-KR"/>
           </a:p>
@@ -3483,7 +4278,7 @@
           <a:p>
             <a:fld id="{77221826-864B-AF4A-940E-0E5AF71FC2B9}" type="datetime1">
               <a:rPr lang="en-US" smtClean="0"/>
-              <a:t>8/29/21</a:t>
+              <a:t>9/4/21</a:t>
             </a:fld>
             <a:endParaRPr lang="en-KR"/>
           </a:p>
@@ -3751,7 +4546,7 @@
           <a:p>
             <a:fld id="{3B445B56-6301-D74C-BBC5-F79272DA6E8D}" type="datetime1">
               <a:rPr lang="en-US" smtClean="0"/>
-              <a:t>8/29/21</a:t>
+              <a:t>9/4/21</a:t>
             </a:fld>
             <a:endParaRPr lang="en-KR"/>
           </a:p>
@@ -4166,7 +4961,7 @@
           <a:p>
             <a:fld id="{9E3D04B2-EDA2-3F41-A87A-B5662C14F401}" type="datetime1">
               <a:rPr lang="en-US" smtClean="0"/>
-              <a:t>8/29/21</a:t>
+              <a:t>9/4/21</a:t>
             </a:fld>
             <a:endParaRPr lang="en-KR"/>
           </a:p>
@@ -4308,7 +5103,7 @@
           <a:p>
             <a:fld id="{8B2B45A3-C664-A548-A1C3-89AE108DACD8}" type="datetime1">
               <a:rPr lang="en-US" smtClean="0"/>
-              <a:t>8/29/21</a:t>
+              <a:t>9/4/21</a:t>
             </a:fld>
             <a:endParaRPr lang="en-KR"/>
           </a:p>
@@ -4421,7 +5216,7 @@
           <a:p>
             <a:fld id="{38B9046A-B2C2-134B-85F5-4C1CB971EB4F}" type="datetime1">
               <a:rPr lang="en-US" smtClean="0"/>
-              <a:t>8/29/21</a:t>
+              <a:t>9/4/21</a:t>
             </a:fld>
             <a:endParaRPr lang="en-KR"/>
           </a:p>
@@ -4734,7 +5529,7 @@
           <a:p>
             <a:fld id="{C6CDF9CC-6C78-504E-B67E-096B23FFA782}" type="datetime1">
               <a:rPr lang="en-US" smtClean="0"/>
-              <a:t>8/29/21</a:t>
+              <a:t>9/4/21</a:t>
             </a:fld>
             <a:endParaRPr lang="en-KR"/>
           </a:p>
@@ -5023,7 +5818,7 @@
           <a:p>
             <a:fld id="{2FE99879-D43F-CA43-9664-0E0AACF82A46}" type="datetime1">
               <a:rPr lang="en-US" smtClean="0"/>
-              <a:t>8/29/21</a:t>
+              <a:t>9/4/21</a:t>
             </a:fld>
             <a:endParaRPr lang="en-KR"/>
           </a:p>
@@ -5266,7 +6061,7 @@
           <a:p>
             <a:fld id="{29BA21FE-A241-2542-B970-A1B500D24A6E}" type="datetime1">
               <a:rPr lang="en-US" smtClean="0"/>
-              <a:t>8/29/21</a:t>
+              <a:t>9/4/21</a:t>
             </a:fld>
             <a:endParaRPr lang="en-KR"/>
           </a:p>
@@ -5828,8 +6623,16 @@
           <a:lstStyle/>
           <a:p>
             <a:r>
-              <a:rPr lang="en-US" dirty="0"/>
-              <a:t>Boolean knob</a:t>
+              <a:rPr lang="en-US" altLang="ko-KR" dirty="0"/>
+              <a:t>Numeric</a:t>
+            </a:r>
+            <a:r>
+              <a:rPr lang="ko-KR" altLang="en-US" dirty="0"/>
+              <a:t> </a:t>
+            </a:r>
+            <a:r>
+              <a:rPr lang="en-US" altLang="ko-KR" dirty="0"/>
+              <a:t>knob</a:t>
             </a:r>
             <a:r>
               <a:rPr lang="ko-KR" altLang="en-US" dirty="0"/>
@@ -5867,6 +6670,996 @@
             <a:fld id="{78583395-A25F-E84C-A18F-BA4FF87D0EA7}" type="slidenum">
               <a:rPr lang="en-KR" smtClean="0"/>
               <a:t>10</a:t>
+            </a:fld>
+            <a:endParaRPr lang="en-KR"/>
+          </a:p>
+        </p:txBody>
+      </p:sp>
+      <p:grpSp>
+        <p:nvGrpSpPr>
+          <p:cNvPr id="7" name="Group 6">
+            <a:extLst>
+              <a:ext uri="{FF2B5EF4-FFF2-40B4-BE49-F238E27FC236}">
+                <a16:creationId xmlns:a16="http://schemas.microsoft.com/office/drawing/2014/main" id="{075795B3-4B68-A947-8366-86C88B0A44EE}"/>
+              </a:ext>
+            </a:extLst>
+          </p:cNvPr>
+          <p:cNvGrpSpPr/>
+          <p:nvPr/>
+        </p:nvGrpSpPr>
+        <p:grpSpPr>
+          <a:xfrm>
+            <a:off x="2030194" y="1753492"/>
+            <a:ext cx="3757420" cy="1803627"/>
+            <a:chOff x="838200" y="1690687"/>
+            <a:chExt cx="3757420" cy="1803627"/>
+          </a:xfrm>
+        </p:grpSpPr>
+        <p:sp>
+          <p:nvSpPr>
+            <p:cNvPr id="11" name="Rectangle 10">
+              <a:extLst>
+                <a:ext uri="{FF2B5EF4-FFF2-40B4-BE49-F238E27FC236}">
+                  <a16:creationId xmlns:a16="http://schemas.microsoft.com/office/drawing/2014/main" id="{C3215EA0-6E02-0646-8314-9B7F1A88B716}"/>
+                </a:ext>
+              </a:extLst>
+            </p:cNvPr>
+            <p:cNvSpPr/>
+            <p:nvPr/>
+          </p:nvSpPr>
+          <p:spPr>
+            <a:xfrm>
+              <a:off x="872361" y="1690687"/>
+              <a:ext cx="1855074" cy="369332"/>
+            </a:xfrm>
+            <a:prstGeom prst="rect">
+              <a:avLst/>
+            </a:prstGeom>
+          </p:spPr>
+          <p:txBody>
+            <a:bodyPr wrap="square">
+              <a:spAutoFit/>
+            </a:bodyPr>
+            <a:lstStyle/>
+            <a:p>
+              <a:pPr marL="285750" indent="-285750">
+                <a:buFont typeface="Arial" panose="020B0604020202020204" pitchFamily="34" charset="0"/>
+                <a:buChar char="•"/>
+              </a:pPr>
+              <a:r>
+                <a:rPr lang="en-US" b="1" dirty="0"/>
+                <a:t>save0_0</a:t>
+              </a:r>
+            </a:p>
+          </p:txBody>
+        </p:sp>
+        <p:pic>
+          <p:nvPicPr>
+            <p:cNvPr id="4" name="Picture 3">
+              <a:extLst>
+                <a:ext uri="{FF2B5EF4-FFF2-40B4-BE49-F238E27FC236}">
+                  <a16:creationId xmlns:a16="http://schemas.microsoft.com/office/drawing/2014/main" id="{7A601CA8-29E0-3947-ADB0-2ABDF5D77A7F}"/>
+                </a:ext>
+              </a:extLst>
+            </p:cNvPr>
+            <p:cNvPicPr>
+              <a:picLocks noChangeAspect="1"/>
+            </p:cNvPicPr>
+            <p:nvPr/>
+          </p:nvPicPr>
+          <p:blipFill>
+            <a:blip r:embed="rId3"/>
+            <a:stretch>
+              <a:fillRect/>
+            </a:stretch>
+          </p:blipFill>
+          <p:spPr>
+            <a:xfrm>
+              <a:off x="838200" y="2168752"/>
+              <a:ext cx="3757420" cy="1325562"/>
+            </a:xfrm>
+            <a:prstGeom prst="rect">
+              <a:avLst/>
+            </a:prstGeom>
+          </p:spPr>
+        </p:pic>
+      </p:grpSp>
+      <p:grpSp>
+        <p:nvGrpSpPr>
+          <p:cNvPr id="13" name="Group 12">
+            <a:extLst>
+              <a:ext uri="{FF2B5EF4-FFF2-40B4-BE49-F238E27FC236}">
+                <a16:creationId xmlns:a16="http://schemas.microsoft.com/office/drawing/2014/main" id="{CA8C2AB0-2695-664F-847E-C757C6721CD6}"/>
+              </a:ext>
+            </a:extLst>
+          </p:cNvPr>
+          <p:cNvGrpSpPr/>
+          <p:nvPr/>
+        </p:nvGrpSpPr>
+        <p:grpSpPr>
+          <a:xfrm>
+            <a:off x="6504744" y="1753492"/>
+            <a:ext cx="3842324" cy="2130198"/>
+            <a:chOff x="5067817" y="1690687"/>
+            <a:chExt cx="3842324" cy="2130198"/>
+          </a:xfrm>
+        </p:grpSpPr>
+        <p:sp>
+          <p:nvSpPr>
+            <p:cNvPr id="5" name="Rectangle 4">
+              <a:extLst>
+                <a:ext uri="{FF2B5EF4-FFF2-40B4-BE49-F238E27FC236}">
+                  <a16:creationId xmlns:a16="http://schemas.microsoft.com/office/drawing/2014/main" id="{5D6C704B-5DF7-9545-BA4F-4D23FA8AD842}"/>
+                </a:ext>
+              </a:extLst>
+            </p:cNvPr>
+            <p:cNvSpPr/>
+            <p:nvPr/>
+          </p:nvSpPr>
+          <p:spPr>
+            <a:xfrm>
+              <a:off x="5067817" y="1690687"/>
+              <a:ext cx="1236557" cy="369332"/>
+            </a:xfrm>
+            <a:prstGeom prst="rect">
+              <a:avLst/>
+            </a:prstGeom>
+          </p:spPr>
+          <p:txBody>
+            <a:bodyPr wrap="none">
+              <a:spAutoFit/>
+            </a:bodyPr>
+            <a:lstStyle/>
+            <a:p>
+              <a:pPr marL="285750" indent="-285750">
+                <a:buFont typeface="Arial" panose="020B0604020202020204" pitchFamily="34" charset="0"/>
+                <a:buChar char="•"/>
+              </a:pPr>
+              <a:r>
+                <a:rPr lang="en-US" b="1" dirty="0"/>
+                <a:t>save1_0</a:t>
+              </a:r>
+            </a:p>
+          </p:txBody>
+        </p:sp>
+        <p:pic>
+          <p:nvPicPr>
+            <p:cNvPr id="6" name="Picture 5">
+              <a:extLst>
+                <a:ext uri="{FF2B5EF4-FFF2-40B4-BE49-F238E27FC236}">
+                  <a16:creationId xmlns:a16="http://schemas.microsoft.com/office/drawing/2014/main" id="{856B5EC9-8A9D-7C43-A987-E6BE267BD7C3}"/>
+                </a:ext>
+              </a:extLst>
+            </p:cNvPr>
+            <p:cNvPicPr>
+              <a:picLocks noChangeAspect="1"/>
+            </p:cNvPicPr>
+            <p:nvPr/>
+          </p:nvPicPr>
+          <p:blipFill>
+            <a:blip r:embed="rId4"/>
+            <a:stretch>
+              <a:fillRect/>
+            </a:stretch>
+          </p:blipFill>
+          <p:spPr>
+            <a:xfrm>
+              <a:off x="5067817" y="2074374"/>
+              <a:ext cx="3842324" cy="1746511"/>
+            </a:xfrm>
+            <a:prstGeom prst="rect">
+              <a:avLst/>
+            </a:prstGeom>
+          </p:spPr>
+        </p:pic>
+      </p:grpSp>
+      <p:grpSp>
+        <p:nvGrpSpPr>
+          <p:cNvPr id="14" name="Group 13">
+            <a:extLst>
+              <a:ext uri="{FF2B5EF4-FFF2-40B4-BE49-F238E27FC236}">
+                <a16:creationId xmlns:a16="http://schemas.microsoft.com/office/drawing/2014/main" id="{56310B9F-FFCA-564E-BB7A-35DA968D1022}"/>
+              </a:ext>
+            </a:extLst>
+          </p:cNvPr>
+          <p:cNvGrpSpPr/>
+          <p:nvPr/>
+        </p:nvGrpSpPr>
+        <p:grpSpPr>
+          <a:xfrm>
+            <a:off x="2039827" y="4284635"/>
+            <a:ext cx="2807137" cy="2008910"/>
+            <a:chOff x="847833" y="4221830"/>
+            <a:chExt cx="2807137" cy="2008910"/>
+          </a:xfrm>
+        </p:grpSpPr>
+        <p:sp>
+          <p:nvSpPr>
+            <p:cNvPr id="8" name="Rectangle 7">
+              <a:extLst>
+                <a:ext uri="{FF2B5EF4-FFF2-40B4-BE49-F238E27FC236}">
+                  <a16:creationId xmlns:a16="http://schemas.microsoft.com/office/drawing/2014/main" id="{5B618160-E94A-074C-B432-6130C2B7578B}"/>
+                </a:ext>
+              </a:extLst>
+            </p:cNvPr>
+            <p:cNvSpPr/>
+            <p:nvPr/>
+          </p:nvSpPr>
+          <p:spPr>
+            <a:xfrm>
+              <a:off x="872361" y="4221830"/>
+              <a:ext cx="1855074" cy="369332"/>
+            </a:xfrm>
+            <a:prstGeom prst="rect">
+              <a:avLst/>
+            </a:prstGeom>
+          </p:spPr>
+          <p:txBody>
+            <a:bodyPr wrap="square">
+              <a:spAutoFit/>
+            </a:bodyPr>
+            <a:lstStyle/>
+            <a:p>
+              <a:pPr marL="285750" indent="-285750">
+                <a:buFont typeface="Arial" panose="020B0604020202020204" pitchFamily="34" charset="0"/>
+                <a:buChar char="•"/>
+              </a:pPr>
+              <a:r>
+                <a:rPr lang="en-US" b="1" dirty="0"/>
+                <a:t>save2_1</a:t>
+              </a:r>
+            </a:p>
+          </p:txBody>
+        </p:sp>
+        <p:pic>
+          <p:nvPicPr>
+            <p:cNvPr id="10" name="Picture 9">
+              <a:extLst>
+                <a:ext uri="{FF2B5EF4-FFF2-40B4-BE49-F238E27FC236}">
+                  <a16:creationId xmlns:a16="http://schemas.microsoft.com/office/drawing/2014/main" id="{1947E3DB-BCA6-7945-837E-A057059CD337}"/>
+                </a:ext>
+              </a:extLst>
+            </p:cNvPr>
+            <p:cNvPicPr>
+              <a:picLocks noChangeAspect="1"/>
+            </p:cNvPicPr>
+            <p:nvPr/>
+          </p:nvPicPr>
+          <p:blipFill>
+            <a:blip r:embed="rId5"/>
+            <a:stretch>
+              <a:fillRect/>
+            </a:stretch>
+          </p:blipFill>
+          <p:spPr>
+            <a:xfrm>
+              <a:off x="847833" y="4708688"/>
+              <a:ext cx="2807137" cy="1522052"/>
+            </a:xfrm>
+            <a:prstGeom prst="rect">
+              <a:avLst/>
+            </a:prstGeom>
+          </p:spPr>
+        </p:pic>
+      </p:grpSp>
+      <p:grpSp>
+        <p:nvGrpSpPr>
+          <p:cNvPr id="15" name="Group 14">
+            <a:extLst>
+              <a:ext uri="{FF2B5EF4-FFF2-40B4-BE49-F238E27FC236}">
+                <a16:creationId xmlns:a16="http://schemas.microsoft.com/office/drawing/2014/main" id="{18A6C915-ACAF-1344-9E6F-DDAA5AA02C19}"/>
+              </a:ext>
+            </a:extLst>
+          </p:cNvPr>
+          <p:cNvGrpSpPr/>
+          <p:nvPr/>
+        </p:nvGrpSpPr>
+        <p:grpSpPr>
+          <a:xfrm>
+            <a:off x="6504744" y="4284635"/>
+            <a:ext cx="3194440" cy="1792762"/>
+            <a:chOff x="5067817" y="4221830"/>
+            <a:chExt cx="3194440" cy="1792762"/>
+          </a:xfrm>
+        </p:grpSpPr>
+        <p:sp>
+          <p:nvSpPr>
+            <p:cNvPr id="9" name="Rectangle 8">
+              <a:extLst>
+                <a:ext uri="{FF2B5EF4-FFF2-40B4-BE49-F238E27FC236}">
+                  <a16:creationId xmlns:a16="http://schemas.microsoft.com/office/drawing/2014/main" id="{C4628271-C004-034F-B05C-D2F537C4E24A}"/>
+                </a:ext>
+              </a:extLst>
+            </p:cNvPr>
+            <p:cNvSpPr/>
+            <p:nvPr/>
+          </p:nvSpPr>
+          <p:spPr>
+            <a:xfrm>
+              <a:off x="5067817" y="4221830"/>
+              <a:ext cx="2529603" cy="369332"/>
+            </a:xfrm>
+            <a:prstGeom prst="rect">
+              <a:avLst/>
+            </a:prstGeom>
+          </p:spPr>
+          <p:txBody>
+            <a:bodyPr wrap="none">
+              <a:spAutoFit/>
+            </a:bodyPr>
+            <a:lstStyle/>
+            <a:p>
+              <a:pPr marL="285750" indent="-285750">
+                <a:buFont typeface="Arial" panose="020B0604020202020204" pitchFamily="34" charset="0"/>
+                <a:buChar char="•"/>
+              </a:pPr>
+              <a:r>
+                <a:rPr lang="en-US" b="1" dirty="0" err="1"/>
+                <a:t>maxmemory</a:t>
+              </a:r>
+              <a:r>
+                <a:rPr lang="en-US" b="1" dirty="0"/>
+                <a:t>-samples</a:t>
+              </a:r>
+            </a:p>
+          </p:txBody>
+        </p:sp>
+        <p:pic>
+          <p:nvPicPr>
+            <p:cNvPr id="12" name="Picture 11">
+              <a:extLst>
+                <a:ext uri="{FF2B5EF4-FFF2-40B4-BE49-F238E27FC236}">
+                  <a16:creationId xmlns:a16="http://schemas.microsoft.com/office/drawing/2014/main" id="{6839B732-A9D5-A942-B879-4AF9AF3B82E9}"/>
+                </a:ext>
+              </a:extLst>
+            </p:cNvPr>
+            <p:cNvPicPr>
+              <a:picLocks noChangeAspect="1"/>
+            </p:cNvPicPr>
+            <p:nvPr/>
+          </p:nvPicPr>
+          <p:blipFill>
+            <a:blip r:embed="rId6"/>
+            <a:stretch>
+              <a:fillRect/>
+            </a:stretch>
+          </p:blipFill>
+          <p:spPr>
+            <a:xfrm>
+              <a:off x="5067817" y="4708688"/>
+              <a:ext cx="3194440" cy="1305904"/>
+            </a:xfrm>
+            <a:prstGeom prst="rect">
+              <a:avLst/>
+            </a:prstGeom>
+          </p:spPr>
+        </p:pic>
+      </p:grpSp>
+    </p:spTree>
+    <p:extLst>
+      <p:ext uri="{BB962C8B-B14F-4D97-AF65-F5344CB8AC3E}">
+        <p14:creationId xmlns:p14="http://schemas.microsoft.com/office/powerpoint/2010/main" val="3392640423"/>
+      </p:ext>
+    </p:extLst>
+  </p:cSld>
+  <p:clrMapOvr>
+    <a:masterClrMapping/>
+  </p:clrMapOvr>
+</p:sld>
+</file>
+
+<file path=ppt/slides/slide11.xml><?xml version="1.0" encoding="utf-8"?>
+<p:sld xmlns:a="http://schemas.openxmlformats.org/drawingml/2006/main" xmlns:r="http://schemas.openxmlformats.org/officeDocument/2006/relationships" xmlns:p="http://schemas.openxmlformats.org/presentationml/2006/main">
+  <p:cSld>
+    <p:spTree>
+      <p:nvGrpSpPr>
+        <p:cNvPr id="1" name=""/>
+        <p:cNvGrpSpPr/>
+        <p:nvPr/>
+      </p:nvGrpSpPr>
+      <p:grpSpPr>
+        <a:xfrm>
+          <a:off x="0" y="0"/>
+          <a:ext cx="0" cy="0"/>
+          <a:chOff x="0" y="0"/>
+          <a:chExt cx="0" cy="0"/>
+        </a:xfrm>
+      </p:grpSpPr>
+      <p:sp>
+        <p:nvSpPr>
+          <p:cNvPr id="2" name="Title 1">
+            <a:extLst>
+              <a:ext uri="{FF2B5EF4-FFF2-40B4-BE49-F238E27FC236}">
+                <a16:creationId xmlns:a16="http://schemas.microsoft.com/office/drawing/2014/main" id="{821B4B74-4A80-6E49-BF95-0A3F5C03FC81}"/>
+              </a:ext>
+            </a:extLst>
+          </p:cNvPr>
+          <p:cNvSpPr>
+            <a:spLocks noGrp="1"/>
+          </p:cNvSpPr>
+          <p:nvPr>
+            <p:ph type="title"/>
+          </p:nvPr>
+        </p:nvSpPr>
+        <p:spPr/>
+        <p:txBody>
+          <a:bodyPr/>
+          <a:lstStyle/>
+          <a:p>
+            <a:r>
+              <a:rPr lang="en-US" dirty="0" err="1"/>
+              <a:t>Activedefrag</a:t>
+            </a:r>
+            <a:r>
+              <a:rPr lang="en-US" dirty="0"/>
+              <a:t> knob</a:t>
+            </a:r>
+            <a:r>
+              <a:rPr lang="ko-KR" altLang="en-US" dirty="0"/>
+              <a:t>의 </a:t>
+            </a:r>
+            <a:r>
+              <a:rPr lang="en-US" dirty="0"/>
+              <a:t>P-value</a:t>
+            </a:r>
+            <a:endParaRPr lang="en-KR" dirty="0"/>
+          </a:p>
+        </p:txBody>
+      </p:sp>
+      <p:sp>
+        <p:nvSpPr>
+          <p:cNvPr id="3" name="Slide Number Placeholder 2">
+            <a:extLst>
+              <a:ext uri="{FF2B5EF4-FFF2-40B4-BE49-F238E27FC236}">
+                <a16:creationId xmlns:a16="http://schemas.microsoft.com/office/drawing/2014/main" id="{BA82D37E-A3A0-E346-9700-08D760A34880}"/>
+              </a:ext>
+            </a:extLst>
+          </p:cNvPr>
+          <p:cNvSpPr>
+            <a:spLocks noGrp="1"/>
+          </p:cNvSpPr>
+          <p:nvPr>
+            <p:ph type="sldNum" sz="quarter" idx="12"/>
+          </p:nvPr>
+        </p:nvSpPr>
+        <p:spPr/>
+        <p:txBody>
+          <a:bodyPr/>
+          <a:lstStyle/>
+          <a:p>
+            <a:fld id="{78583395-A25F-E84C-A18F-BA4FF87D0EA7}" type="slidenum">
+              <a:rPr lang="en-KR" smtClean="0"/>
+              <a:t>11</a:t>
+            </a:fld>
+            <a:endParaRPr lang="en-KR"/>
+          </a:p>
+        </p:txBody>
+      </p:sp>
+      <p:sp>
+        <p:nvSpPr>
+          <p:cNvPr id="5" name="Right Arrow 4">
+            <a:extLst>
+              <a:ext uri="{FF2B5EF4-FFF2-40B4-BE49-F238E27FC236}">
+                <a16:creationId xmlns:a16="http://schemas.microsoft.com/office/drawing/2014/main" id="{9ADFD43C-6A9C-9D42-B219-BF2083FE09BF}"/>
+              </a:ext>
+            </a:extLst>
+          </p:cNvPr>
+          <p:cNvSpPr/>
+          <p:nvPr/>
+        </p:nvSpPr>
+        <p:spPr>
+          <a:xfrm>
+            <a:off x="4480931" y="3723436"/>
+            <a:ext cx="1975626" cy="600165"/>
+          </a:xfrm>
+          <a:prstGeom prst="rightArrow">
+            <a:avLst/>
+          </a:prstGeom>
+          <a:solidFill>
+            <a:schemeClr val="bg2"/>
+          </a:solidFill>
+          <a:ln>
+            <a:solidFill>
+              <a:schemeClr val="bg2"/>
+            </a:solidFill>
+          </a:ln>
+        </p:spPr>
+        <p:style>
+          <a:lnRef idx="2">
+            <a:schemeClr val="accent1">
+              <a:shade val="50000"/>
+            </a:schemeClr>
+          </a:lnRef>
+          <a:fillRef idx="1">
+            <a:schemeClr val="accent1"/>
+          </a:fillRef>
+          <a:effectRef idx="0">
+            <a:schemeClr val="accent1"/>
+          </a:effectRef>
+          <a:fontRef idx="minor">
+            <a:schemeClr val="lt1"/>
+          </a:fontRef>
+        </p:style>
+        <p:txBody>
+          <a:bodyPr rtlCol="0" anchor="ctr"/>
+          <a:lstStyle/>
+          <a:p>
+            <a:pPr algn="ctr"/>
+            <a:endParaRPr lang="en-KR" dirty="0"/>
+          </a:p>
+        </p:txBody>
+      </p:sp>
+      <p:sp>
+        <p:nvSpPr>
+          <p:cNvPr id="6" name="TextBox 5">
+            <a:extLst>
+              <a:ext uri="{FF2B5EF4-FFF2-40B4-BE49-F238E27FC236}">
+                <a16:creationId xmlns:a16="http://schemas.microsoft.com/office/drawing/2014/main" id="{3E345057-4A9B-374B-A26F-9A5682709987}"/>
+              </a:ext>
+            </a:extLst>
+          </p:cNvPr>
+          <p:cNvSpPr txBox="1"/>
+          <p:nvPr/>
+        </p:nvSpPr>
+        <p:spPr>
+          <a:xfrm>
+            <a:off x="4650059" y="2832410"/>
+            <a:ext cx="1210588" cy="923330"/>
+          </a:xfrm>
+          <a:prstGeom prst="rect">
+            <a:avLst/>
+          </a:prstGeom>
+          <a:noFill/>
+        </p:spPr>
+        <p:txBody>
+          <a:bodyPr wrap="none" rtlCol="0">
+            <a:spAutoFit/>
+          </a:bodyPr>
+          <a:lstStyle/>
+          <a:p>
+            <a:r>
+              <a:rPr lang="en-US" b="1" dirty="0"/>
+              <a:t>P</a:t>
+            </a:r>
+            <a:r>
+              <a:rPr lang="en-KR" b="1" dirty="0"/>
+              <a:t>earson</a:t>
+            </a:r>
+          </a:p>
+          <a:p>
+            <a:r>
+              <a:rPr lang="en-US" b="1" dirty="0"/>
+              <a:t>K</a:t>
+            </a:r>
+            <a:r>
+              <a:rPr lang="en-KR" b="1" dirty="0"/>
+              <a:t>endalltau</a:t>
+            </a:r>
+          </a:p>
+          <a:p>
+            <a:r>
+              <a:rPr lang="en-US" b="1" dirty="0"/>
+              <a:t>S</a:t>
+            </a:r>
+            <a:r>
+              <a:rPr lang="en-KR" b="1" dirty="0"/>
+              <a:t>pearman</a:t>
+            </a:r>
+          </a:p>
+        </p:txBody>
+      </p:sp>
+      <p:graphicFrame>
+        <p:nvGraphicFramePr>
+          <p:cNvPr id="12" name="Table 11">
+            <a:extLst>
+              <a:ext uri="{FF2B5EF4-FFF2-40B4-BE49-F238E27FC236}">
+                <a16:creationId xmlns:a16="http://schemas.microsoft.com/office/drawing/2014/main" id="{92E3A2A2-FEC9-CB46-9F73-D8288AA5F251}"/>
+              </a:ext>
+            </a:extLst>
+          </p:cNvPr>
+          <p:cNvGraphicFramePr>
+            <a:graphicFrameLocks noGrp="1"/>
+          </p:cNvGraphicFramePr>
+          <p:nvPr>
+            <p:extLst>
+              <p:ext uri="{D42A27DB-BD31-4B8C-83A1-F6EECF244321}">
+                <p14:modId xmlns:p14="http://schemas.microsoft.com/office/powerpoint/2010/main" val="1237591294"/>
+              </p:ext>
+            </p:extLst>
+          </p:nvPr>
+        </p:nvGraphicFramePr>
+        <p:xfrm>
+          <a:off x="564617" y="2832410"/>
+          <a:ext cx="3160230" cy="1828800"/>
+        </p:xfrm>
+        <a:graphic>
+          <a:graphicData uri="http://schemas.openxmlformats.org/drawingml/2006/table">
+            <a:tbl>
+              <a:tblPr firstRow="1" bandRow="1">
+                <a:tableStyleId>{93296810-A885-4BE3-A3E7-6D5BEEA58F35}</a:tableStyleId>
+              </a:tblPr>
+              <a:tblGrid>
+                <a:gridCol w="3160230">
+                  <a:extLst>
+                    <a:ext uri="{9D8B030D-6E8A-4147-A177-3AD203B41FA5}">
+                      <a16:colId xmlns:a16="http://schemas.microsoft.com/office/drawing/2014/main" val="410668646"/>
+                    </a:ext>
+                  </a:extLst>
+                </a:gridCol>
+              </a:tblGrid>
+              <a:tr h="0">
+                <a:tc>
+                  <a:txBody>
+                    <a:bodyPr/>
+                    <a:lstStyle/>
+                    <a:p>
+                      <a:pPr algn="ctr"/>
+                      <a:r>
+                        <a:rPr lang="en-KR" sz="1800" b="1" dirty="0"/>
+                        <a:t>activedefrag</a:t>
+                      </a:r>
+                    </a:p>
+                  </a:txBody>
+                  <a:tcPr/>
+                </a:tc>
+                <a:extLst>
+                  <a:ext uri="{0D108BD9-81ED-4DB2-BD59-A6C34878D82A}">
+                    <a16:rowId xmlns:a16="http://schemas.microsoft.com/office/drawing/2014/main" val="495310276"/>
+                  </a:ext>
+                </a:extLst>
+              </a:tr>
+              <a:tr h="0">
+                <a:tc>
+                  <a:txBody>
+                    <a:bodyPr/>
+                    <a:lstStyle/>
+                    <a:p>
+                      <a:pPr algn="ctr"/>
+                      <a:r>
+                        <a:rPr lang="en-US" sz="1800" b="1" dirty="0"/>
+                        <a:t>active-defrag-threshold-lower</a:t>
+                      </a:r>
+                      <a:endParaRPr lang="en-KR" sz="1800" b="1" dirty="0"/>
+                    </a:p>
+                  </a:txBody>
+                  <a:tcPr/>
+                </a:tc>
+                <a:extLst>
+                  <a:ext uri="{0D108BD9-81ED-4DB2-BD59-A6C34878D82A}">
+                    <a16:rowId xmlns:a16="http://schemas.microsoft.com/office/drawing/2014/main" val="1214816255"/>
+                  </a:ext>
+                </a:extLst>
+              </a:tr>
+              <a:tr h="0">
+                <a:tc>
+                  <a:txBody>
+                    <a:bodyPr/>
+                    <a:lstStyle/>
+                    <a:p>
+                      <a:pPr marL="0" marR="0" lvl="0" indent="0" algn="ctr" defTabSz="914400" rtl="0" eaLnBrk="1" fontAlgn="auto" latinLnBrk="0" hangingPunct="1">
+                        <a:lnSpc>
+                          <a:spcPct val="100000"/>
+                        </a:lnSpc>
+                        <a:spcBef>
+                          <a:spcPts val="0"/>
+                        </a:spcBef>
+                        <a:spcAft>
+                          <a:spcPts val="0"/>
+                        </a:spcAft>
+                        <a:buClrTx/>
+                        <a:buSzTx/>
+                        <a:buFontTx/>
+                        <a:buNone/>
+                        <a:tabLst/>
+                        <a:defRPr/>
+                      </a:pPr>
+                      <a:r>
+                        <a:rPr lang="en-US" sz="1800" b="1" dirty="0"/>
+                        <a:t>active-defrag-threshold-upper</a:t>
+                      </a:r>
+                      <a:endParaRPr lang="en-KR" sz="1800" b="1" dirty="0"/>
+                    </a:p>
+                  </a:txBody>
+                  <a:tcPr/>
+                </a:tc>
+                <a:extLst>
+                  <a:ext uri="{0D108BD9-81ED-4DB2-BD59-A6C34878D82A}">
+                    <a16:rowId xmlns:a16="http://schemas.microsoft.com/office/drawing/2014/main" val="2349910428"/>
+                  </a:ext>
+                </a:extLst>
+              </a:tr>
+              <a:tr h="0">
+                <a:tc>
+                  <a:txBody>
+                    <a:bodyPr/>
+                    <a:lstStyle/>
+                    <a:p>
+                      <a:pPr algn="ctr"/>
+                      <a:r>
+                        <a:rPr lang="en-US" sz="1800" b="1" dirty="0"/>
+                        <a:t>active-defrag-cycle-min</a:t>
+                      </a:r>
+                      <a:endParaRPr lang="en-KR" sz="1800" b="1" dirty="0"/>
+                    </a:p>
+                  </a:txBody>
+                  <a:tcPr/>
+                </a:tc>
+                <a:extLst>
+                  <a:ext uri="{0D108BD9-81ED-4DB2-BD59-A6C34878D82A}">
+                    <a16:rowId xmlns:a16="http://schemas.microsoft.com/office/drawing/2014/main" val="4254688658"/>
+                  </a:ext>
+                </a:extLst>
+              </a:tr>
+              <a:tr h="0">
+                <a:tc>
+                  <a:txBody>
+                    <a:bodyPr/>
+                    <a:lstStyle/>
+                    <a:p>
+                      <a:pPr marL="0" marR="0" lvl="0" indent="0" algn="ctr" defTabSz="914400" rtl="0" eaLnBrk="1" fontAlgn="auto" latinLnBrk="0" hangingPunct="1">
+                        <a:lnSpc>
+                          <a:spcPct val="100000"/>
+                        </a:lnSpc>
+                        <a:spcBef>
+                          <a:spcPts val="0"/>
+                        </a:spcBef>
+                        <a:spcAft>
+                          <a:spcPts val="0"/>
+                        </a:spcAft>
+                        <a:buClrTx/>
+                        <a:buSzTx/>
+                        <a:buFontTx/>
+                        <a:buNone/>
+                        <a:tabLst/>
+                        <a:defRPr/>
+                      </a:pPr>
+                      <a:r>
+                        <a:rPr lang="en-US" sz="1800" b="1" dirty="0"/>
+                        <a:t>active-defrag-cycle-max</a:t>
+                      </a:r>
+                      <a:endParaRPr lang="en-KR" sz="1800" b="1" dirty="0"/>
+                    </a:p>
+                  </a:txBody>
+                  <a:tcPr/>
+                </a:tc>
+                <a:extLst>
+                  <a:ext uri="{0D108BD9-81ED-4DB2-BD59-A6C34878D82A}">
+                    <a16:rowId xmlns:a16="http://schemas.microsoft.com/office/drawing/2014/main" val="1396694008"/>
+                  </a:ext>
+                </a:extLst>
+              </a:tr>
+            </a:tbl>
+          </a:graphicData>
+        </a:graphic>
+      </p:graphicFrame>
+      <p:pic>
+        <p:nvPicPr>
+          <p:cNvPr id="13" name="Picture 12">
+            <a:extLst>
+              <a:ext uri="{FF2B5EF4-FFF2-40B4-BE49-F238E27FC236}">
+                <a16:creationId xmlns:a16="http://schemas.microsoft.com/office/drawing/2014/main" id="{7C804DE3-3A7F-1A40-B8D0-76F23C40BD0C}"/>
+              </a:ext>
+            </a:extLst>
+          </p:cNvPr>
+          <p:cNvPicPr>
+            <a:picLocks noChangeAspect="1"/>
+          </p:cNvPicPr>
+          <p:nvPr/>
+        </p:nvPicPr>
+        <p:blipFill>
+          <a:blip r:embed="rId3"/>
+          <a:stretch>
+            <a:fillRect/>
+          </a:stretch>
+        </p:blipFill>
+        <p:spPr>
+          <a:xfrm>
+            <a:off x="7547783" y="2629483"/>
+            <a:ext cx="3870589" cy="1028670"/>
+          </a:xfrm>
+          <a:prstGeom prst="rect">
+            <a:avLst/>
+          </a:prstGeom>
+        </p:spPr>
+      </p:pic>
+      <p:pic>
+        <p:nvPicPr>
+          <p:cNvPr id="14" name="Picture 13">
+            <a:extLst>
+              <a:ext uri="{FF2B5EF4-FFF2-40B4-BE49-F238E27FC236}">
+                <a16:creationId xmlns:a16="http://schemas.microsoft.com/office/drawing/2014/main" id="{95922A75-4A72-3D4A-9709-9B812BE550D3}"/>
+              </a:ext>
+            </a:extLst>
+          </p:cNvPr>
+          <p:cNvPicPr>
+            <a:picLocks noChangeAspect="1"/>
+          </p:cNvPicPr>
+          <p:nvPr/>
+        </p:nvPicPr>
+        <p:blipFill>
+          <a:blip r:embed="rId4"/>
+          <a:stretch>
+            <a:fillRect/>
+          </a:stretch>
+        </p:blipFill>
+        <p:spPr>
+          <a:xfrm>
+            <a:off x="7547783" y="3840300"/>
+            <a:ext cx="3870589" cy="840201"/>
+          </a:xfrm>
+          <a:prstGeom prst="rect">
+            <a:avLst/>
+          </a:prstGeom>
+        </p:spPr>
+      </p:pic>
+      <p:pic>
+        <p:nvPicPr>
+          <p:cNvPr id="15" name="Picture 14">
+            <a:extLst>
+              <a:ext uri="{FF2B5EF4-FFF2-40B4-BE49-F238E27FC236}">
+                <a16:creationId xmlns:a16="http://schemas.microsoft.com/office/drawing/2014/main" id="{B45D45F2-F6A2-AE4C-AB29-7E8A9C38574A}"/>
+              </a:ext>
+            </a:extLst>
+          </p:cNvPr>
+          <p:cNvPicPr>
+            <a:picLocks noChangeAspect="1"/>
+          </p:cNvPicPr>
+          <p:nvPr/>
+        </p:nvPicPr>
+        <p:blipFill>
+          <a:blip r:embed="rId5"/>
+          <a:stretch>
+            <a:fillRect/>
+          </a:stretch>
+        </p:blipFill>
+        <p:spPr>
+          <a:xfrm>
+            <a:off x="7547783" y="4846319"/>
+            <a:ext cx="4480929" cy="845458"/>
+          </a:xfrm>
+          <a:prstGeom prst="rect">
+            <a:avLst/>
+          </a:prstGeom>
+        </p:spPr>
+      </p:pic>
+      <p:sp>
+        <p:nvSpPr>
+          <p:cNvPr id="16" name="Rectangle 15">
+            <a:extLst>
+              <a:ext uri="{FF2B5EF4-FFF2-40B4-BE49-F238E27FC236}">
+                <a16:creationId xmlns:a16="http://schemas.microsoft.com/office/drawing/2014/main" id="{992F5CAC-6A56-E04D-BCBA-9EF88705E1CF}"/>
+              </a:ext>
+            </a:extLst>
+          </p:cNvPr>
+          <p:cNvSpPr/>
+          <p:nvPr/>
+        </p:nvSpPr>
+        <p:spPr>
+          <a:xfrm>
+            <a:off x="7547783" y="1900713"/>
+            <a:ext cx="3780843" cy="454355"/>
+          </a:xfrm>
+          <a:prstGeom prst="rect">
+            <a:avLst/>
+          </a:prstGeom>
+        </p:spPr>
+        <p:txBody>
+          <a:bodyPr wrap="none">
+            <a:spAutoFit/>
+          </a:bodyPr>
+          <a:lstStyle/>
+          <a:p>
+            <a:pPr marL="285750" indent="-285750">
+              <a:lnSpc>
+                <a:spcPct val="150000"/>
+              </a:lnSpc>
+              <a:buFont typeface="Arial" panose="020B0604020202020204" pitchFamily="34" charset="0"/>
+              <a:buChar char="•"/>
+            </a:pPr>
+            <a:r>
+              <a:rPr lang="en-US" b="1" i="0" dirty="0">
+                <a:solidFill>
+                  <a:srgbClr val="000000"/>
+                </a:solidFill>
+                <a:effectLst/>
+                <a:latin typeface="Helvetica Neue" panose="02000503000000020004" pitchFamily="2" charset="0"/>
+              </a:rPr>
+              <a:t>active-defrag-threshold-lower</a:t>
+            </a:r>
+          </a:p>
+        </p:txBody>
+      </p:sp>
+    </p:spTree>
+    <p:extLst>
+      <p:ext uri="{BB962C8B-B14F-4D97-AF65-F5344CB8AC3E}">
+        <p14:creationId xmlns:p14="http://schemas.microsoft.com/office/powerpoint/2010/main" val="985431727"/>
+      </p:ext>
+    </p:extLst>
+  </p:cSld>
+  <p:clrMapOvr>
+    <a:masterClrMapping/>
+  </p:clrMapOvr>
+</p:sld>
+</file>
+
+<file path=ppt/slides/slide12.xml><?xml version="1.0" encoding="utf-8"?>
+<p:sld xmlns:a="http://schemas.openxmlformats.org/drawingml/2006/main" xmlns:r="http://schemas.openxmlformats.org/officeDocument/2006/relationships" xmlns:p="http://schemas.openxmlformats.org/presentationml/2006/main">
+  <p:cSld>
+    <p:spTree>
+      <p:nvGrpSpPr>
+        <p:cNvPr id="1" name=""/>
+        <p:cNvGrpSpPr/>
+        <p:nvPr/>
+      </p:nvGrpSpPr>
+      <p:grpSpPr>
+        <a:xfrm>
+          <a:off x="0" y="0"/>
+          <a:ext cx="0" cy="0"/>
+          <a:chOff x="0" y="0"/>
+          <a:chExt cx="0" cy="0"/>
+        </a:xfrm>
+      </p:grpSpPr>
+      <p:sp>
+        <p:nvSpPr>
+          <p:cNvPr id="2" name="Title 1">
+            <a:extLst>
+              <a:ext uri="{FF2B5EF4-FFF2-40B4-BE49-F238E27FC236}">
+                <a16:creationId xmlns:a16="http://schemas.microsoft.com/office/drawing/2014/main" id="{821B4B74-4A80-6E49-BF95-0A3F5C03FC81}"/>
+              </a:ext>
+            </a:extLst>
+          </p:cNvPr>
+          <p:cNvSpPr>
+            <a:spLocks noGrp="1"/>
+          </p:cNvSpPr>
+          <p:nvPr>
+            <p:ph type="title"/>
+          </p:nvPr>
+        </p:nvSpPr>
+        <p:spPr/>
+        <p:txBody>
+          <a:bodyPr/>
+          <a:lstStyle/>
+          <a:p>
+            <a:r>
+              <a:rPr lang="en-US" dirty="0"/>
+              <a:t>Boolean knob</a:t>
+            </a:r>
+            <a:r>
+              <a:rPr lang="ko-KR" altLang="en-US" dirty="0"/>
+              <a:t>의 </a:t>
+            </a:r>
+            <a:r>
+              <a:rPr lang="en-US" dirty="0"/>
+              <a:t>P-value</a:t>
+            </a:r>
+            <a:endParaRPr lang="en-KR" dirty="0"/>
+          </a:p>
+        </p:txBody>
+      </p:sp>
+      <p:sp>
+        <p:nvSpPr>
+          <p:cNvPr id="3" name="Slide Number Placeholder 2">
+            <a:extLst>
+              <a:ext uri="{FF2B5EF4-FFF2-40B4-BE49-F238E27FC236}">
+                <a16:creationId xmlns:a16="http://schemas.microsoft.com/office/drawing/2014/main" id="{BA82D37E-A3A0-E346-9700-08D760A34880}"/>
+              </a:ext>
+            </a:extLst>
+          </p:cNvPr>
+          <p:cNvSpPr>
+            <a:spLocks noGrp="1"/>
+          </p:cNvSpPr>
+          <p:nvPr>
+            <p:ph type="sldNum" sz="quarter" idx="12"/>
+          </p:nvPr>
+        </p:nvSpPr>
+        <p:spPr/>
+        <p:txBody>
+          <a:bodyPr/>
+          <a:lstStyle/>
+          <a:p>
+            <a:fld id="{78583395-A25F-E84C-A18F-BA4FF87D0EA7}" type="slidenum">
+              <a:rPr lang="en-KR" smtClean="0"/>
+              <a:t>12</a:t>
             </a:fld>
             <a:endParaRPr lang="en-KR"/>
           </a:p>
@@ -6231,7 +8024,7 @@
 </p:sld>
 </file>
 
-<file path=ppt/slides/slide11.xml><?xml version="1.0" encoding="utf-8"?>
+<file path=ppt/slides/slide13.xml><?xml version="1.0" encoding="utf-8"?>
 <p:sld xmlns:a="http://schemas.openxmlformats.org/drawingml/2006/main" xmlns:r="http://schemas.openxmlformats.org/officeDocument/2006/relationships" xmlns:p="http://schemas.openxmlformats.org/presentationml/2006/main">
   <p:cSld>
     <p:spTree>
@@ -6308,7 +8101,7 @@
           <a:p>
             <a:fld id="{78583395-A25F-E84C-A18F-BA4FF87D0EA7}" type="slidenum">
               <a:rPr lang="en-KR" smtClean="0"/>
-              <a:t>11</a:t>
+              <a:t>13</a:t>
             </a:fld>
             <a:endParaRPr lang="en-KR"/>
           </a:p>
@@ -6791,7 +8584,7 @@
 </p:sld>
 </file>
 
-<file path=ppt/slides/slide12.xml><?xml version="1.0" encoding="utf-8"?>
+<file path=ppt/slides/slide14.xml><?xml version="1.0" encoding="utf-8"?>
 <p:sld xmlns:a="http://schemas.openxmlformats.org/drawingml/2006/main" xmlns:r="http://schemas.openxmlformats.org/officeDocument/2006/relationships" xmlns:p="http://schemas.openxmlformats.org/presentationml/2006/main">
   <p:cSld>
     <p:spTree>
@@ -6860,7 +8653,7 @@
           <a:p>
             <a:fld id="{78583395-A25F-E84C-A18F-BA4FF87D0EA7}" type="slidenum">
               <a:rPr lang="en-KR" smtClean="0"/>
-              <a:t>12</a:t>
+              <a:t>14</a:t>
             </a:fld>
             <a:endParaRPr lang="en-KR"/>
           </a:p>
@@ -8950,7 +10743,7 @@
     </p:spTree>
     <p:extLst>
       <p:ext uri="{BB962C8B-B14F-4D97-AF65-F5344CB8AC3E}">
-        <p14:creationId xmlns:p14="http://schemas.microsoft.com/office/powerpoint/2010/main" val="2447343369"/>
+        <p14:creationId xmlns:p14="http://schemas.microsoft.com/office/powerpoint/2010/main" val="1936348983"/>
       </p:ext>
     </p:extLst>
   </p:cSld>
@@ -9058,14 +10851,14 @@
           <p:nvPr>
             <p:extLst>
               <p:ext uri="{D42A27DB-BD31-4B8C-83A1-F6EECF244321}">
-                <p14:modId xmlns:p14="http://schemas.microsoft.com/office/powerpoint/2010/main" val="2852934928"/>
+                <p14:modId xmlns:p14="http://schemas.microsoft.com/office/powerpoint/2010/main" val="2388132876"/>
               </p:ext>
             </p:extLst>
           </p:nvPr>
         </p:nvGraphicFramePr>
         <p:xfrm>
-          <a:off x="1426768" y="2068964"/>
-          <a:ext cx="2299412" cy="2225040"/>
+          <a:off x="846407" y="2277110"/>
+          <a:ext cx="2299412" cy="3835400"/>
         </p:xfrm>
         <a:graphic>
           <a:graphicData uri="http://schemas.openxmlformats.org/drawingml/2006/table">
@@ -9074,10 +10867,17 @@
                 <a:tableStyleId>{F5AB1C69-6EDB-4FF4-983F-18BD219EF322}</a:tableStyleId>
               </a:tblPr>
               <a:tblGrid>
-                <a:gridCol w="2299412">
+                <a:gridCol w="1149706">
                   <a:extLst>
                     <a:ext uri="{9D8B030D-6E8A-4147-A177-3AD203B41FA5}">
                       <a16:colId xmlns:a16="http://schemas.microsoft.com/office/drawing/2014/main" val="130820866"/>
+                    </a:ext>
+                  </a:extLst>
+                </a:gridCol>
+                <a:gridCol w="1149706">
+                  <a:extLst>
+                    <a:ext uri="{9D8B030D-6E8A-4147-A177-3AD203B41FA5}">
+                      <a16:colId xmlns:a16="http://schemas.microsoft.com/office/drawing/2014/main" val="4085160805"/>
                     </a:ext>
                   </a:extLst>
                 </a:gridCol>
@@ -9093,6 +10893,17 @@
                         <a:rPr lang="en-US" sz="1400" b="1" dirty="0"/>
                         <a:t>cluster0</a:t>
                       </a:r>
+                      <a:endParaRPr lang="en-KR" sz="1400" b="1" dirty="0"/>
+                    </a:p>
+                  </a:txBody>
+                  <a:tcPr/>
+                </a:tc>
+                <a:tc>
+                  <a:txBody>
+                    <a:bodyPr/>
+                    <a:lstStyle/>
+                    <a:p>
+                      <a:pPr algn="ctr"/>
                       <a:endParaRPr lang="en-KR" sz="1400" b="1" dirty="0"/>
                     </a:p>
                   </a:txBody>
@@ -9123,6 +10934,20 @@
                   </a:txBody>
                   <a:tcPr/>
                 </a:tc>
+                <a:tc>
+                  <a:txBody>
+                    <a:bodyPr/>
+                    <a:lstStyle/>
+                    <a:p>
+                      <a:pPr algn="ctr"/>
+                      <a:r>
+                        <a:rPr lang="en-KR" sz="1400" b="1" dirty="0"/>
+                        <a:t>3, 305</a:t>
+                      </a:r>
+                    </a:p>
+                  </a:txBody>
+                  <a:tcPr/>
+                </a:tc>
                 <a:extLst>
                   <a:ext uri="{0D108BD9-81ED-4DB2-BD59-A6C34878D82A}">
                     <a16:rowId xmlns:a16="http://schemas.microsoft.com/office/drawing/2014/main" val="2698268800"/>
@@ -9142,7 +10967,21 @@
                       </a:r>
                       <a:r>
                         <a:rPr lang="en-KR" sz="1400" b="1" dirty="0"/>
-                        <a:t>ave1_1</a:t>
+                        <a:t>ave0_1</a:t>
+                      </a:r>
+                    </a:p>
+                  </a:txBody>
+                  <a:tcPr/>
+                </a:tc>
+                <a:tc>
+                  <a:txBody>
+                    <a:bodyPr/>
+                    <a:lstStyle/>
+                    <a:p>
+                      <a:pPr algn="ctr"/>
+                      <a:r>
+                        <a:rPr lang="en-KR" sz="1400" b="1" dirty="0"/>
+                        <a:t>1, 722</a:t>
                       </a:r>
                     </a:p>
                   </a:txBody>
@@ -9163,11 +11002,25 @@
                       <a:pPr algn="ctr"/>
                       <a:r>
                         <a:rPr lang="en-US" sz="1400" b="1" dirty="0"/>
-                        <a:t>h</a:t>
+                        <a:t>S</a:t>
                       </a:r>
                       <a:r>
                         <a:rPr lang="en-KR" sz="1400" b="1" dirty="0"/>
-                        <a:t>ash-max-ziplist-entries</a:t>
+                        <a:t>ave1_1</a:t>
+                      </a:r>
+                    </a:p>
+                  </a:txBody>
+                  <a:tcPr/>
+                </a:tc>
+                <a:tc>
+                  <a:txBody>
+                    <a:bodyPr/>
+                    <a:lstStyle/>
+                    <a:p>
+                      <a:pPr algn="ctr"/>
+                      <a:r>
+                        <a:rPr lang="en-KR" sz="1400" b="1" dirty="0"/>
+                        <a:t>,5</a:t>
                       </a:r>
                     </a:p>
                   </a:txBody>
@@ -9187,33 +11040,27 @@
                     <a:p>
                       <a:pPr algn="ctr"/>
                       <a:r>
-                        <a:rPr lang="en-US" sz="1400" b="1" kern="1200" dirty="0" err="1">
-                          <a:solidFill>
-                            <a:schemeClr val="dk1"/>
-                          </a:solidFill>
-                          <a:effectLst/>
-                        </a:rPr>
-                        <a:t>rdb</a:t>
-                      </a:r>
-                      <a:r>
-                        <a:rPr lang="en-US" sz="1400" b="1" kern="1200" dirty="0">
-                          <a:solidFill>
-                            <a:schemeClr val="dk1"/>
-                          </a:solidFill>
-                          <a:effectLst/>
-                        </a:rPr>
-                        <a:t>-save-incremental-</a:t>
-                      </a:r>
-                      <a:r>
-                        <a:rPr lang="en-US" sz="1400" b="1" kern="1200" dirty="0" err="1">
-                          <a:solidFill>
-                            <a:schemeClr val="dk1"/>
-                          </a:solidFill>
-                          <a:effectLst/>
-                        </a:rPr>
-                        <a:t>fsync</a:t>
-                      </a:r>
-                      <a:endParaRPr lang="en-KR" sz="1400" b="1" dirty="0"/>
+                        <a:rPr lang="en-US" sz="1400" b="1" dirty="0"/>
+                        <a:t>S</a:t>
+                      </a:r>
+                      <a:r>
+                        <a:rPr lang="en-KR" sz="1400" b="1" dirty="0"/>
+                        <a:t>ave2_1</a:t>
+                      </a:r>
+                    </a:p>
+                  </a:txBody>
+                  <a:tcPr/>
+                </a:tc>
+                <a:tc>
+                  <a:txBody>
+                    <a:bodyPr/>
+                    <a:lstStyle/>
+                    <a:p>
+                      <a:pPr algn="ctr"/>
+                      <a:r>
+                        <a:rPr lang="en-KR" sz="1400" b="1" dirty="0"/>
+                        <a:t>6,12</a:t>
+                      </a:r>
                     </a:p>
                   </a:txBody>
                   <a:tcPr/>
@@ -9232,16 +11079,38 @@
                     <a:p>
                       <a:pPr algn="ctr" fontAlgn="ctr"/>
                       <a:r>
+                        <a:rPr lang="en-US" sz="1400" b="1" dirty="0">
+                          <a:effectLst/>
+                        </a:rPr>
+                        <a:t>Hash-max-</a:t>
+                      </a:r>
+                      <a:r>
                         <a:rPr lang="en-US" sz="1400" b="1" dirty="0" err="1">
                           <a:effectLst/>
                         </a:rPr>
-                        <a:t>lazyfree</a:t>
+                        <a:t>ziplist</a:t>
                       </a:r>
                       <a:r>
                         <a:rPr lang="en-US" sz="1400" b="1" dirty="0">
                           <a:effectLst/>
                         </a:rPr>
-                        <a:t>-lazy-eviction</a:t>
+                        <a:t>-entries</a:t>
+                      </a:r>
+                    </a:p>
+                  </a:txBody>
+                  <a:tcPr anchor="ctr"/>
+                </a:tc>
+                <a:tc>
+                  <a:txBody>
+                    <a:bodyPr/>
+                    <a:lstStyle/>
+                    <a:p>
+                      <a:pPr algn="ctr" fontAlgn="ctr"/>
+                      <a:r>
+                        <a:rPr lang="en-US" sz="1400" b="1" dirty="0">
+                          <a:effectLst/>
+                        </a:rPr>
+                        <a:t>5,9163</a:t>
                       </a:r>
                     </a:p>
                   </a:txBody>
@@ -9250,6 +11119,105 @@
                 <a:extLst>
                   <a:ext uri="{0D108BD9-81ED-4DB2-BD59-A6C34878D82A}">
                     <a16:rowId xmlns:a16="http://schemas.microsoft.com/office/drawing/2014/main" val="1702734323"/>
+                  </a:ext>
+                </a:extLst>
+              </a:tr>
+              <a:tr h="370840">
+                <a:tc>
+                  <a:txBody>
+                    <a:bodyPr/>
+                    <a:lstStyle/>
+                    <a:p>
+                      <a:pPr algn="ctr" fontAlgn="ctr"/>
+                      <a:r>
+                        <a:rPr lang="en-US" sz="1400" b="1" dirty="0" err="1">
+                          <a:effectLst/>
+                        </a:rPr>
+                        <a:t>Rdb</a:t>
+                      </a:r>
+                      <a:r>
+                        <a:rPr lang="en-US" sz="1400" b="1" dirty="0">
+                          <a:effectLst/>
+                        </a:rPr>
+                        <a:t>-save-incremental-</a:t>
+                      </a:r>
+                      <a:r>
+                        <a:rPr lang="en-US" sz="1400" b="1" dirty="0" err="1">
+                          <a:effectLst/>
+                        </a:rPr>
+                        <a:t>fsync</a:t>
+                      </a:r>
+                      <a:endParaRPr lang="en-US" sz="1400" b="1" dirty="0">
+                        <a:effectLst/>
+                      </a:endParaRPr>
+                    </a:p>
+                  </a:txBody>
+                  <a:tcPr anchor="ctr"/>
+                </a:tc>
+                <a:tc>
+                  <a:txBody>
+                    <a:bodyPr/>
+                    <a:lstStyle/>
+                    <a:p>
+                      <a:pPr algn="ctr" fontAlgn="ctr"/>
+                      <a:r>
+                        <a:rPr lang="en-US" sz="1400" b="1" dirty="0">
+                          <a:effectLst/>
+                        </a:rPr>
+                        <a:t>,‘no’</a:t>
+                      </a:r>
+                    </a:p>
+                  </a:txBody>
+                  <a:tcPr anchor="ctr"/>
+                </a:tc>
+                <a:extLst>
+                  <a:ext uri="{0D108BD9-81ED-4DB2-BD59-A6C34878D82A}">
+                    <a16:rowId xmlns:a16="http://schemas.microsoft.com/office/drawing/2014/main" val="2135920029"/>
+                  </a:ext>
+                </a:extLst>
+              </a:tr>
+              <a:tr h="370840">
+                <a:tc>
+                  <a:txBody>
+                    <a:bodyPr/>
+                    <a:lstStyle/>
+                    <a:p>
+                      <a:pPr algn="ctr" fontAlgn="ctr"/>
+                      <a:r>
+                        <a:rPr lang="en-US" sz="1400" b="1" dirty="0" err="1">
+                          <a:effectLst/>
+                        </a:rPr>
+                        <a:t>Lazyfree</a:t>
+                      </a:r>
+                      <a:r>
+                        <a:rPr lang="en-US" sz="1400" b="1" dirty="0">
+                          <a:effectLst/>
+                        </a:rPr>
+                        <a:t>-lazy-expire</a:t>
+                      </a:r>
+                    </a:p>
+                  </a:txBody>
+                  <a:tcPr anchor="ctr"/>
+                </a:tc>
+                <a:tc>
+                  <a:txBody>
+                    <a:bodyPr/>
+                    <a:lstStyle/>
+                    <a:p>
+                      <a:pPr algn="ctr" fontAlgn="ctr"/>
+                      <a:r>
+                        <a:rPr lang="en-US" sz="1400" b="1" dirty="0">
+                          <a:effectLst/>
+                        </a:rPr>
+                        <a:t>,’yes’</a:t>
+                      </a:r>
+                    </a:p>
+                  </a:txBody>
+                  <a:tcPr anchor="ctr"/>
+                </a:tc>
+                <a:extLst>
+                  <a:ext uri="{0D108BD9-81ED-4DB2-BD59-A6C34878D82A}">
+                    <a16:rowId xmlns:a16="http://schemas.microsoft.com/office/drawing/2014/main" val="3467907413"/>
                   </a:ext>
                 </a:extLst>
               </a:tr>
@@ -9272,14 +11240,14 @@
           <p:nvPr>
             <p:extLst>
               <p:ext uri="{D42A27DB-BD31-4B8C-83A1-F6EECF244321}">
-                <p14:modId xmlns:p14="http://schemas.microsoft.com/office/powerpoint/2010/main" val="2123786325"/>
+                <p14:modId xmlns:p14="http://schemas.microsoft.com/office/powerpoint/2010/main" val="441914222"/>
               </p:ext>
             </p:extLst>
           </p:nvPr>
         </p:nvGraphicFramePr>
         <p:xfrm>
           <a:off x="4838700" y="2068964"/>
-          <a:ext cx="2514599" cy="4267200"/>
+          <a:ext cx="2514600" cy="2468880"/>
         </p:xfrm>
         <a:graphic>
           <a:graphicData uri="http://schemas.openxmlformats.org/drawingml/2006/table">
@@ -9288,10 +11256,17 @@
                 <a:tableStyleId>{F5AB1C69-6EDB-4FF4-983F-18BD219EF322}</a:tableStyleId>
               </a:tblPr>
               <a:tblGrid>
-                <a:gridCol w="2514599">
+                <a:gridCol w="1257300">
                   <a:extLst>
                     <a:ext uri="{9D8B030D-6E8A-4147-A177-3AD203B41FA5}">
                       <a16:colId xmlns:a16="http://schemas.microsoft.com/office/drawing/2014/main" val="130820866"/>
+                    </a:ext>
+                  </a:extLst>
+                </a:gridCol>
+                <a:gridCol w="1257300">
+                  <a:extLst>
+                    <a:ext uri="{9D8B030D-6E8A-4147-A177-3AD203B41FA5}">
+                      <a16:colId xmlns:a16="http://schemas.microsoft.com/office/drawing/2014/main" val="1552098356"/>
                     </a:ext>
                   </a:extLst>
                 </a:gridCol>
@@ -9307,6 +11282,17 @@
                         <a:rPr lang="en-US" sz="1400" b="1" dirty="0"/>
                         <a:t>cluster1</a:t>
                       </a:r>
+                      <a:endParaRPr lang="en-KR" sz="1400" b="1" dirty="0"/>
+                    </a:p>
+                  </a:txBody>
+                  <a:tcPr/>
+                </a:tc>
+                <a:tc>
+                  <a:txBody>
+                    <a:bodyPr/>
+                    <a:lstStyle/>
+                    <a:p>
+                      <a:pPr algn="ctr"/>
                       <a:endParaRPr lang="en-KR" sz="1400" b="1" dirty="0"/>
                     </a:p>
                   </a:txBody>
@@ -9327,11 +11313,25 @@
                       <a:pPr algn="ctr"/>
                       <a:r>
                         <a:rPr lang="en-US" sz="1400" b="1" dirty="0"/>
-                        <a:t>s</a:t>
+                        <a:t>S</a:t>
                       </a:r>
                       <a:r>
                         <a:rPr lang="en-KR" sz="1400" b="1" dirty="0"/>
-                        <a:t>ave0_1</a:t>
+                        <a:t>ave2_0</a:t>
+                      </a:r>
+                    </a:p>
+                  </a:txBody>
+                  <a:tcPr/>
+                </a:tc>
+                <a:tc>
+                  <a:txBody>
+                    <a:bodyPr/>
+                    <a:lstStyle/>
+                    <a:p>
+                      <a:pPr algn="ctr"/>
+                      <a:r>
+                        <a:rPr lang="en-KR" sz="1400" b="1" dirty="0"/>
+                        <a:t>3</a:t>
                       </a:r>
                     </a:p>
                   </a:txBody>
@@ -9351,12 +11351,22 @@
                     <a:p>
                       <a:pPr algn="ctr"/>
                       <a:r>
-                        <a:rPr lang="en-US" sz="1400" b="1" dirty="0"/>
-                        <a:t>s</a:t>
-                      </a:r>
-                      <a:r>
                         <a:rPr lang="en-KR" sz="1400" b="1" dirty="0"/>
-                        <a:t>ave1_0</a:t>
+                        <a:t>maxmemory</a:t>
+                      </a:r>
+                    </a:p>
+                  </a:txBody>
+                  <a:tcPr/>
+                </a:tc>
+                <a:tc>
+                  <a:txBody>
+                    <a:bodyPr/>
+                    <a:lstStyle/>
+                    <a:p>
+                      <a:pPr algn="ctr"/>
+                      <a:r>
+                        <a:rPr lang="en-KR" sz="1400" b="1" dirty="0"/>
+                        <a:t>3</a:t>
                       </a:r>
                     </a:p>
                   </a:txBody>
@@ -9377,12 +11387,23 @@
                       <a:pPr algn="ctr"/>
                       <a:r>
                         <a:rPr lang="en-US" sz="1400" b="1" dirty="0"/>
-                        <a:t>s</a:t>
+                        <a:t>M</a:t>
                       </a:r>
                       <a:r>
                         <a:rPr lang="en-KR" sz="1400" b="1" dirty="0"/>
-                        <a:t>ave2_0</a:t>
-                      </a:r>
+                        <a:t>axmemory-samples</a:t>
+                      </a:r>
+                    </a:p>
+                  </a:txBody>
+                  <a:tcPr/>
+                </a:tc>
+                <a:tc>
+                  <a:txBody>
+                    <a:bodyPr/>
+                    <a:lstStyle/>
+                    <a:p>
+                      <a:pPr algn="ctr"/>
+                      <a:endParaRPr lang="en-KR" sz="1400" b="1" dirty="0"/>
                     </a:p>
                   </a:txBody>
                   <a:tcPr/>
@@ -9401,12 +11422,22 @@
                     <a:p>
                       <a:pPr algn="ctr"/>
                       <a:r>
-                        <a:rPr lang="en-US" sz="1400" b="1" dirty="0"/>
-                        <a:t>s</a:t>
-                      </a:r>
-                      <a:r>
                         <a:rPr lang="en-KR" sz="1400" b="1" dirty="0"/>
-                        <a:t>ave2_1</a:t>
+                        <a:t>rdbcompression</a:t>
+                      </a:r>
+                    </a:p>
+                  </a:txBody>
+                  <a:tcPr/>
+                </a:tc>
+                <a:tc>
+                  <a:txBody>
+                    <a:bodyPr/>
+                    <a:lstStyle/>
+                    <a:p>
+                      <a:pPr algn="ctr"/>
+                      <a:r>
+                        <a:rPr lang="en-KR" sz="1400" b="1" dirty="0"/>
+                        <a:t>1</a:t>
                       </a:r>
                     </a:p>
                   </a:txBody>
@@ -9424,99 +11455,7 @@
                     <a:bodyPr/>
                     <a:lstStyle/>
                     <a:p>
-                      <a:pPr algn="ctr"/>
-                      <a:r>
-                        <a:rPr lang="en-KR" sz="1400" b="1" dirty="0"/>
-                        <a:t>maxmemory</a:t>
-                      </a:r>
-                    </a:p>
-                  </a:txBody>
-                  <a:tcPr/>
-                </a:tc>
-                <a:extLst>
-                  <a:ext uri="{0D108BD9-81ED-4DB2-BD59-A6C34878D82A}">
-                    <a16:rowId xmlns:a16="http://schemas.microsoft.com/office/drawing/2014/main" val="1702734323"/>
-                  </a:ext>
-                </a:extLst>
-              </a:tr>
-              <a:tr h="299610">
-                <a:tc>
-                  <a:txBody>
-                    <a:bodyPr/>
-                    <a:lstStyle/>
-                    <a:p>
-                      <a:pPr algn="ctr"/>
-                      <a:r>
-                        <a:rPr lang="en-US" sz="1400" b="1" dirty="0"/>
-                        <a:t>m</a:t>
-                      </a:r>
-                      <a:r>
-                        <a:rPr lang="en-KR" sz="1400" b="1" dirty="0"/>
-                        <a:t>axmemory-sample</a:t>
-                      </a:r>
-                    </a:p>
-                  </a:txBody>
-                  <a:tcPr/>
-                </a:tc>
-                <a:extLst>
-                  <a:ext uri="{0D108BD9-81ED-4DB2-BD59-A6C34878D82A}">
-                    <a16:rowId xmlns:a16="http://schemas.microsoft.com/office/drawing/2014/main" val="992294077"/>
-                  </a:ext>
-                </a:extLst>
-              </a:tr>
-              <a:tr h="299610">
-                <a:tc>
-                  <a:txBody>
-                    <a:bodyPr/>
-                    <a:lstStyle/>
-                    <a:p>
-                      <a:pPr algn="ctr"/>
-                      <a:r>
-                        <a:rPr lang="en-US" sz="1400" b="1" dirty="0"/>
-                        <a:t>h</a:t>
-                      </a:r>
-                      <a:r>
-                        <a:rPr lang="en-KR" sz="1400" b="1" dirty="0"/>
-                        <a:t>ash-max-ziplist-value</a:t>
-                      </a:r>
-                    </a:p>
-                  </a:txBody>
-                  <a:tcPr/>
-                </a:tc>
-                <a:extLst>
-                  <a:ext uri="{0D108BD9-81ED-4DB2-BD59-A6C34878D82A}">
-                    <a16:rowId xmlns:a16="http://schemas.microsoft.com/office/drawing/2014/main" val="2829162801"/>
-                  </a:ext>
-                </a:extLst>
-              </a:tr>
-              <a:tr h="299610">
-                <a:tc>
-                  <a:txBody>
-                    <a:bodyPr/>
-                    <a:lstStyle/>
-                    <a:p>
-                      <a:pPr algn="ctr"/>
-                      <a:r>
-                        <a:rPr lang="en-KR" sz="1400" b="1" dirty="0"/>
-                        <a:t>hz</a:t>
-                      </a:r>
-                    </a:p>
-                  </a:txBody>
-                  <a:tcPr/>
-                </a:tc>
-                <a:extLst>
-                  <a:ext uri="{0D108BD9-81ED-4DB2-BD59-A6C34878D82A}">
-                    <a16:rowId xmlns:a16="http://schemas.microsoft.com/office/drawing/2014/main" val="2218703037"/>
-                  </a:ext>
-                </a:extLst>
-              </a:tr>
-              <a:tr h="299610">
-                <a:tc>
-                  <a:txBody>
-                    <a:bodyPr/>
-                    <a:lstStyle/>
-                    <a:p>
-                      <a:pPr marL="0" marR="0" indent="0" algn="ctr" defTabSz="914400" rtl="0" eaLnBrk="1" fontAlgn="auto" latinLnBrk="0" hangingPunct="1">
+                      <a:pPr marL="0" marR="0" lvl="0" indent="0" algn="ctr" defTabSz="914400" rtl="0" eaLnBrk="1" fontAlgn="auto" latinLnBrk="0" hangingPunct="1">
                         <a:lnSpc>
                           <a:spcPct val="100000"/>
                         </a:lnSpc>
@@ -9535,26 +11474,22 @@
                       </a:pPr>
                       <a:r>
                         <a:rPr lang="en-US" sz="1400" b="1" dirty="0"/>
-                        <a:t>active-defrag-threshold-lower</a:t>
-                      </a:r>
-                      <a:endParaRPr lang="en-KR" sz="1400" b="1" dirty="0"/>
+                        <a:t>A</a:t>
+                      </a:r>
+                      <a:r>
+                        <a:rPr lang="en-KR" sz="1400" b="1" dirty="0"/>
+                        <a:t>ctive-defrag-cycle-max</a:t>
+                      </a:r>
                     </a:p>
                   </a:txBody>
                   <a:tcPr/>
                 </a:tc>
-                <a:extLst>
-                  <a:ext uri="{0D108BD9-81ED-4DB2-BD59-A6C34878D82A}">
-                    <a16:rowId xmlns:a16="http://schemas.microsoft.com/office/drawing/2014/main" val="1075079288"/>
-                  </a:ext>
-                </a:extLst>
-              </a:tr>
-              <a:tr h="299610">
                 <a:tc>
                   <a:txBody>
                     <a:bodyPr/>
                     <a:lstStyle/>
                     <a:p>
-                      <a:pPr marL="0" marR="0" indent="0" algn="ctr" defTabSz="914400" rtl="0" eaLnBrk="1" fontAlgn="auto" latinLnBrk="0" hangingPunct="1">
+                      <a:pPr marL="0" marR="0" lvl="0" indent="0" algn="ctr" defTabSz="914400" rtl="0" eaLnBrk="1" fontAlgn="auto" latinLnBrk="0" hangingPunct="1">
                         <a:lnSpc>
                           <a:spcPct val="100000"/>
                         </a:lnSpc>
@@ -9571,15 +11506,6 @@
                         <a:tabLst/>
                         <a:defRPr/>
                       </a:pPr>
-                      <a:r>
-                        <a:rPr lang="en-US" sz="1400" b="1" kern="1200" dirty="0" err="1">
-                          <a:solidFill>
-                            <a:schemeClr val="dk1"/>
-                          </a:solidFill>
-                          <a:effectLst/>
-                        </a:rPr>
-                        <a:t>rdbcompression</a:t>
-                      </a:r>
                       <a:endParaRPr lang="en-KR" sz="1400" b="1" dirty="0"/>
                     </a:p>
                   </a:txBody>
@@ -9587,154 +11513,7 @@
                 </a:tc>
                 <a:extLst>
                   <a:ext uri="{0D108BD9-81ED-4DB2-BD59-A6C34878D82A}">
-                    <a16:rowId xmlns:a16="http://schemas.microsoft.com/office/drawing/2014/main" val="2207378979"/>
-                  </a:ext>
-                </a:extLst>
-              </a:tr>
-              <a:tr h="299610">
-                <a:tc>
-                  <a:txBody>
-                    <a:bodyPr/>
-                    <a:lstStyle/>
-                    <a:p>
-                      <a:pPr marL="0" marR="0" indent="0" algn="ctr" defTabSz="914400" rtl="0" eaLnBrk="1" fontAlgn="auto" latinLnBrk="0" hangingPunct="1">
-                        <a:lnSpc>
-                          <a:spcPct val="100000"/>
-                        </a:lnSpc>
-                        <a:spcBef>
-                          <a:spcPts val="0"/>
-                        </a:spcBef>
-                        <a:spcAft>
-                          <a:spcPts val="0"/>
-                        </a:spcAft>
-                        <a:buClrTx/>
-                        <a:buSzTx/>
-                        <a:buFontTx/>
-                        <a:buNone/>
-                        <a:tabLst/>
-                        <a:defRPr/>
-                      </a:pPr>
-                      <a:r>
-                        <a:rPr lang="en-US" sz="1400" b="1" kern="1200" dirty="0" err="1">
-                          <a:solidFill>
-                            <a:schemeClr val="dk1"/>
-                          </a:solidFill>
-                          <a:effectLst/>
-                        </a:rPr>
-                        <a:t>rdbchecksum</a:t>
-                      </a:r>
-                      <a:endParaRPr lang="en-KR" sz="1400" b="1" dirty="0"/>
-                    </a:p>
-                  </a:txBody>
-                  <a:tcPr/>
-                </a:tc>
-                <a:extLst>
-                  <a:ext uri="{0D108BD9-81ED-4DB2-BD59-A6C34878D82A}">
-                    <a16:rowId xmlns:a16="http://schemas.microsoft.com/office/drawing/2014/main" val="1443602283"/>
-                  </a:ext>
-                </a:extLst>
-              </a:tr>
-              <a:tr h="299610">
-                <a:tc>
-                  <a:txBody>
-                    <a:bodyPr/>
-                    <a:lstStyle/>
-                    <a:p>
-                      <a:pPr marL="0" marR="0" indent="0" algn="ctr" defTabSz="914400" rtl="0" eaLnBrk="1" fontAlgn="auto" latinLnBrk="0" hangingPunct="1">
-                        <a:lnSpc>
-                          <a:spcPct val="100000"/>
-                        </a:lnSpc>
-                        <a:spcBef>
-                          <a:spcPts val="0"/>
-                        </a:spcBef>
-                        <a:spcAft>
-                          <a:spcPts val="0"/>
-                        </a:spcAft>
-                        <a:buClrTx/>
-                        <a:buSzTx/>
-                        <a:buFontTx/>
-                        <a:buNone/>
-                        <a:tabLst/>
-                        <a:defRPr/>
-                      </a:pPr>
-                      <a:r>
-                        <a:rPr lang="en-US" sz="1400" b="1" kern="1200" dirty="0" err="1">
-                          <a:solidFill>
-                            <a:schemeClr val="dk1"/>
-                          </a:solidFill>
-                          <a:effectLst/>
-                        </a:rPr>
-                        <a:t>lazyfree</a:t>
-                      </a:r>
-                      <a:r>
-                        <a:rPr lang="en-US" sz="1400" b="1" kern="1200" dirty="0">
-                          <a:solidFill>
-                            <a:schemeClr val="dk1"/>
-                          </a:solidFill>
-                          <a:effectLst/>
-                        </a:rPr>
-                        <a:t>-lazy-expire</a:t>
-                      </a:r>
-                      <a:endParaRPr lang="en-KR" sz="1400" b="1" dirty="0"/>
-                    </a:p>
-                  </a:txBody>
-                  <a:tcPr/>
-                </a:tc>
-                <a:extLst>
-                  <a:ext uri="{0D108BD9-81ED-4DB2-BD59-A6C34878D82A}">
-                    <a16:rowId xmlns:a16="http://schemas.microsoft.com/office/drawing/2014/main" val="41157671"/>
-                  </a:ext>
-                </a:extLst>
-              </a:tr>
-              <a:tr h="299610">
-                <a:tc>
-                  <a:txBody>
-                    <a:bodyPr/>
-                    <a:lstStyle/>
-                    <a:p>
-                      <a:pPr marL="0" marR="0" indent="0" algn="ctr" defTabSz="914400" rtl="0" eaLnBrk="1" fontAlgn="auto" latinLnBrk="0" hangingPunct="1">
-                        <a:lnSpc>
-                          <a:spcPct val="100000"/>
-                        </a:lnSpc>
-                        <a:spcBef>
-                          <a:spcPts val="0"/>
-                        </a:spcBef>
-                        <a:spcAft>
-                          <a:spcPts val="0"/>
-                        </a:spcAft>
-                        <a:buClrTx/>
-                        <a:buSzTx/>
-                        <a:buFontTx/>
-                        <a:buNone/>
-                        <a:tabLst/>
-                        <a:defRPr/>
-                      </a:pPr>
-                      <a:r>
-                        <a:rPr lang="en-US" sz="1400" b="1" kern="1200" dirty="0" err="1">
-                          <a:solidFill>
-                            <a:schemeClr val="dk1"/>
-                          </a:solidFill>
-                          <a:effectLst/>
-                        </a:rPr>
-                        <a:t>lazyfree</a:t>
-                      </a:r>
-                      <a:r>
-                        <a:rPr lang="en-US" sz="1400" b="1" kern="1200" dirty="0">
-                          <a:solidFill>
-                            <a:schemeClr val="dk1"/>
-                          </a:solidFill>
-                          <a:effectLst/>
-                        </a:rPr>
-                        <a:t>-lazy-server-del</a:t>
-                      </a:r>
-                      <a:endParaRPr lang="en-KR" sz="1400" b="1" dirty="0"/>
-                    </a:p>
-                  </a:txBody>
-                  <a:tcPr/>
-                </a:tc>
-                <a:extLst>
-                  <a:ext uri="{0D108BD9-81ED-4DB2-BD59-A6C34878D82A}">
-                    <a16:rowId xmlns:a16="http://schemas.microsoft.com/office/drawing/2014/main" val="4284948378"/>
+                    <a16:rowId xmlns:a16="http://schemas.microsoft.com/office/drawing/2014/main" val="1702734323"/>
                   </a:ext>
                 </a:extLst>
               </a:tr>
@@ -9757,14 +11536,14 @@
           <p:nvPr>
             <p:extLst>
               <p:ext uri="{D42A27DB-BD31-4B8C-83A1-F6EECF244321}">
-                <p14:modId xmlns:p14="http://schemas.microsoft.com/office/powerpoint/2010/main" val="474475916"/>
+                <p14:modId xmlns:p14="http://schemas.microsoft.com/office/powerpoint/2010/main" val="4244701434"/>
               </p:ext>
             </p:extLst>
           </p:nvPr>
         </p:nvGraphicFramePr>
         <p:xfrm>
           <a:off x="8465819" y="2068964"/>
-          <a:ext cx="2616399" cy="2225040"/>
+          <a:ext cx="2616400" cy="4287520"/>
         </p:xfrm>
         <a:graphic>
           <a:graphicData uri="http://schemas.openxmlformats.org/drawingml/2006/table">
@@ -9773,10 +11552,17 @@
                 <a:tableStyleId>{F5AB1C69-6EDB-4FF4-983F-18BD219EF322}</a:tableStyleId>
               </a:tblPr>
               <a:tblGrid>
-                <a:gridCol w="2616399">
+                <a:gridCol w="1308200">
                   <a:extLst>
                     <a:ext uri="{9D8B030D-6E8A-4147-A177-3AD203B41FA5}">
                       <a16:colId xmlns:a16="http://schemas.microsoft.com/office/drawing/2014/main" val="130820866"/>
+                    </a:ext>
+                  </a:extLst>
+                </a:gridCol>
+                <a:gridCol w="1308200">
+                  <a:extLst>
+                    <a:ext uri="{9D8B030D-6E8A-4147-A177-3AD203B41FA5}">
+                      <a16:colId xmlns:a16="http://schemas.microsoft.com/office/drawing/2014/main" val="2069919965"/>
                     </a:ext>
                   </a:extLst>
                 </a:gridCol>
@@ -9790,8 +11576,19 @@
                       <a:pPr algn="ctr"/>
                       <a:r>
                         <a:rPr lang="en-US" sz="1400" b="1" dirty="0"/>
-                        <a:t>cluster2</a:t>
-                      </a:r>
+                        <a:t>cluster3</a:t>
+                      </a:r>
+                      <a:endParaRPr lang="en-KR" sz="1400" b="1" dirty="0"/>
+                    </a:p>
+                  </a:txBody>
+                  <a:tcPr/>
+                </a:tc>
+                <a:tc>
+                  <a:txBody>
+                    <a:bodyPr/>
+                    <a:lstStyle/>
+                    <a:p>
+                      <a:pPr algn="ctr"/>
                       <a:endParaRPr lang="en-KR" sz="1400" b="1" dirty="0"/>
                     </a:p>
                   </a:txBody>
@@ -9811,15 +11608,27 @@
                     <a:p>
                       <a:pPr algn="ctr"/>
                       <a:r>
-                        <a:rPr lang="en-US" sz="1400" b="1" kern="1200" dirty="0">
-                          <a:solidFill>
-                            <a:schemeClr val="dk1"/>
-                          </a:solidFill>
-                          <a:effectLst/>
-                        </a:rPr>
-                        <a:t>active-defrag-threshold-upper</a:t>
-                      </a:r>
-                      <a:endParaRPr lang="en-KR" sz="1400" b="1" dirty="0"/>
+                        <a:rPr lang="en-US" sz="1400" b="1" dirty="0"/>
+                        <a:t>S</a:t>
+                      </a:r>
+                      <a:r>
+                        <a:rPr lang="en-KR" sz="1400" b="1" dirty="0"/>
+                        <a:t>ave1_0</a:t>
+                      </a:r>
+                    </a:p>
+                  </a:txBody>
+                  <a:tcPr/>
+                </a:tc>
+                <a:tc>
+                  <a:txBody>
+                    <a:bodyPr/>
+                    <a:lstStyle/>
+                    <a:p>
+                      <a:pPr algn="ctr"/>
+                      <a:r>
+                        <a:rPr lang="en-KR" sz="1400" b="1" dirty="0"/>
+                        <a:t>1,6</a:t>
+                      </a:r>
                     </a:p>
                   </a:txBody>
                   <a:tcPr/>
@@ -9838,15 +11647,27 @@
                     <a:p>
                       <a:pPr algn="ctr"/>
                       <a:r>
-                        <a:rPr lang="en-US" sz="1400" b="1" kern="1200" dirty="0">
-                          <a:solidFill>
-                            <a:schemeClr val="dk1"/>
-                          </a:solidFill>
-                          <a:effectLst/>
-                        </a:rPr>
-                        <a:t>active-defrag-cycle-min</a:t>
-                      </a:r>
-                      <a:endParaRPr lang="en-KR" sz="1400" b="1" dirty="0"/>
+                        <a:rPr lang="en-US" sz="1400" b="1" dirty="0"/>
+                        <a:t>H</a:t>
+                      </a:r>
+                      <a:r>
+                        <a:rPr lang="en-KR" sz="1400" b="1" dirty="0"/>
+                        <a:t>ash-max-ziplist-value</a:t>
+                      </a:r>
+                    </a:p>
+                  </a:txBody>
+                  <a:tcPr/>
+                </a:tc>
+                <a:tc>
+                  <a:txBody>
+                    <a:bodyPr/>
+                    <a:lstStyle/>
+                    <a:p>
+                      <a:pPr algn="ctr"/>
+                      <a:r>
+                        <a:rPr lang="en-KR" sz="1400" b="1" dirty="0"/>
+                        <a:t>4,2</a:t>
+                      </a:r>
                     </a:p>
                   </a:txBody>
                   <a:tcPr/>
@@ -9865,15 +11686,27 @@
                     <a:p>
                       <a:pPr algn="ctr"/>
                       <a:r>
-                        <a:rPr lang="en-US" sz="1400" b="1" kern="1200" dirty="0">
-                          <a:solidFill>
-                            <a:schemeClr val="dk1"/>
-                          </a:solidFill>
-                          <a:effectLst/>
-                        </a:rPr>
-                        <a:t>active-defrag-cycle-max</a:t>
-                      </a:r>
-                      <a:endParaRPr lang="en-KR" sz="1400" b="1" dirty="0"/>
+                        <a:rPr lang="en-US" sz="1400" b="1" dirty="0"/>
+                        <a:t>A</a:t>
+                      </a:r>
+                      <a:r>
+                        <a:rPr lang="en-KR" sz="1400" b="1" dirty="0"/>
+                        <a:t>ctive-defrag-threshold-lower</a:t>
+                      </a:r>
+                    </a:p>
+                  </a:txBody>
+                  <a:tcPr/>
+                </a:tc>
+                <a:tc>
+                  <a:txBody>
+                    <a:bodyPr/>
+                    <a:lstStyle/>
+                    <a:p>
+                      <a:pPr algn="ctr"/>
+                      <a:r>
+                        <a:rPr lang="en-KR" sz="1400" b="1" dirty="0"/>
+                        <a:t>1,13</a:t>
+                      </a:r>
                     </a:p>
                   </a:txBody>
                   <a:tcPr/>
@@ -9892,15 +11725,23 @@
                     <a:p>
                       <a:pPr algn="ctr"/>
                       <a:r>
-                        <a:rPr lang="en-US" sz="1400" b="1" kern="1200" dirty="0" err="1">
-                          <a:solidFill>
-                            <a:schemeClr val="dk1"/>
-                          </a:solidFill>
-                          <a:effectLst/>
-                        </a:rPr>
-                        <a:t>activerehashing</a:t>
-                      </a:r>
-                      <a:endParaRPr lang="en-KR" sz="1400" b="1" dirty="0"/>
+                        <a:rPr lang="en-KR" sz="1400" b="1" dirty="0"/>
+                        <a:t>rdbchecksum</a:t>
+                      </a:r>
+                    </a:p>
+                  </a:txBody>
+                  <a:tcPr/>
+                </a:tc>
+                <a:tc>
+                  <a:txBody>
+                    <a:bodyPr/>
+                    <a:lstStyle/>
+                    <a:p>
+                      <a:pPr algn="ctr"/>
+                      <a:r>
+                        <a:rPr lang="en-KR" sz="1400" b="1" dirty="0"/>
+                        <a:t>,11</a:t>
+                      </a:r>
                     </a:p>
                   </a:txBody>
                   <a:tcPr/>
@@ -9919,22 +11760,336 @@
                     <a:p>
                       <a:pPr algn="ctr"/>
                       <a:r>
-                        <a:rPr lang="en-US" sz="1400" b="1" kern="1200" dirty="0">
-                          <a:solidFill>
-                            <a:schemeClr val="dk1"/>
-                          </a:solidFill>
-                          <a:effectLst/>
-                        </a:rPr>
-                        <a:t>dynamic-</a:t>
-                      </a:r>
-                      <a:r>
-                        <a:rPr lang="en-US" sz="1400" b="1" kern="1200" dirty="0" err="1">
-                          <a:solidFill>
-                            <a:schemeClr val="dk1"/>
-                          </a:solidFill>
-                          <a:effectLst/>
-                        </a:rPr>
+                        <a:rPr lang="en-US" sz="1400" b="1" dirty="0"/>
+                        <a:t>L</a:t>
+                      </a:r>
+                      <a:r>
+                        <a:rPr lang="en-KR" sz="1400" b="1" dirty="0"/>
+                        <a:t>azyfree-lazy-eviction</a:t>
+                      </a:r>
+                    </a:p>
+                  </a:txBody>
+                  <a:tcPr/>
+                </a:tc>
+                <a:tc>
+                  <a:txBody>
+                    <a:bodyPr/>
+                    <a:lstStyle/>
+                    <a:p>
+                      <a:pPr algn="ctr"/>
+                      <a:r>
+                        <a:rPr lang="en-KR" sz="1400" b="1" dirty="0"/>
+                        <a:t>18</a:t>
+                      </a:r>
+                    </a:p>
+                  </a:txBody>
+                  <a:tcPr/>
+                </a:tc>
+                <a:extLst>
+                  <a:ext uri="{0D108BD9-81ED-4DB2-BD59-A6C34878D82A}">
+                    <a16:rowId xmlns:a16="http://schemas.microsoft.com/office/drawing/2014/main" val="1702734323"/>
+                  </a:ext>
+                </a:extLst>
+              </a:tr>
+              <a:tr h="370840">
+                <a:tc>
+                  <a:txBody>
+                    <a:bodyPr/>
+                    <a:lstStyle/>
+                    <a:p>
+                      <a:pPr algn="ctr"/>
+                      <a:r>
+                        <a:rPr lang="en-US" sz="1400" b="1" dirty="0"/>
+                        <a:t>L</a:t>
+                      </a:r>
+                      <a:r>
+                        <a:rPr lang="en-KR" sz="1400" b="1" dirty="0"/>
+                        <a:t>azyfree-lazy-server-del</a:t>
+                      </a:r>
+                    </a:p>
+                  </a:txBody>
+                  <a:tcPr/>
+                </a:tc>
+                <a:tc>
+                  <a:txBody>
+                    <a:bodyPr/>
+                    <a:lstStyle/>
+                    <a:p>
+                      <a:pPr algn="ctr"/>
+                      <a:r>
+                        <a:rPr lang="en-KR" sz="1400" b="1" dirty="0"/>
+                        <a:t>1,20</a:t>
+                      </a:r>
+                    </a:p>
+                  </a:txBody>
+                  <a:tcPr/>
+                </a:tc>
+                <a:extLst>
+                  <a:ext uri="{0D108BD9-81ED-4DB2-BD59-A6C34878D82A}">
+                    <a16:rowId xmlns:a16="http://schemas.microsoft.com/office/drawing/2014/main" val="3907074474"/>
+                  </a:ext>
+                </a:extLst>
+              </a:tr>
+              <a:tr h="370840">
+                <a:tc>
+                  <a:txBody>
+                    <a:bodyPr/>
+                    <a:lstStyle/>
+                    <a:p>
+                      <a:pPr algn="ctr"/>
+                      <a:r>
+                        <a:rPr lang="en-US" sz="1400" b="1" dirty="0"/>
+                        <a:t>D</a:t>
+                      </a:r>
+                      <a:r>
+                        <a:rPr lang="en-KR" sz="1400" b="1" dirty="0"/>
+                        <a:t>ynamic-hz</a:t>
+                      </a:r>
+                    </a:p>
+                  </a:txBody>
+                  <a:tcPr/>
+                </a:tc>
+                <a:tc>
+                  <a:txBody>
+                    <a:bodyPr/>
+                    <a:lstStyle/>
+                    <a:p>
+                      <a:pPr algn="ctr"/>
+                      <a:r>
+                        <a:rPr lang="en-KR" sz="1400" b="1" dirty="0"/>
+                        <a:t>,3</a:t>
+                      </a:r>
+                    </a:p>
+                  </a:txBody>
+                  <a:tcPr/>
+                </a:tc>
+                <a:extLst>
+                  <a:ext uri="{0D108BD9-81ED-4DB2-BD59-A6C34878D82A}">
+                    <a16:rowId xmlns:a16="http://schemas.microsoft.com/office/drawing/2014/main" val="2328539840"/>
+                  </a:ext>
+                </a:extLst>
+              </a:tr>
+              <a:tr h="370840">
+                <a:tc>
+                  <a:txBody>
+                    <a:bodyPr/>
+                    <a:lstStyle/>
+                    <a:p>
+                      <a:pPr algn="ctr"/>
+                      <a:r>
+                        <a:rPr lang="en-US" sz="1400" b="1" dirty="0"/>
+                        <a:t>A</a:t>
+                      </a:r>
+                      <a:r>
+                        <a:rPr lang="en-KR" sz="1400" b="1" dirty="0"/>
+                        <a:t>ctive-defrag-cycle-min</a:t>
+                      </a:r>
+                    </a:p>
+                  </a:txBody>
+                  <a:tcPr/>
+                </a:tc>
+                <a:tc>
+                  <a:txBody>
+                    <a:bodyPr/>
+                    <a:lstStyle/>
+                    <a:p>
+                      <a:pPr algn="ctr"/>
+                      <a:r>
+                        <a:rPr lang="en-KR" sz="1400" b="1" dirty="0"/>
+                        <a:t>,14</a:t>
+                      </a:r>
+                    </a:p>
+                  </a:txBody>
+                  <a:tcPr/>
+                </a:tc>
+                <a:extLst>
+                  <a:ext uri="{0D108BD9-81ED-4DB2-BD59-A6C34878D82A}">
+                    <a16:rowId xmlns:a16="http://schemas.microsoft.com/office/drawing/2014/main" val="3424909814"/>
+                  </a:ext>
+                </a:extLst>
+              </a:tr>
+            </a:tbl>
+          </a:graphicData>
+        </a:graphic>
+      </p:graphicFrame>
+      <p:graphicFrame>
+        <p:nvGraphicFramePr>
+          <p:cNvPr id="7" name="Table 12">
+            <a:extLst>
+              <a:ext uri="{FF2B5EF4-FFF2-40B4-BE49-F238E27FC236}">
+                <a16:creationId xmlns:a16="http://schemas.microsoft.com/office/drawing/2014/main" id="{EF93E6AF-EDFA-5949-8ECD-A308672E5687}"/>
+              </a:ext>
+            </a:extLst>
+          </p:cNvPr>
+          <p:cNvGraphicFramePr>
+            <a:graphicFrameLocks noGrp="1"/>
+          </p:cNvGraphicFramePr>
+          <p:nvPr>
+            <p:extLst>
+              <p:ext uri="{D42A27DB-BD31-4B8C-83A1-F6EECF244321}">
+                <p14:modId xmlns:p14="http://schemas.microsoft.com/office/powerpoint/2010/main" val="2112006520"/>
+              </p:ext>
+            </p:extLst>
+          </p:nvPr>
+        </p:nvGraphicFramePr>
+        <p:xfrm>
+          <a:off x="7788225" y="-534352"/>
+          <a:ext cx="2616400" cy="1991360"/>
+        </p:xfrm>
+        <a:graphic>
+          <a:graphicData uri="http://schemas.openxmlformats.org/drawingml/2006/table">
+            <a:tbl>
+              <a:tblPr firstRow="1" bandRow="1">
+                <a:tableStyleId>{F5AB1C69-6EDB-4FF4-983F-18BD219EF322}</a:tableStyleId>
+              </a:tblPr>
+              <a:tblGrid>
+                <a:gridCol w="1308200">
+                  <a:extLst>
+                    <a:ext uri="{9D8B030D-6E8A-4147-A177-3AD203B41FA5}">
+                      <a16:colId xmlns:a16="http://schemas.microsoft.com/office/drawing/2014/main" val="130820866"/>
+                    </a:ext>
+                  </a:extLst>
+                </a:gridCol>
+                <a:gridCol w="1308200">
+                  <a:extLst>
+                    <a:ext uri="{9D8B030D-6E8A-4147-A177-3AD203B41FA5}">
+                      <a16:colId xmlns:a16="http://schemas.microsoft.com/office/drawing/2014/main" val="891859327"/>
+                    </a:ext>
+                  </a:extLst>
+                </a:gridCol>
+              </a:tblGrid>
+              <a:tr h="370840">
+                <a:tc>
+                  <a:txBody>
+                    <a:bodyPr/>
+                    <a:lstStyle/>
+                    <a:p>
+                      <a:pPr algn="ctr"/>
+                      <a:r>
+                        <a:rPr lang="en-US" sz="1400" b="1" dirty="0"/>
+                        <a:t>cluster2</a:t>
+                      </a:r>
+                      <a:endParaRPr lang="en-KR" sz="1400" b="1" dirty="0"/>
+                    </a:p>
+                  </a:txBody>
+                  <a:tcPr/>
+                </a:tc>
+                <a:tc>
+                  <a:txBody>
+                    <a:bodyPr/>
+                    <a:lstStyle/>
+                    <a:p>
+                      <a:pPr algn="ctr"/>
+                      <a:endParaRPr lang="en-KR" sz="1400" b="1" dirty="0"/>
+                    </a:p>
+                  </a:txBody>
+                  <a:tcPr/>
+                </a:tc>
+                <a:extLst>
+                  <a:ext uri="{0D108BD9-81ED-4DB2-BD59-A6C34878D82A}">
+                    <a16:rowId xmlns:a16="http://schemas.microsoft.com/office/drawing/2014/main" val="3703719955"/>
+                  </a:ext>
+                </a:extLst>
+              </a:tr>
+              <a:tr h="370840">
+                <a:tc>
+                  <a:txBody>
+                    <a:bodyPr/>
+                    <a:lstStyle/>
+                    <a:p>
+                      <a:pPr algn="ctr"/>
+                      <a:r>
+                        <a:rPr lang="en-US" sz="1400" b="1" dirty="0" err="1"/>
                         <a:t>hz</a:t>
+                      </a:r>
+                      <a:endParaRPr lang="en-KR" sz="1400" b="1" dirty="0"/>
+                    </a:p>
+                  </a:txBody>
+                  <a:tcPr/>
+                </a:tc>
+                <a:tc>
+                  <a:txBody>
+                    <a:bodyPr/>
+                    <a:lstStyle/>
+                    <a:p>
+                      <a:pPr algn="ctr"/>
+                      <a:r>
+                        <a:rPr lang="en-KR" sz="1400" b="1" dirty="0"/>
+                        <a:t>4</a:t>
+                      </a:r>
+                    </a:p>
+                  </a:txBody>
+                  <a:tcPr/>
+                </a:tc>
+                <a:extLst>
+                  <a:ext uri="{0D108BD9-81ED-4DB2-BD59-A6C34878D82A}">
+                    <a16:rowId xmlns:a16="http://schemas.microsoft.com/office/drawing/2014/main" val="2698268800"/>
+                  </a:ext>
+                </a:extLst>
+              </a:tr>
+              <a:tr h="370840">
+                <a:tc>
+                  <a:txBody>
+                    <a:bodyPr/>
+                    <a:lstStyle/>
+                    <a:p>
+                      <a:pPr algn="ctr"/>
+                      <a:r>
+                        <a:rPr lang="en-KR" sz="1400" b="1" dirty="0"/>
+                        <a:t>activerehashing</a:t>
+                      </a:r>
+                    </a:p>
+                  </a:txBody>
+                  <a:tcPr/>
+                </a:tc>
+                <a:tc>
+                  <a:txBody>
+                    <a:bodyPr/>
+                    <a:lstStyle/>
+                    <a:p>
+                      <a:pPr algn="ctr"/>
+                      <a:r>
+                        <a:rPr lang="en-KR" sz="1400" b="1" dirty="0"/>
+                        <a:t>3</a:t>
+                      </a:r>
+                    </a:p>
+                  </a:txBody>
+                  <a:tcPr/>
+                </a:tc>
+                <a:extLst>
+                  <a:ext uri="{0D108BD9-81ED-4DB2-BD59-A6C34878D82A}">
+                    <a16:rowId xmlns:a16="http://schemas.microsoft.com/office/drawing/2014/main" val="1805892891"/>
+                  </a:ext>
+                </a:extLst>
+              </a:tr>
+              <a:tr h="370840">
+                <a:tc>
+                  <a:txBody>
+                    <a:bodyPr/>
+                    <a:lstStyle/>
+                    <a:p>
+                      <a:pPr algn="ctr"/>
+                      <a:r>
+                        <a:rPr lang="en-US" sz="1400" b="1" dirty="0"/>
+                        <a:t>A</a:t>
+                      </a:r>
+                      <a:r>
+                        <a:rPr lang="en-KR" sz="1400" b="1" dirty="0"/>
+                        <a:t>ctive-defrag-threshold-upper</a:t>
+                      </a:r>
+                    </a:p>
+                  </a:txBody>
+                  <a:tcPr/>
+                </a:tc>
+                <a:tc>
+                  <a:txBody>
+                    <a:bodyPr/>
+                    <a:lstStyle/>
+                    <a:p>
+                      <a:pPr algn="ctr"/>
+                      <a:r>
+                        <a:rPr lang="en-KR" sz="1400" b="1"/>
+                        <a:t>16</a:t>
                       </a:r>
                       <a:endParaRPr lang="en-KR" sz="1400" b="1" dirty="0"/>
                     </a:p>
@@ -10003,12 +12158,16 @@
           <a:lstStyle/>
           <a:p>
             <a:r>
-              <a:rPr lang="en-US" dirty="0"/>
-              <a:t>BO </a:t>
-            </a:r>
-            <a:r>
               <a:rPr lang="ko-KR" altLang="en-US" dirty="0"/>
-              <a:t>진행 결과</a:t>
+              <a:t>상관계수 합</a:t>
+            </a:r>
+            <a:r>
+              <a:rPr lang="en-US" altLang="ko-KR" dirty="0"/>
+              <a:t>,</a:t>
+            </a:r>
+            <a:r>
+              <a:rPr lang="ko-KR" altLang="en-US" dirty="0"/>
+              <a:t> 분류</a:t>
             </a:r>
             <a:endParaRPr lang="en-KR" dirty="0"/>
           </a:p>
@@ -10038,6 +12197,1281 @@
             <a:fld id="{78583395-A25F-E84C-A18F-BA4FF87D0EA7}" type="slidenum">
               <a:rPr lang="en-KR" smtClean="0"/>
               <a:t>6</a:t>
+            </a:fld>
+            <a:endParaRPr lang="en-KR"/>
+          </a:p>
+        </p:txBody>
+      </p:sp>
+      <p:sp>
+        <p:nvSpPr>
+          <p:cNvPr id="7" name="TextBox 6">
+            <a:extLst>
+              <a:ext uri="{FF2B5EF4-FFF2-40B4-BE49-F238E27FC236}">
+                <a16:creationId xmlns:a16="http://schemas.microsoft.com/office/drawing/2014/main" id="{74C16119-645A-624C-BF95-6AA50A5504E8}"/>
+              </a:ext>
+            </a:extLst>
+          </p:cNvPr>
+          <p:cNvSpPr txBox="1"/>
+          <p:nvPr/>
+        </p:nvSpPr>
+        <p:spPr>
+          <a:xfrm>
+            <a:off x="2908348" y="2045935"/>
+            <a:ext cx="968535" cy="369332"/>
+          </a:xfrm>
+          <a:prstGeom prst="rect">
+            <a:avLst/>
+          </a:prstGeom>
+          <a:noFill/>
+        </p:spPr>
+        <p:txBody>
+          <a:bodyPr wrap="none" rtlCol="0">
+            <a:spAutoFit/>
+          </a:bodyPr>
+          <a:lstStyle/>
+          <a:p>
+            <a:r>
+              <a:rPr lang="en-US" altLang="ko-KR" b="1" dirty="0"/>
+              <a:t>numeric</a:t>
+            </a:r>
+            <a:endParaRPr lang="en-KR" b="1" dirty="0"/>
+          </a:p>
+        </p:txBody>
+      </p:sp>
+      <p:sp>
+        <p:nvSpPr>
+          <p:cNvPr id="8" name="TextBox 7">
+            <a:extLst>
+              <a:ext uri="{FF2B5EF4-FFF2-40B4-BE49-F238E27FC236}">
+                <a16:creationId xmlns:a16="http://schemas.microsoft.com/office/drawing/2014/main" id="{D8FC10B8-71D8-0E46-9C09-0D6980876F5A}"/>
+              </a:ext>
+            </a:extLst>
+          </p:cNvPr>
+          <p:cNvSpPr txBox="1"/>
+          <p:nvPr/>
+        </p:nvSpPr>
+        <p:spPr>
+          <a:xfrm>
+            <a:off x="8602794" y="3429000"/>
+            <a:ext cx="970137" cy="369332"/>
+          </a:xfrm>
+          <a:prstGeom prst="rect">
+            <a:avLst/>
+          </a:prstGeom>
+          <a:noFill/>
+        </p:spPr>
+        <p:txBody>
+          <a:bodyPr wrap="none" rtlCol="0">
+            <a:spAutoFit/>
+          </a:bodyPr>
+          <a:lstStyle/>
+          <a:p>
+            <a:r>
+              <a:rPr lang="en-US" b="1" dirty="0"/>
+              <a:t>Boolean</a:t>
+            </a:r>
+            <a:endParaRPr lang="en-KR" b="1" dirty="0"/>
+          </a:p>
+        </p:txBody>
+      </p:sp>
+      <p:sp>
+        <p:nvSpPr>
+          <p:cNvPr id="10" name="TextBox 9">
+            <a:extLst>
+              <a:ext uri="{FF2B5EF4-FFF2-40B4-BE49-F238E27FC236}">
+                <a16:creationId xmlns:a16="http://schemas.microsoft.com/office/drawing/2014/main" id="{BA0F73DA-3584-104B-824F-D238132EB7A1}"/>
+              </a:ext>
+            </a:extLst>
+          </p:cNvPr>
+          <p:cNvSpPr txBox="1"/>
+          <p:nvPr/>
+        </p:nvSpPr>
+        <p:spPr>
+          <a:xfrm>
+            <a:off x="8482743" y="1263773"/>
+            <a:ext cx="1363643" cy="369332"/>
+          </a:xfrm>
+          <a:prstGeom prst="rect">
+            <a:avLst/>
+          </a:prstGeom>
+          <a:noFill/>
+        </p:spPr>
+        <p:txBody>
+          <a:bodyPr wrap="none" rtlCol="0">
+            <a:spAutoFit/>
+          </a:bodyPr>
+          <a:lstStyle/>
+          <a:p>
+            <a:r>
+              <a:rPr lang="en-KR" b="1" dirty="0"/>
+              <a:t>activedefrag</a:t>
+            </a:r>
+          </a:p>
+        </p:txBody>
+      </p:sp>
+      <p:pic>
+        <p:nvPicPr>
+          <p:cNvPr id="13" name="Picture 12">
+            <a:extLst>
+              <a:ext uri="{FF2B5EF4-FFF2-40B4-BE49-F238E27FC236}">
+                <a16:creationId xmlns:a16="http://schemas.microsoft.com/office/drawing/2014/main" id="{12232414-E134-5C45-AA38-71B141C943BE}"/>
+              </a:ext>
+            </a:extLst>
+          </p:cNvPr>
+          <p:cNvPicPr>
+            <a:picLocks noChangeAspect="1"/>
+          </p:cNvPicPr>
+          <p:nvPr/>
+        </p:nvPicPr>
+        <p:blipFill>
+          <a:blip r:embed="rId3"/>
+          <a:stretch>
+            <a:fillRect/>
+          </a:stretch>
+        </p:blipFill>
+        <p:spPr>
+          <a:xfrm>
+            <a:off x="6510956" y="1580634"/>
+            <a:ext cx="4798393" cy="1479034"/>
+          </a:xfrm>
+          <a:prstGeom prst="rect">
+            <a:avLst/>
+          </a:prstGeom>
+        </p:spPr>
+      </p:pic>
+      <p:pic>
+        <p:nvPicPr>
+          <p:cNvPr id="14" name="Picture 13">
+            <a:extLst>
+              <a:ext uri="{FF2B5EF4-FFF2-40B4-BE49-F238E27FC236}">
+                <a16:creationId xmlns:a16="http://schemas.microsoft.com/office/drawing/2014/main" id="{3ECFF47E-1D54-F545-AD9D-A7D1D9B11F79}"/>
+              </a:ext>
+            </a:extLst>
+          </p:cNvPr>
+          <p:cNvPicPr>
+            <a:picLocks noChangeAspect="1"/>
+          </p:cNvPicPr>
+          <p:nvPr/>
+        </p:nvPicPr>
+        <p:blipFill>
+          <a:blip r:embed="rId4"/>
+          <a:stretch>
+            <a:fillRect/>
+          </a:stretch>
+        </p:blipFill>
+        <p:spPr>
+          <a:xfrm>
+            <a:off x="897065" y="2589212"/>
+            <a:ext cx="4991100" cy="3949700"/>
+          </a:xfrm>
+          <a:prstGeom prst="rect">
+            <a:avLst/>
+          </a:prstGeom>
+        </p:spPr>
+      </p:pic>
+      <p:pic>
+        <p:nvPicPr>
+          <p:cNvPr id="15" name="Picture 14">
+            <a:extLst>
+              <a:ext uri="{FF2B5EF4-FFF2-40B4-BE49-F238E27FC236}">
+                <a16:creationId xmlns:a16="http://schemas.microsoft.com/office/drawing/2014/main" id="{B7D5FB62-D4B7-FA40-9D80-DA6939DC4592}"/>
+              </a:ext>
+            </a:extLst>
+          </p:cNvPr>
+          <p:cNvPicPr>
+            <a:picLocks noChangeAspect="1"/>
+          </p:cNvPicPr>
+          <p:nvPr/>
+        </p:nvPicPr>
+        <p:blipFill>
+          <a:blip r:embed="rId5"/>
+          <a:stretch>
+            <a:fillRect/>
+          </a:stretch>
+        </p:blipFill>
+        <p:spPr>
+          <a:xfrm>
+            <a:off x="6303837" y="3813175"/>
+            <a:ext cx="5181600" cy="2908300"/>
+          </a:xfrm>
+          <a:prstGeom prst="rect">
+            <a:avLst/>
+          </a:prstGeom>
+        </p:spPr>
+      </p:pic>
+    </p:spTree>
+    <p:extLst>
+      <p:ext uri="{BB962C8B-B14F-4D97-AF65-F5344CB8AC3E}">
+        <p14:creationId xmlns:p14="http://schemas.microsoft.com/office/powerpoint/2010/main" val="2447343369"/>
+      </p:ext>
+    </p:extLst>
+  </p:cSld>
+  <p:clrMapOvr>
+    <a:masterClrMapping/>
+  </p:clrMapOvr>
+</p:sld>
+</file>
+
+<file path=ppt/slides/slide7.xml><?xml version="1.0" encoding="utf-8"?>
+<p:sld xmlns:a="http://schemas.openxmlformats.org/drawingml/2006/main" xmlns:r="http://schemas.openxmlformats.org/officeDocument/2006/relationships" xmlns:p="http://schemas.openxmlformats.org/presentationml/2006/main">
+  <p:cSld>
+    <p:spTree>
+      <p:nvGrpSpPr>
+        <p:cNvPr id="1" name=""/>
+        <p:cNvGrpSpPr/>
+        <p:nvPr/>
+      </p:nvGrpSpPr>
+      <p:grpSpPr>
+        <a:xfrm>
+          <a:off x="0" y="0"/>
+          <a:ext cx="0" cy="0"/>
+          <a:chOff x="0" y="0"/>
+          <a:chExt cx="0" cy="0"/>
+        </a:xfrm>
+      </p:grpSpPr>
+      <p:sp>
+        <p:nvSpPr>
+          <p:cNvPr id="2" name="Title 1">
+            <a:extLst>
+              <a:ext uri="{FF2B5EF4-FFF2-40B4-BE49-F238E27FC236}">
+                <a16:creationId xmlns:a16="http://schemas.microsoft.com/office/drawing/2014/main" id="{2D042086-1E7E-0340-89FA-F5A00D117574}"/>
+              </a:ext>
+            </a:extLst>
+          </p:cNvPr>
+          <p:cNvSpPr>
+            <a:spLocks noGrp="1"/>
+          </p:cNvSpPr>
+          <p:nvPr>
+            <p:ph type="title"/>
+          </p:nvPr>
+        </p:nvSpPr>
+        <p:spPr/>
+        <p:txBody>
+          <a:bodyPr/>
+          <a:lstStyle/>
+          <a:p>
+            <a:r>
+              <a:rPr lang="ko-KR" altLang="en-US" dirty="0"/>
+              <a:t>상관계수 합</a:t>
+            </a:r>
+            <a:r>
+              <a:rPr lang="en-US" altLang="ko-KR" dirty="0"/>
+              <a:t>,</a:t>
+            </a:r>
+            <a:r>
+              <a:rPr lang="ko-KR" altLang="en-US" dirty="0"/>
+              <a:t> 분류</a:t>
+            </a:r>
+            <a:endParaRPr lang="en-KR" dirty="0"/>
+          </a:p>
+        </p:txBody>
+      </p:sp>
+      <p:sp>
+        <p:nvSpPr>
+          <p:cNvPr id="3" name="Slide Number Placeholder 2">
+            <a:extLst>
+              <a:ext uri="{FF2B5EF4-FFF2-40B4-BE49-F238E27FC236}">
+                <a16:creationId xmlns:a16="http://schemas.microsoft.com/office/drawing/2014/main" id="{B96F75B3-4036-F246-9680-97F496478E48}"/>
+              </a:ext>
+            </a:extLst>
+          </p:cNvPr>
+          <p:cNvSpPr>
+            <a:spLocks noGrp="1"/>
+          </p:cNvSpPr>
+          <p:nvPr>
+            <p:ph type="sldNum" sz="quarter" idx="12"/>
+          </p:nvPr>
+        </p:nvSpPr>
+        <p:spPr/>
+        <p:txBody>
+          <a:bodyPr/>
+          <a:lstStyle/>
+          <a:p>
+            <a:fld id="{78583395-A25F-E84C-A18F-BA4FF87D0EA7}" type="slidenum">
+              <a:rPr lang="en-KR" smtClean="0"/>
+              <a:t>7</a:t>
+            </a:fld>
+            <a:endParaRPr lang="en-KR"/>
+          </a:p>
+        </p:txBody>
+      </p:sp>
+      <p:graphicFrame>
+        <p:nvGraphicFramePr>
+          <p:cNvPr id="12" name="Table 12">
+            <a:extLst>
+              <a:ext uri="{FF2B5EF4-FFF2-40B4-BE49-F238E27FC236}">
+                <a16:creationId xmlns:a16="http://schemas.microsoft.com/office/drawing/2014/main" id="{E7059A91-C671-CB47-8B05-66138175E9FD}"/>
+              </a:ext>
+            </a:extLst>
+          </p:cNvPr>
+          <p:cNvGraphicFramePr>
+            <a:graphicFrameLocks noGrp="1"/>
+          </p:cNvGraphicFramePr>
+          <p:nvPr/>
+        </p:nvGraphicFramePr>
+        <p:xfrm>
+          <a:off x="1426768" y="2068964"/>
+          <a:ext cx="2299412" cy="2225040"/>
+        </p:xfrm>
+        <a:graphic>
+          <a:graphicData uri="http://schemas.openxmlformats.org/drawingml/2006/table">
+            <a:tbl>
+              <a:tblPr firstRow="1" bandRow="1">
+                <a:tableStyleId>{F5AB1C69-6EDB-4FF4-983F-18BD219EF322}</a:tableStyleId>
+              </a:tblPr>
+              <a:tblGrid>
+                <a:gridCol w="2299412">
+                  <a:extLst>
+                    <a:ext uri="{9D8B030D-6E8A-4147-A177-3AD203B41FA5}">
+                      <a16:colId xmlns:a16="http://schemas.microsoft.com/office/drawing/2014/main" val="130820866"/>
+                    </a:ext>
+                  </a:extLst>
+                </a:gridCol>
+              </a:tblGrid>
+              <a:tr h="370840">
+                <a:tc>
+                  <a:txBody>
+                    <a:bodyPr/>
+                    <a:lstStyle/>
+                    <a:p>
+                      <a:pPr algn="ctr"/>
+                      <a:r>
+                        <a:rPr lang="en-US" sz="1400" b="1" dirty="0"/>
+                        <a:t>cluster0</a:t>
+                      </a:r>
+                      <a:endParaRPr lang="en-KR" sz="1400" b="1" dirty="0"/>
+                    </a:p>
+                  </a:txBody>
+                  <a:tcPr/>
+                </a:tc>
+                <a:extLst>
+                  <a:ext uri="{0D108BD9-81ED-4DB2-BD59-A6C34878D82A}">
+                    <a16:rowId xmlns:a16="http://schemas.microsoft.com/office/drawing/2014/main" val="3703719955"/>
+                  </a:ext>
+                </a:extLst>
+              </a:tr>
+              <a:tr h="370840">
+                <a:tc>
+                  <a:txBody>
+                    <a:bodyPr/>
+                    <a:lstStyle/>
+                    <a:p>
+                      <a:pPr algn="ctr"/>
+                      <a:r>
+                        <a:rPr lang="en-US" sz="1400" b="1" dirty="0"/>
+                        <a:t>s</a:t>
+                      </a:r>
+                      <a:r>
+                        <a:rPr lang="en-KR" sz="1400" b="1" dirty="0"/>
+                        <a:t>ave0_0</a:t>
+                      </a:r>
+                    </a:p>
+                  </a:txBody>
+                  <a:tcPr/>
+                </a:tc>
+                <a:extLst>
+                  <a:ext uri="{0D108BD9-81ED-4DB2-BD59-A6C34878D82A}">
+                    <a16:rowId xmlns:a16="http://schemas.microsoft.com/office/drawing/2014/main" val="2698268800"/>
+                  </a:ext>
+                </a:extLst>
+              </a:tr>
+              <a:tr h="370840">
+                <a:tc>
+                  <a:txBody>
+                    <a:bodyPr/>
+                    <a:lstStyle/>
+                    <a:p>
+                      <a:pPr algn="ctr"/>
+                      <a:r>
+                        <a:rPr lang="en-US" sz="1400" b="1" dirty="0"/>
+                        <a:t>s</a:t>
+                      </a:r>
+                      <a:r>
+                        <a:rPr lang="en-KR" sz="1400" b="1" dirty="0"/>
+                        <a:t>ave1_1</a:t>
+                      </a:r>
+                    </a:p>
+                  </a:txBody>
+                  <a:tcPr/>
+                </a:tc>
+                <a:extLst>
+                  <a:ext uri="{0D108BD9-81ED-4DB2-BD59-A6C34878D82A}">
+                    <a16:rowId xmlns:a16="http://schemas.microsoft.com/office/drawing/2014/main" val="2888754681"/>
+                  </a:ext>
+                </a:extLst>
+              </a:tr>
+              <a:tr h="370840">
+                <a:tc>
+                  <a:txBody>
+                    <a:bodyPr/>
+                    <a:lstStyle/>
+                    <a:p>
+                      <a:pPr algn="ctr"/>
+                      <a:r>
+                        <a:rPr lang="en-US" sz="1400" b="1" dirty="0"/>
+                        <a:t>h</a:t>
+                      </a:r>
+                      <a:r>
+                        <a:rPr lang="en-KR" sz="1400" b="1" dirty="0"/>
+                        <a:t>ash-max-ziplist-entries</a:t>
+                      </a:r>
+                    </a:p>
+                  </a:txBody>
+                  <a:tcPr/>
+                </a:tc>
+                <a:extLst>
+                  <a:ext uri="{0D108BD9-81ED-4DB2-BD59-A6C34878D82A}">
+                    <a16:rowId xmlns:a16="http://schemas.microsoft.com/office/drawing/2014/main" val="572287686"/>
+                  </a:ext>
+                </a:extLst>
+              </a:tr>
+              <a:tr h="370840">
+                <a:tc>
+                  <a:txBody>
+                    <a:bodyPr/>
+                    <a:lstStyle/>
+                    <a:p>
+                      <a:pPr algn="ctr"/>
+                      <a:r>
+                        <a:rPr lang="en-US" sz="1400" b="1" kern="1200" dirty="0" err="1">
+                          <a:solidFill>
+                            <a:schemeClr val="dk1"/>
+                          </a:solidFill>
+                          <a:effectLst/>
+                        </a:rPr>
+                        <a:t>rdb</a:t>
+                      </a:r>
+                      <a:r>
+                        <a:rPr lang="en-US" sz="1400" b="1" kern="1200" dirty="0">
+                          <a:solidFill>
+                            <a:schemeClr val="dk1"/>
+                          </a:solidFill>
+                          <a:effectLst/>
+                        </a:rPr>
+                        <a:t>-save-incremental-</a:t>
+                      </a:r>
+                      <a:r>
+                        <a:rPr lang="en-US" sz="1400" b="1" kern="1200" dirty="0" err="1">
+                          <a:solidFill>
+                            <a:schemeClr val="dk1"/>
+                          </a:solidFill>
+                          <a:effectLst/>
+                        </a:rPr>
+                        <a:t>fsync</a:t>
+                      </a:r>
+                      <a:endParaRPr lang="en-KR" sz="1400" b="1" dirty="0"/>
+                    </a:p>
+                  </a:txBody>
+                  <a:tcPr/>
+                </a:tc>
+                <a:extLst>
+                  <a:ext uri="{0D108BD9-81ED-4DB2-BD59-A6C34878D82A}">
+                    <a16:rowId xmlns:a16="http://schemas.microsoft.com/office/drawing/2014/main" val="1805892891"/>
+                  </a:ext>
+                </a:extLst>
+              </a:tr>
+              <a:tr h="370840">
+                <a:tc>
+                  <a:txBody>
+                    <a:bodyPr/>
+                    <a:lstStyle/>
+                    <a:p>
+                      <a:pPr algn="ctr" fontAlgn="ctr"/>
+                      <a:r>
+                        <a:rPr lang="en-US" sz="1400" b="1" dirty="0" err="1">
+                          <a:effectLst/>
+                        </a:rPr>
+                        <a:t>lazyfree</a:t>
+                      </a:r>
+                      <a:r>
+                        <a:rPr lang="en-US" sz="1400" b="1" dirty="0">
+                          <a:effectLst/>
+                        </a:rPr>
+                        <a:t>-lazy-eviction</a:t>
+                      </a:r>
+                    </a:p>
+                  </a:txBody>
+                  <a:tcPr anchor="ctr"/>
+                </a:tc>
+                <a:extLst>
+                  <a:ext uri="{0D108BD9-81ED-4DB2-BD59-A6C34878D82A}">
+                    <a16:rowId xmlns:a16="http://schemas.microsoft.com/office/drawing/2014/main" val="1702734323"/>
+                  </a:ext>
+                </a:extLst>
+              </a:tr>
+            </a:tbl>
+          </a:graphicData>
+        </a:graphic>
+      </p:graphicFrame>
+      <p:graphicFrame>
+        <p:nvGraphicFramePr>
+          <p:cNvPr id="13" name="Table 12">
+            <a:extLst>
+              <a:ext uri="{FF2B5EF4-FFF2-40B4-BE49-F238E27FC236}">
+                <a16:creationId xmlns:a16="http://schemas.microsoft.com/office/drawing/2014/main" id="{BF095140-9C48-0446-AF91-3064814E8D2F}"/>
+              </a:ext>
+            </a:extLst>
+          </p:cNvPr>
+          <p:cNvGraphicFramePr>
+            <a:graphicFrameLocks noGrp="1"/>
+          </p:cNvGraphicFramePr>
+          <p:nvPr/>
+        </p:nvGraphicFramePr>
+        <p:xfrm>
+          <a:off x="4838700" y="2068964"/>
+          <a:ext cx="2514599" cy="4267200"/>
+        </p:xfrm>
+        <a:graphic>
+          <a:graphicData uri="http://schemas.openxmlformats.org/drawingml/2006/table">
+            <a:tbl>
+              <a:tblPr firstRow="1" bandRow="1">
+                <a:tableStyleId>{F5AB1C69-6EDB-4FF4-983F-18BD219EF322}</a:tableStyleId>
+              </a:tblPr>
+              <a:tblGrid>
+                <a:gridCol w="2514599">
+                  <a:extLst>
+                    <a:ext uri="{9D8B030D-6E8A-4147-A177-3AD203B41FA5}">
+                      <a16:colId xmlns:a16="http://schemas.microsoft.com/office/drawing/2014/main" val="130820866"/>
+                    </a:ext>
+                  </a:extLst>
+                </a:gridCol>
+              </a:tblGrid>
+              <a:tr h="299610">
+                <a:tc>
+                  <a:txBody>
+                    <a:bodyPr/>
+                    <a:lstStyle/>
+                    <a:p>
+                      <a:pPr algn="ctr"/>
+                      <a:r>
+                        <a:rPr lang="en-US" sz="1400" b="1" dirty="0"/>
+                        <a:t>cluster1</a:t>
+                      </a:r>
+                      <a:endParaRPr lang="en-KR" sz="1400" b="1" dirty="0"/>
+                    </a:p>
+                  </a:txBody>
+                  <a:tcPr/>
+                </a:tc>
+                <a:extLst>
+                  <a:ext uri="{0D108BD9-81ED-4DB2-BD59-A6C34878D82A}">
+                    <a16:rowId xmlns:a16="http://schemas.microsoft.com/office/drawing/2014/main" val="3703719955"/>
+                  </a:ext>
+                </a:extLst>
+              </a:tr>
+              <a:tr h="299610">
+                <a:tc>
+                  <a:txBody>
+                    <a:bodyPr/>
+                    <a:lstStyle/>
+                    <a:p>
+                      <a:pPr algn="ctr"/>
+                      <a:r>
+                        <a:rPr lang="en-US" sz="1400" b="1" dirty="0"/>
+                        <a:t>s</a:t>
+                      </a:r>
+                      <a:r>
+                        <a:rPr lang="en-KR" sz="1400" b="1" dirty="0"/>
+                        <a:t>ave0_1</a:t>
+                      </a:r>
+                    </a:p>
+                  </a:txBody>
+                  <a:tcPr/>
+                </a:tc>
+                <a:extLst>
+                  <a:ext uri="{0D108BD9-81ED-4DB2-BD59-A6C34878D82A}">
+                    <a16:rowId xmlns:a16="http://schemas.microsoft.com/office/drawing/2014/main" val="2698268800"/>
+                  </a:ext>
+                </a:extLst>
+              </a:tr>
+              <a:tr h="299610">
+                <a:tc>
+                  <a:txBody>
+                    <a:bodyPr/>
+                    <a:lstStyle/>
+                    <a:p>
+                      <a:pPr algn="ctr"/>
+                      <a:r>
+                        <a:rPr lang="en-US" sz="1400" b="1" dirty="0"/>
+                        <a:t>s</a:t>
+                      </a:r>
+                      <a:r>
+                        <a:rPr lang="en-KR" sz="1400" b="1" dirty="0"/>
+                        <a:t>ave1_0</a:t>
+                      </a:r>
+                    </a:p>
+                  </a:txBody>
+                  <a:tcPr/>
+                </a:tc>
+                <a:extLst>
+                  <a:ext uri="{0D108BD9-81ED-4DB2-BD59-A6C34878D82A}">
+                    <a16:rowId xmlns:a16="http://schemas.microsoft.com/office/drawing/2014/main" val="2888754681"/>
+                  </a:ext>
+                </a:extLst>
+              </a:tr>
+              <a:tr h="299610">
+                <a:tc>
+                  <a:txBody>
+                    <a:bodyPr/>
+                    <a:lstStyle/>
+                    <a:p>
+                      <a:pPr algn="ctr"/>
+                      <a:r>
+                        <a:rPr lang="en-US" sz="1400" b="1" dirty="0"/>
+                        <a:t>s</a:t>
+                      </a:r>
+                      <a:r>
+                        <a:rPr lang="en-KR" sz="1400" b="1" dirty="0"/>
+                        <a:t>ave2_0</a:t>
+                      </a:r>
+                    </a:p>
+                  </a:txBody>
+                  <a:tcPr/>
+                </a:tc>
+                <a:extLst>
+                  <a:ext uri="{0D108BD9-81ED-4DB2-BD59-A6C34878D82A}">
+                    <a16:rowId xmlns:a16="http://schemas.microsoft.com/office/drawing/2014/main" val="572287686"/>
+                  </a:ext>
+                </a:extLst>
+              </a:tr>
+              <a:tr h="299610">
+                <a:tc>
+                  <a:txBody>
+                    <a:bodyPr/>
+                    <a:lstStyle/>
+                    <a:p>
+                      <a:pPr algn="ctr"/>
+                      <a:r>
+                        <a:rPr lang="en-US" sz="1400" b="1" dirty="0"/>
+                        <a:t>s</a:t>
+                      </a:r>
+                      <a:r>
+                        <a:rPr lang="en-KR" sz="1400" b="1" dirty="0"/>
+                        <a:t>ave2_1</a:t>
+                      </a:r>
+                    </a:p>
+                  </a:txBody>
+                  <a:tcPr/>
+                </a:tc>
+                <a:extLst>
+                  <a:ext uri="{0D108BD9-81ED-4DB2-BD59-A6C34878D82A}">
+                    <a16:rowId xmlns:a16="http://schemas.microsoft.com/office/drawing/2014/main" val="1805892891"/>
+                  </a:ext>
+                </a:extLst>
+              </a:tr>
+              <a:tr h="299610">
+                <a:tc>
+                  <a:txBody>
+                    <a:bodyPr/>
+                    <a:lstStyle/>
+                    <a:p>
+                      <a:pPr algn="ctr"/>
+                      <a:r>
+                        <a:rPr lang="en-KR" sz="1400" b="1" dirty="0"/>
+                        <a:t>maxmemory</a:t>
+                      </a:r>
+                    </a:p>
+                  </a:txBody>
+                  <a:tcPr/>
+                </a:tc>
+                <a:extLst>
+                  <a:ext uri="{0D108BD9-81ED-4DB2-BD59-A6C34878D82A}">
+                    <a16:rowId xmlns:a16="http://schemas.microsoft.com/office/drawing/2014/main" val="1702734323"/>
+                  </a:ext>
+                </a:extLst>
+              </a:tr>
+              <a:tr h="299610">
+                <a:tc>
+                  <a:txBody>
+                    <a:bodyPr/>
+                    <a:lstStyle/>
+                    <a:p>
+                      <a:pPr algn="ctr"/>
+                      <a:r>
+                        <a:rPr lang="en-US" sz="1400" b="1" dirty="0"/>
+                        <a:t>m</a:t>
+                      </a:r>
+                      <a:r>
+                        <a:rPr lang="en-KR" sz="1400" b="1" dirty="0"/>
+                        <a:t>axmemory-sample</a:t>
+                      </a:r>
+                    </a:p>
+                  </a:txBody>
+                  <a:tcPr/>
+                </a:tc>
+                <a:extLst>
+                  <a:ext uri="{0D108BD9-81ED-4DB2-BD59-A6C34878D82A}">
+                    <a16:rowId xmlns:a16="http://schemas.microsoft.com/office/drawing/2014/main" val="992294077"/>
+                  </a:ext>
+                </a:extLst>
+              </a:tr>
+              <a:tr h="299610">
+                <a:tc>
+                  <a:txBody>
+                    <a:bodyPr/>
+                    <a:lstStyle/>
+                    <a:p>
+                      <a:pPr algn="ctr"/>
+                      <a:r>
+                        <a:rPr lang="en-US" sz="1400" b="1" dirty="0"/>
+                        <a:t>h</a:t>
+                      </a:r>
+                      <a:r>
+                        <a:rPr lang="en-KR" sz="1400" b="1" dirty="0"/>
+                        <a:t>ash-max-ziplist-value</a:t>
+                      </a:r>
+                    </a:p>
+                  </a:txBody>
+                  <a:tcPr/>
+                </a:tc>
+                <a:extLst>
+                  <a:ext uri="{0D108BD9-81ED-4DB2-BD59-A6C34878D82A}">
+                    <a16:rowId xmlns:a16="http://schemas.microsoft.com/office/drawing/2014/main" val="2829162801"/>
+                  </a:ext>
+                </a:extLst>
+              </a:tr>
+              <a:tr h="299610">
+                <a:tc>
+                  <a:txBody>
+                    <a:bodyPr/>
+                    <a:lstStyle/>
+                    <a:p>
+                      <a:pPr algn="ctr"/>
+                      <a:r>
+                        <a:rPr lang="en-KR" sz="1400" b="1" dirty="0"/>
+                        <a:t>hz</a:t>
+                      </a:r>
+                    </a:p>
+                  </a:txBody>
+                  <a:tcPr/>
+                </a:tc>
+                <a:extLst>
+                  <a:ext uri="{0D108BD9-81ED-4DB2-BD59-A6C34878D82A}">
+                    <a16:rowId xmlns:a16="http://schemas.microsoft.com/office/drawing/2014/main" val="2218703037"/>
+                  </a:ext>
+                </a:extLst>
+              </a:tr>
+              <a:tr h="299610">
+                <a:tc>
+                  <a:txBody>
+                    <a:bodyPr/>
+                    <a:lstStyle/>
+                    <a:p>
+                      <a:pPr marL="0" marR="0" indent="0" algn="ctr" defTabSz="914400" rtl="0" eaLnBrk="1" fontAlgn="auto" latinLnBrk="0" hangingPunct="1">
+                        <a:lnSpc>
+                          <a:spcPct val="100000"/>
+                        </a:lnSpc>
+                        <a:spcBef>
+                          <a:spcPts val="0"/>
+                        </a:spcBef>
+                        <a:spcAft>
+                          <a:spcPts val="0"/>
+                        </a:spcAft>
+                        <a:buClrTx/>
+                        <a:buSzTx/>
+                        <a:buFontTx/>
+                        <a:buNone/>
+                        <a:tabLst/>
+                        <a:defRPr/>
+                      </a:pPr>
+                      <a:r>
+                        <a:rPr lang="en-US" sz="1400" b="1" dirty="0"/>
+                        <a:t>active-defrag-threshold-lower</a:t>
+                      </a:r>
+                      <a:endParaRPr lang="en-KR" sz="1400" b="1" dirty="0"/>
+                    </a:p>
+                  </a:txBody>
+                  <a:tcPr/>
+                </a:tc>
+                <a:extLst>
+                  <a:ext uri="{0D108BD9-81ED-4DB2-BD59-A6C34878D82A}">
+                    <a16:rowId xmlns:a16="http://schemas.microsoft.com/office/drawing/2014/main" val="1075079288"/>
+                  </a:ext>
+                </a:extLst>
+              </a:tr>
+              <a:tr h="299610">
+                <a:tc>
+                  <a:txBody>
+                    <a:bodyPr/>
+                    <a:lstStyle/>
+                    <a:p>
+                      <a:pPr marL="0" marR="0" indent="0" algn="ctr" defTabSz="914400" rtl="0" eaLnBrk="1" fontAlgn="auto" latinLnBrk="0" hangingPunct="1">
+                        <a:lnSpc>
+                          <a:spcPct val="100000"/>
+                        </a:lnSpc>
+                        <a:spcBef>
+                          <a:spcPts val="0"/>
+                        </a:spcBef>
+                        <a:spcAft>
+                          <a:spcPts val="0"/>
+                        </a:spcAft>
+                        <a:buClrTx/>
+                        <a:buSzTx/>
+                        <a:buFontTx/>
+                        <a:buNone/>
+                        <a:tabLst/>
+                        <a:defRPr/>
+                      </a:pPr>
+                      <a:r>
+                        <a:rPr lang="en-US" sz="1400" b="1" kern="1200" dirty="0" err="1">
+                          <a:solidFill>
+                            <a:schemeClr val="dk1"/>
+                          </a:solidFill>
+                          <a:effectLst/>
+                        </a:rPr>
+                        <a:t>rdbcompression</a:t>
+                      </a:r>
+                      <a:endParaRPr lang="en-KR" sz="1400" b="1" dirty="0"/>
+                    </a:p>
+                  </a:txBody>
+                  <a:tcPr/>
+                </a:tc>
+                <a:extLst>
+                  <a:ext uri="{0D108BD9-81ED-4DB2-BD59-A6C34878D82A}">
+                    <a16:rowId xmlns:a16="http://schemas.microsoft.com/office/drawing/2014/main" val="2207378979"/>
+                  </a:ext>
+                </a:extLst>
+              </a:tr>
+              <a:tr h="299610">
+                <a:tc>
+                  <a:txBody>
+                    <a:bodyPr/>
+                    <a:lstStyle/>
+                    <a:p>
+                      <a:pPr marL="0" marR="0" indent="0" algn="ctr" defTabSz="914400" rtl="0" eaLnBrk="1" fontAlgn="auto" latinLnBrk="0" hangingPunct="1">
+                        <a:lnSpc>
+                          <a:spcPct val="100000"/>
+                        </a:lnSpc>
+                        <a:spcBef>
+                          <a:spcPts val="0"/>
+                        </a:spcBef>
+                        <a:spcAft>
+                          <a:spcPts val="0"/>
+                        </a:spcAft>
+                        <a:buClrTx/>
+                        <a:buSzTx/>
+                        <a:buFontTx/>
+                        <a:buNone/>
+                        <a:tabLst/>
+                        <a:defRPr/>
+                      </a:pPr>
+                      <a:r>
+                        <a:rPr lang="en-US" sz="1400" b="1" kern="1200" dirty="0" err="1">
+                          <a:solidFill>
+                            <a:schemeClr val="dk1"/>
+                          </a:solidFill>
+                          <a:effectLst/>
+                        </a:rPr>
+                        <a:t>rdbchecksum</a:t>
+                      </a:r>
+                      <a:endParaRPr lang="en-KR" sz="1400" b="1" dirty="0"/>
+                    </a:p>
+                  </a:txBody>
+                  <a:tcPr/>
+                </a:tc>
+                <a:extLst>
+                  <a:ext uri="{0D108BD9-81ED-4DB2-BD59-A6C34878D82A}">
+                    <a16:rowId xmlns:a16="http://schemas.microsoft.com/office/drawing/2014/main" val="1443602283"/>
+                  </a:ext>
+                </a:extLst>
+              </a:tr>
+              <a:tr h="299610">
+                <a:tc>
+                  <a:txBody>
+                    <a:bodyPr/>
+                    <a:lstStyle/>
+                    <a:p>
+                      <a:pPr marL="0" marR="0" indent="0" algn="ctr" defTabSz="914400" rtl="0" eaLnBrk="1" fontAlgn="auto" latinLnBrk="0" hangingPunct="1">
+                        <a:lnSpc>
+                          <a:spcPct val="100000"/>
+                        </a:lnSpc>
+                        <a:spcBef>
+                          <a:spcPts val="0"/>
+                        </a:spcBef>
+                        <a:spcAft>
+                          <a:spcPts val="0"/>
+                        </a:spcAft>
+                        <a:buClrTx/>
+                        <a:buSzTx/>
+                        <a:buFontTx/>
+                        <a:buNone/>
+                        <a:tabLst/>
+                        <a:defRPr/>
+                      </a:pPr>
+                      <a:r>
+                        <a:rPr lang="en-US" sz="1400" b="1" kern="1200" dirty="0" err="1">
+                          <a:solidFill>
+                            <a:schemeClr val="dk1"/>
+                          </a:solidFill>
+                          <a:effectLst/>
+                        </a:rPr>
+                        <a:t>lazyfree</a:t>
+                      </a:r>
+                      <a:r>
+                        <a:rPr lang="en-US" sz="1400" b="1" kern="1200" dirty="0">
+                          <a:solidFill>
+                            <a:schemeClr val="dk1"/>
+                          </a:solidFill>
+                          <a:effectLst/>
+                        </a:rPr>
+                        <a:t>-lazy-expire</a:t>
+                      </a:r>
+                      <a:endParaRPr lang="en-KR" sz="1400" b="1" dirty="0"/>
+                    </a:p>
+                  </a:txBody>
+                  <a:tcPr/>
+                </a:tc>
+                <a:extLst>
+                  <a:ext uri="{0D108BD9-81ED-4DB2-BD59-A6C34878D82A}">
+                    <a16:rowId xmlns:a16="http://schemas.microsoft.com/office/drawing/2014/main" val="41157671"/>
+                  </a:ext>
+                </a:extLst>
+              </a:tr>
+              <a:tr h="299610">
+                <a:tc>
+                  <a:txBody>
+                    <a:bodyPr/>
+                    <a:lstStyle/>
+                    <a:p>
+                      <a:pPr marL="0" marR="0" indent="0" algn="ctr" defTabSz="914400" rtl="0" eaLnBrk="1" fontAlgn="auto" latinLnBrk="0" hangingPunct="1">
+                        <a:lnSpc>
+                          <a:spcPct val="100000"/>
+                        </a:lnSpc>
+                        <a:spcBef>
+                          <a:spcPts val="0"/>
+                        </a:spcBef>
+                        <a:spcAft>
+                          <a:spcPts val="0"/>
+                        </a:spcAft>
+                        <a:buClrTx/>
+                        <a:buSzTx/>
+                        <a:buFontTx/>
+                        <a:buNone/>
+                        <a:tabLst/>
+                        <a:defRPr/>
+                      </a:pPr>
+                      <a:r>
+                        <a:rPr lang="en-US" sz="1400" b="1" kern="1200" dirty="0" err="1">
+                          <a:solidFill>
+                            <a:schemeClr val="dk1"/>
+                          </a:solidFill>
+                          <a:effectLst/>
+                        </a:rPr>
+                        <a:t>lazyfree</a:t>
+                      </a:r>
+                      <a:r>
+                        <a:rPr lang="en-US" sz="1400" b="1" kern="1200" dirty="0">
+                          <a:solidFill>
+                            <a:schemeClr val="dk1"/>
+                          </a:solidFill>
+                          <a:effectLst/>
+                        </a:rPr>
+                        <a:t>-lazy-server-del</a:t>
+                      </a:r>
+                      <a:endParaRPr lang="en-KR" sz="1400" b="1" dirty="0"/>
+                    </a:p>
+                  </a:txBody>
+                  <a:tcPr/>
+                </a:tc>
+                <a:extLst>
+                  <a:ext uri="{0D108BD9-81ED-4DB2-BD59-A6C34878D82A}">
+                    <a16:rowId xmlns:a16="http://schemas.microsoft.com/office/drawing/2014/main" val="4284948378"/>
+                  </a:ext>
+                </a:extLst>
+              </a:tr>
+            </a:tbl>
+          </a:graphicData>
+        </a:graphic>
+      </p:graphicFrame>
+      <p:graphicFrame>
+        <p:nvGraphicFramePr>
+          <p:cNvPr id="14" name="Table 12">
+            <a:extLst>
+              <a:ext uri="{FF2B5EF4-FFF2-40B4-BE49-F238E27FC236}">
+                <a16:creationId xmlns:a16="http://schemas.microsoft.com/office/drawing/2014/main" id="{1D7BC0BF-19AF-7549-9F65-9639A0E7480E}"/>
+              </a:ext>
+            </a:extLst>
+          </p:cNvPr>
+          <p:cNvGraphicFramePr>
+            <a:graphicFrameLocks noGrp="1"/>
+          </p:cNvGraphicFramePr>
+          <p:nvPr/>
+        </p:nvGraphicFramePr>
+        <p:xfrm>
+          <a:off x="8465819" y="2068964"/>
+          <a:ext cx="2616399" cy="2225040"/>
+        </p:xfrm>
+        <a:graphic>
+          <a:graphicData uri="http://schemas.openxmlformats.org/drawingml/2006/table">
+            <a:tbl>
+              <a:tblPr firstRow="1" bandRow="1">
+                <a:tableStyleId>{F5AB1C69-6EDB-4FF4-983F-18BD219EF322}</a:tableStyleId>
+              </a:tblPr>
+              <a:tblGrid>
+                <a:gridCol w="2616399">
+                  <a:extLst>
+                    <a:ext uri="{9D8B030D-6E8A-4147-A177-3AD203B41FA5}">
+                      <a16:colId xmlns:a16="http://schemas.microsoft.com/office/drawing/2014/main" val="130820866"/>
+                    </a:ext>
+                  </a:extLst>
+                </a:gridCol>
+              </a:tblGrid>
+              <a:tr h="370840">
+                <a:tc>
+                  <a:txBody>
+                    <a:bodyPr/>
+                    <a:lstStyle/>
+                    <a:p>
+                      <a:pPr algn="ctr"/>
+                      <a:r>
+                        <a:rPr lang="en-US" sz="1400" b="1" dirty="0"/>
+                        <a:t>cluster2</a:t>
+                      </a:r>
+                      <a:endParaRPr lang="en-KR" sz="1400" b="1" dirty="0"/>
+                    </a:p>
+                  </a:txBody>
+                  <a:tcPr/>
+                </a:tc>
+                <a:extLst>
+                  <a:ext uri="{0D108BD9-81ED-4DB2-BD59-A6C34878D82A}">
+                    <a16:rowId xmlns:a16="http://schemas.microsoft.com/office/drawing/2014/main" val="3703719955"/>
+                  </a:ext>
+                </a:extLst>
+              </a:tr>
+              <a:tr h="370840">
+                <a:tc>
+                  <a:txBody>
+                    <a:bodyPr/>
+                    <a:lstStyle/>
+                    <a:p>
+                      <a:pPr algn="ctr"/>
+                      <a:r>
+                        <a:rPr lang="en-US" sz="1400" b="1" kern="1200" dirty="0">
+                          <a:solidFill>
+                            <a:schemeClr val="dk1"/>
+                          </a:solidFill>
+                          <a:effectLst/>
+                        </a:rPr>
+                        <a:t>active-defrag-threshold-upper</a:t>
+                      </a:r>
+                      <a:endParaRPr lang="en-KR" sz="1400" b="1" dirty="0"/>
+                    </a:p>
+                  </a:txBody>
+                  <a:tcPr/>
+                </a:tc>
+                <a:extLst>
+                  <a:ext uri="{0D108BD9-81ED-4DB2-BD59-A6C34878D82A}">
+                    <a16:rowId xmlns:a16="http://schemas.microsoft.com/office/drawing/2014/main" val="2698268800"/>
+                  </a:ext>
+                </a:extLst>
+              </a:tr>
+              <a:tr h="370840">
+                <a:tc>
+                  <a:txBody>
+                    <a:bodyPr/>
+                    <a:lstStyle/>
+                    <a:p>
+                      <a:pPr algn="ctr"/>
+                      <a:r>
+                        <a:rPr lang="en-US" sz="1400" b="1" kern="1200" dirty="0">
+                          <a:solidFill>
+                            <a:schemeClr val="dk1"/>
+                          </a:solidFill>
+                          <a:effectLst/>
+                        </a:rPr>
+                        <a:t>active-defrag-cycle-min</a:t>
+                      </a:r>
+                      <a:endParaRPr lang="en-KR" sz="1400" b="1" dirty="0"/>
+                    </a:p>
+                  </a:txBody>
+                  <a:tcPr/>
+                </a:tc>
+                <a:extLst>
+                  <a:ext uri="{0D108BD9-81ED-4DB2-BD59-A6C34878D82A}">
+                    <a16:rowId xmlns:a16="http://schemas.microsoft.com/office/drawing/2014/main" val="2888754681"/>
+                  </a:ext>
+                </a:extLst>
+              </a:tr>
+              <a:tr h="370840">
+                <a:tc>
+                  <a:txBody>
+                    <a:bodyPr/>
+                    <a:lstStyle/>
+                    <a:p>
+                      <a:pPr algn="ctr"/>
+                      <a:r>
+                        <a:rPr lang="en-US" sz="1400" b="1" kern="1200" dirty="0">
+                          <a:solidFill>
+                            <a:schemeClr val="dk1"/>
+                          </a:solidFill>
+                          <a:effectLst/>
+                        </a:rPr>
+                        <a:t>active-defrag-cycle-max</a:t>
+                      </a:r>
+                      <a:endParaRPr lang="en-KR" sz="1400" b="1" dirty="0"/>
+                    </a:p>
+                  </a:txBody>
+                  <a:tcPr/>
+                </a:tc>
+                <a:extLst>
+                  <a:ext uri="{0D108BD9-81ED-4DB2-BD59-A6C34878D82A}">
+                    <a16:rowId xmlns:a16="http://schemas.microsoft.com/office/drawing/2014/main" val="572287686"/>
+                  </a:ext>
+                </a:extLst>
+              </a:tr>
+              <a:tr h="370840">
+                <a:tc>
+                  <a:txBody>
+                    <a:bodyPr/>
+                    <a:lstStyle/>
+                    <a:p>
+                      <a:pPr algn="ctr"/>
+                      <a:r>
+                        <a:rPr lang="en-US" sz="1400" b="1" kern="1200" dirty="0" err="1">
+                          <a:solidFill>
+                            <a:schemeClr val="dk1"/>
+                          </a:solidFill>
+                          <a:effectLst/>
+                        </a:rPr>
+                        <a:t>activerehashing</a:t>
+                      </a:r>
+                      <a:endParaRPr lang="en-KR" sz="1400" b="1" dirty="0"/>
+                    </a:p>
+                  </a:txBody>
+                  <a:tcPr/>
+                </a:tc>
+                <a:extLst>
+                  <a:ext uri="{0D108BD9-81ED-4DB2-BD59-A6C34878D82A}">
+                    <a16:rowId xmlns:a16="http://schemas.microsoft.com/office/drawing/2014/main" val="1805892891"/>
+                  </a:ext>
+                </a:extLst>
+              </a:tr>
+              <a:tr h="370840">
+                <a:tc>
+                  <a:txBody>
+                    <a:bodyPr/>
+                    <a:lstStyle/>
+                    <a:p>
+                      <a:pPr algn="ctr"/>
+                      <a:r>
+                        <a:rPr lang="en-US" sz="1400" b="1" kern="1200" dirty="0">
+                          <a:solidFill>
+                            <a:schemeClr val="dk1"/>
+                          </a:solidFill>
+                          <a:effectLst/>
+                        </a:rPr>
+                        <a:t>dynamic-</a:t>
+                      </a:r>
+                      <a:r>
+                        <a:rPr lang="en-US" sz="1400" b="1" kern="1200" dirty="0" err="1">
+                          <a:solidFill>
+                            <a:schemeClr val="dk1"/>
+                          </a:solidFill>
+                          <a:effectLst/>
+                        </a:rPr>
+                        <a:t>hz</a:t>
+                      </a:r>
+                      <a:endParaRPr lang="en-KR" sz="1400" b="1" dirty="0"/>
+                    </a:p>
+                  </a:txBody>
+                  <a:tcPr/>
+                </a:tc>
+                <a:extLst>
+                  <a:ext uri="{0D108BD9-81ED-4DB2-BD59-A6C34878D82A}">
+                    <a16:rowId xmlns:a16="http://schemas.microsoft.com/office/drawing/2014/main" val="1702734323"/>
+                  </a:ext>
+                </a:extLst>
+              </a:tr>
+            </a:tbl>
+          </a:graphicData>
+        </a:graphic>
+      </p:graphicFrame>
+    </p:spTree>
+    <p:extLst>
+      <p:ext uri="{BB962C8B-B14F-4D97-AF65-F5344CB8AC3E}">
+        <p14:creationId xmlns:p14="http://schemas.microsoft.com/office/powerpoint/2010/main" val="3589355045"/>
+      </p:ext>
+    </p:extLst>
+  </p:cSld>
+  <p:clrMapOvr>
+    <a:masterClrMapping/>
+  </p:clrMapOvr>
+</p:sld>
+</file>
+
+<file path=ppt/slides/slide8.xml><?xml version="1.0" encoding="utf-8"?>
+<p:sld xmlns:a="http://schemas.openxmlformats.org/drawingml/2006/main" xmlns:r="http://schemas.openxmlformats.org/officeDocument/2006/relationships" xmlns:p="http://schemas.openxmlformats.org/presentationml/2006/main">
+  <p:cSld>
+    <p:spTree>
+      <p:nvGrpSpPr>
+        <p:cNvPr id="1" name=""/>
+        <p:cNvGrpSpPr/>
+        <p:nvPr/>
+      </p:nvGrpSpPr>
+      <p:grpSpPr>
+        <a:xfrm>
+          <a:off x="0" y="0"/>
+          <a:ext cx="0" cy="0"/>
+          <a:chOff x="0" y="0"/>
+          <a:chExt cx="0" cy="0"/>
+        </a:xfrm>
+      </p:grpSpPr>
+      <p:sp>
+        <p:nvSpPr>
+          <p:cNvPr id="2" name="Title 1">
+            <a:extLst>
+              <a:ext uri="{FF2B5EF4-FFF2-40B4-BE49-F238E27FC236}">
+                <a16:creationId xmlns:a16="http://schemas.microsoft.com/office/drawing/2014/main" id="{2D042086-1E7E-0340-89FA-F5A00D117574}"/>
+              </a:ext>
+            </a:extLst>
+          </p:cNvPr>
+          <p:cNvSpPr>
+            <a:spLocks noGrp="1"/>
+          </p:cNvSpPr>
+          <p:nvPr>
+            <p:ph type="title"/>
+          </p:nvPr>
+        </p:nvSpPr>
+        <p:spPr/>
+        <p:txBody>
+          <a:bodyPr/>
+          <a:lstStyle/>
+          <a:p>
+            <a:r>
+              <a:rPr lang="en-US" dirty="0"/>
+              <a:t>BO </a:t>
+            </a:r>
+            <a:r>
+              <a:rPr lang="ko-KR" altLang="en-US" dirty="0"/>
+              <a:t>진행 결과</a:t>
+            </a:r>
+            <a:endParaRPr lang="en-KR" dirty="0"/>
+          </a:p>
+        </p:txBody>
+      </p:sp>
+      <p:sp>
+        <p:nvSpPr>
+          <p:cNvPr id="3" name="Slide Number Placeholder 2">
+            <a:extLst>
+              <a:ext uri="{FF2B5EF4-FFF2-40B4-BE49-F238E27FC236}">
+                <a16:creationId xmlns:a16="http://schemas.microsoft.com/office/drawing/2014/main" id="{B96F75B3-4036-F246-9680-97F496478E48}"/>
+              </a:ext>
+            </a:extLst>
+          </p:cNvPr>
+          <p:cNvSpPr>
+            <a:spLocks noGrp="1"/>
+          </p:cNvSpPr>
+          <p:nvPr>
+            <p:ph type="sldNum" sz="quarter" idx="12"/>
+          </p:nvPr>
+        </p:nvSpPr>
+        <p:spPr/>
+        <p:txBody>
+          <a:bodyPr/>
+          <a:lstStyle/>
+          <a:p>
+            <a:fld id="{78583395-A25F-E84C-A18F-BA4FF87D0EA7}" type="slidenum">
+              <a:rPr lang="en-KR" smtClean="0"/>
+              <a:t>8</a:t>
             </a:fld>
             <a:endParaRPr lang="en-KR"/>
           </a:p>
@@ -10422,7 +13856,7 @@
 </p:sld>
 </file>
 
-<file path=ppt/slides/slide7.xml><?xml version="1.0" encoding="utf-8"?>
+<file path=ppt/slides/slide9.xml><?xml version="1.0" encoding="utf-8"?>
 <p:sld xmlns:a="http://schemas.openxmlformats.org/drawingml/2006/main" xmlns:r="http://schemas.openxmlformats.org/officeDocument/2006/relationships" xmlns:p="http://schemas.openxmlformats.org/presentationml/2006/main">
   <p:cSld>
     <p:spTree>
@@ -10499,7 +13933,7 @@
           <a:p>
             <a:fld id="{78583395-A25F-E84C-A18F-BA4FF87D0EA7}" type="slidenum">
               <a:rPr lang="en-KR" smtClean="0"/>
-              <a:t>7</a:t>
+              <a:t>9</a:t>
             </a:fld>
             <a:endParaRPr lang="en-KR"/>
           </a:p>
@@ -10957,1004 +14391,6 @@
     <p:extLst>
       <p:ext uri="{BB962C8B-B14F-4D97-AF65-F5344CB8AC3E}">
         <p14:creationId xmlns:p14="http://schemas.microsoft.com/office/powerpoint/2010/main" val="443045670"/>
-      </p:ext>
-    </p:extLst>
-  </p:cSld>
-  <p:clrMapOvr>
-    <a:masterClrMapping/>
-  </p:clrMapOvr>
-</p:sld>
-</file>
-
-<file path=ppt/slides/slide8.xml><?xml version="1.0" encoding="utf-8"?>
-<p:sld xmlns:a="http://schemas.openxmlformats.org/drawingml/2006/main" xmlns:r="http://schemas.openxmlformats.org/officeDocument/2006/relationships" xmlns:p="http://schemas.openxmlformats.org/presentationml/2006/main">
-  <p:cSld>
-    <p:spTree>
-      <p:nvGrpSpPr>
-        <p:cNvPr id="1" name=""/>
-        <p:cNvGrpSpPr/>
-        <p:nvPr/>
-      </p:nvGrpSpPr>
-      <p:grpSpPr>
-        <a:xfrm>
-          <a:off x="0" y="0"/>
-          <a:ext cx="0" cy="0"/>
-          <a:chOff x="0" y="0"/>
-          <a:chExt cx="0" cy="0"/>
-        </a:xfrm>
-      </p:grpSpPr>
-      <p:sp>
-        <p:nvSpPr>
-          <p:cNvPr id="2" name="Title 1">
-            <a:extLst>
-              <a:ext uri="{FF2B5EF4-FFF2-40B4-BE49-F238E27FC236}">
-                <a16:creationId xmlns:a16="http://schemas.microsoft.com/office/drawing/2014/main" id="{821B4B74-4A80-6E49-BF95-0A3F5C03FC81}"/>
-              </a:ext>
-            </a:extLst>
-          </p:cNvPr>
-          <p:cNvSpPr>
-            <a:spLocks noGrp="1"/>
-          </p:cNvSpPr>
-          <p:nvPr>
-            <p:ph type="title"/>
-          </p:nvPr>
-        </p:nvSpPr>
-        <p:spPr/>
-        <p:txBody>
-          <a:bodyPr/>
-          <a:lstStyle/>
-          <a:p>
-            <a:r>
-              <a:rPr lang="en-US" altLang="ko-KR" dirty="0"/>
-              <a:t>Numeric</a:t>
-            </a:r>
-            <a:r>
-              <a:rPr lang="ko-KR" altLang="en-US" dirty="0"/>
-              <a:t> </a:t>
-            </a:r>
-            <a:r>
-              <a:rPr lang="en-US" altLang="ko-KR" dirty="0"/>
-              <a:t>knob</a:t>
-            </a:r>
-            <a:r>
-              <a:rPr lang="ko-KR" altLang="en-US" dirty="0"/>
-              <a:t>의 </a:t>
-            </a:r>
-            <a:r>
-              <a:rPr lang="en-US" dirty="0"/>
-              <a:t>P-value</a:t>
-            </a:r>
-            <a:endParaRPr lang="en-KR" dirty="0"/>
-          </a:p>
-        </p:txBody>
-      </p:sp>
-      <p:sp>
-        <p:nvSpPr>
-          <p:cNvPr id="3" name="Slide Number Placeholder 2">
-            <a:extLst>
-              <a:ext uri="{FF2B5EF4-FFF2-40B4-BE49-F238E27FC236}">
-                <a16:creationId xmlns:a16="http://schemas.microsoft.com/office/drawing/2014/main" id="{BA82D37E-A3A0-E346-9700-08D760A34880}"/>
-              </a:ext>
-            </a:extLst>
-          </p:cNvPr>
-          <p:cNvSpPr>
-            <a:spLocks noGrp="1"/>
-          </p:cNvSpPr>
-          <p:nvPr>
-            <p:ph type="sldNum" sz="quarter" idx="12"/>
-          </p:nvPr>
-        </p:nvSpPr>
-        <p:spPr/>
-        <p:txBody>
-          <a:bodyPr/>
-          <a:lstStyle/>
-          <a:p>
-            <a:fld id="{78583395-A25F-E84C-A18F-BA4FF87D0EA7}" type="slidenum">
-              <a:rPr lang="en-KR" smtClean="0"/>
-              <a:t>8</a:t>
-            </a:fld>
-            <a:endParaRPr lang="en-KR"/>
-          </a:p>
-        </p:txBody>
-      </p:sp>
-      <p:grpSp>
-        <p:nvGrpSpPr>
-          <p:cNvPr id="7" name="Group 6">
-            <a:extLst>
-              <a:ext uri="{FF2B5EF4-FFF2-40B4-BE49-F238E27FC236}">
-                <a16:creationId xmlns:a16="http://schemas.microsoft.com/office/drawing/2014/main" id="{075795B3-4B68-A947-8366-86C88B0A44EE}"/>
-              </a:ext>
-            </a:extLst>
-          </p:cNvPr>
-          <p:cNvGrpSpPr/>
-          <p:nvPr/>
-        </p:nvGrpSpPr>
-        <p:grpSpPr>
-          <a:xfrm>
-            <a:off x="2030194" y="1753492"/>
-            <a:ext cx="3757420" cy="1803627"/>
-            <a:chOff x="838200" y="1690687"/>
-            <a:chExt cx="3757420" cy="1803627"/>
-          </a:xfrm>
-        </p:grpSpPr>
-        <p:sp>
-          <p:nvSpPr>
-            <p:cNvPr id="11" name="Rectangle 10">
-              <a:extLst>
-                <a:ext uri="{FF2B5EF4-FFF2-40B4-BE49-F238E27FC236}">
-                  <a16:creationId xmlns:a16="http://schemas.microsoft.com/office/drawing/2014/main" id="{C3215EA0-6E02-0646-8314-9B7F1A88B716}"/>
-                </a:ext>
-              </a:extLst>
-            </p:cNvPr>
-            <p:cNvSpPr/>
-            <p:nvPr/>
-          </p:nvSpPr>
-          <p:spPr>
-            <a:xfrm>
-              <a:off x="872361" y="1690687"/>
-              <a:ext cx="1855074" cy="369332"/>
-            </a:xfrm>
-            <a:prstGeom prst="rect">
-              <a:avLst/>
-            </a:prstGeom>
-          </p:spPr>
-          <p:txBody>
-            <a:bodyPr wrap="square">
-              <a:spAutoFit/>
-            </a:bodyPr>
-            <a:lstStyle/>
-            <a:p>
-              <a:pPr marL="285750" indent="-285750">
-                <a:buFont typeface="Arial" panose="020B0604020202020204" pitchFamily="34" charset="0"/>
-                <a:buChar char="•"/>
-              </a:pPr>
-              <a:r>
-                <a:rPr lang="en-US" b="1" dirty="0"/>
-                <a:t>save0_0</a:t>
-              </a:r>
-            </a:p>
-          </p:txBody>
-        </p:sp>
-        <p:pic>
-          <p:nvPicPr>
-            <p:cNvPr id="4" name="Picture 3">
-              <a:extLst>
-                <a:ext uri="{FF2B5EF4-FFF2-40B4-BE49-F238E27FC236}">
-                  <a16:creationId xmlns:a16="http://schemas.microsoft.com/office/drawing/2014/main" id="{7A601CA8-29E0-3947-ADB0-2ABDF5D77A7F}"/>
-                </a:ext>
-              </a:extLst>
-            </p:cNvPr>
-            <p:cNvPicPr>
-              <a:picLocks noChangeAspect="1"/>
-            </p:cNvPicPr>
-            <p:nvPr/>
-          </p:nvPicPr>
-          <p:blipFill>
-            <a:blip r:embed="rId3"/>
-            <a:stretch>
-              <a:fillRect/>
-            </a:stretch>
-          </p:blipFill>
-          <p:spPr>
-            <a:xfrm>
-              <a:off x="838200" y="2168752"/>
-              <a:ext cx="3757420" cy="1325562"/>
-            </a:xfrm>
-            <a:prstGeom prst="rect">
-              <a:avLst/>
-            </a:prstGeom>
-          </p:spPr>
-        </p:pic>
-      </p:grpSp>
-      <p:grpSp>
-        <p:nvGrpSpPr>
-          <p:cNvPr id="13" name="Group 12">
-            <a:extLst>
-              <a:ext uri="{FF2B5EF4-FFF2-40B4-BE49-F238E27FC236}">
-                <a16:creationId xmlns:a16="http://schemas.microsoft.com/office/drawing/2014/main" id="{CA8C2AB0-2695-664F-847E-C757C6721CD6}"/>
-              </a:ext>
-            </a:extLst>
-          </p:cNvPr>
-          <p:cNvGrpSpPr/>
-          <p:nvPr/>
-        </p:nvGrpSpPr>
-        <p:grpSpPr>
-          <a:xfrm>
-            <a:off x="6504744" y="1753492"/>
-            <a:ext cx="3842324" cy="2130198"/>
-            <a:chOff x="5067817" y="1690687"/>
-            <a:chExt cx="3842324" cy="2130198"/>
-          </a:xfrm>
-        </p:grpSpPr>
-        <p:sp>
-          <p:nvSpPr>
-            <p:cNvPr id="5" name="Rectangle 4">
-              <a:extLst>
-                <a:ext uri="{FF2B5EF4-FFF2-40B4-BE49-F238E27FC236}">
-                  <a16:creationId xmlns:a16="http://schemas.microsoft.com/office/drawing/2014/main" id="{5D6C704B-5DF7-9545-BA4F-4D23FA8AD842}"/>
-                </a:ext>
-              </a:extLst>
-            </p:cNvPr>
-            <p:cNvSpPr/>
-            <p:nvPr/>
-          </p:nvSpPr>
-          <p:spPr>
-            <a:xfrm>
-              <a:off x="5067817" y="1690687"/>
-              <a:ext cx="1236557" cy="369332"/>
-            </a:xfrm>
-            <a:prstGeom prst="rect">
-              <a:avLst/>
-            </a:prstGeom>
-          </p:spPr>
-          <p:txBody>
-            <a:bodyPr wrap="none">
-              <a:spAutoFit/>
-            </a:bodyPr>
-            <a:lstStyle/>
-            <a:p>
-              <a:pPr marL="285750" indent="-285750">
-                <a:buFont typeface="Arial" panose="020B0604020202020204" pitchFamily="34" charset="0"/>
-                <a:buChar char="•"/>
-              </a:pPr>
-              <a:r>
-                <a:rPr lang="en-US" b="1" dirty="0"/>
-                <a:t>save1_0</a:t>
-              </a:r>
-            </a:p>
-          </p:txBody>
-        </p:sp>
-        <p:pic>
-          <p:nvPicPr>
-            <p:cNvPr id="6" name="Picture 5">
-              <a:extLst>
-                <a:ext uri="{FF2B5EF4-FFF2-40B4-BE49-F238E27FC236}">
-                  <a16:creationId xmlns:a16="http://schemas.microsoft.com/office/drawing/2014/main" id="{856B5EC9-8A9D-7C43-A987-E6BE267BD7C3}"/>
-                </a:ext>
-              </a:extLst>
-            </p:cNvPr>
-            <p:cNvPicPr>
-              <a:picLocks noChangeAspect="1"/>
-            </p:cNvPicPr>
-            <p:nvPr/>
-          </p:nvPicPr>
-          <p:blipFill>
-            <a:blip r:embed="rId4"/>
-            <a:stretch>
-              <a:fillRect/>
-            </a:stretch>
-          </p:blipFill>
-          <p:spPr>
-            <a:xfrm>
-              <a:off x="5067817" y="2074374"/>
-              <a:ext cx="3842324" cy="1746511"/>
-            </a:xfrm>
-            <a:prstGeom prst="rect">
-              <a:avLst/>
-            </a:prstGeom>
-          </p:spPr>
-        </p:pic>
-      </p:grpSp>
-      <p:grpSp>
-        <p:nvGrpSpPr>
-          <p:cNvPr id="14" name="Group 13">
-            <a:extLst>
-              <a:ext uri="{FF2B5EF4-FFF2-40B4-BE49-F238E27FC236}">
-                <a16:creationId xmlns:a16="http://schemas.microsoft.com/office/drawing/2014/main" id="{56310B9F-FFCA-564E-BB7A-35DA968D1022}"/>
-              </a:ext>
-            </a:extLst>
-          </p:cNvPr>
-          <p:cNvGrpSpPr/>
-          <p:nvPr/>
-        </p:nvGrpSpPr>
-        <p:grpSpPr>
-          <a:xfrm>
-            <a:off x="2039827" y="4284635"/>
-            <a:ext cx="2807137" cy="2008910"/>
-            <a:chOff x="847833" y="4221830"/>
-            <a:chExt cx="2807137" cy="2008910"/>
-          </a:xfrm>
-        </p:grpSpPr>
-        <p:sp>
-          <p:nvSpPr>
-            <p:cNvPr id="8" name="Rectangle 7">
-              <a:extLst>
-                <a:ext uri="{FF2B5EF4-FFF2-40B4-BE49-F238E27FC236}">
-                  <a16:creationId xmlns:a16="http://schemas.microsoft.com/office/drawing/2014/main" id="{5B618160-E94A-074C-B432-6130C2B7578B}"/>
-                </a:ext>
-              </a:extLst>
-            </p:cNvPr>
-            <p:cNvSpPr/>
-            <p:nvPr/>
-          </p:nvSpPr>
-          <p:spPr>
-            <a:xfrm>
-              <a:off x="872361" y="4221830"/>
-              <a:ext cx="1855074" cy="369332"/>
-            </a:xfrm>
-            <a:prstGeom prst="rect">
-              <a:avLst/>
-            </a:prstGeom>
-          </p:spPr>
-          <p:txBody>
-            <a:bodyPr wrap="square">
-              <a:spAutoFit/>
-            </a:bodyPr>
-            <a:lstStyle/>
-            <a:p>
-              <a:pPr marL="285750" indent="-285750">
-                <a:buFont typeface="Arial" panose="020B0604020202020204" pitchFamily="34" charset="0"/>
-                <a:buChar char="•"/>
-              </a:pPr>
-              <a:r>
-                <a:rPr lang="en-US" b="1" dirty="0"/>
-                <a:t>save2_1</a:t>
-              </a:r>
-            </a:p>
-          </p:txBody>
-        </p:sp>
-        <p:pic>
-          <p:nvPicPr>
-            <p:cNvPr id="10" name="Picture 9">
-              <a:extLst>
-                <a:ext uri="{FF2B5EF4-FFF2-40B4-BE49-F238E27FC236}">
-                  <a16:creationId xmlns:a16="http://schemas.microsoft.com/office/drawing/2014/main" id="{1947E3DB-BCA6-7945-837E-A057059CD337}"/>
-                </a:ext>
-              </a:extLst>
-            </p:cNvPr>
-            <p:cNvPicPr>
-              <a:picLocks noChangeAspect="1"/>
-            </p:cNvPicPr>
-            <p:nvPr/>
-          </p:nvPicPr>
-          <p:blipFill>
-            <a:blip r:embed="rId5"/>
-            <a:stretch>
-              <a:fillRect/>
-            </a:stretch>
-          </p:blipFill>
-          <p:spPr>
-            <a:xfrm>
-              <a:off x="847833" y="4708688"/>
-              <a:ext cx="2807137" cy="1522052"/>
-            </a:xfrm>
-            <a:prstGeom prst="rect">
-              <a:avLst/>
-            </a:prstGeom>
-          </p:spPr>
-        </p:pic>
-      </p:grpSp>
-      <p:grpSp>
-        <p:nvGrpSpPr>
-          <p:cNvPr id="15" name="Group 14">
-            <a:extLst>
-              <a:ext uri="{FF2B5EF4-FFF2-40B4-BE49-F238E27FC236}">
-                <a16:creationId xmlns:a16="http://schemas.microsoft.com/office/drawing/2014/main" id="{18A6C915-ACAF-1344-9E6F-DDAA5AA02C19}"/>
-              </a:ext>
-            </a:extLst>
-          </p:cNvPr>
-          <p:cNvGrpSpPr/>
-          <p:nvPr/>
-        </p:nvGrpSpPr>
-        <p:grpSpPr>
-          <a:xfrm>
-            <a:off x="6504744" y="4284635"/>
-            <a:ext cx="3194440" cy="1792762"/>
-            <a:chOff x="5067817" y="4221830"/>
-            <a:chExt cx="3194440" cy="1792762"/>
-          </a:xfrm>
-        </p:grpSpPr>
-        <p:sp>
-          <p:nvSpPr>
-            <p:cNvPr id="9" name="Rectangle 8">
-              <a:extLst>
-                <a:ext uri="{FF2B5EF4-FFF2-40B4-BE49-F238E27FC236}">
-                  <a16:creationId xmlns:a16="http://schemas.microsoft.com/office/drawing/2014/main" id="{C4628271-C004-034F-B05C-D2F537C4E24A}"/>
-                </a:ext>
-              </a:extLst>
-            </p:cNvPr>
-            <p:cNvSpPr/>
-            <p:nvPr/>
-          </p:nvSpPr>
-          <p:spPr>
-            <a:xfrm>
-              <a:off x="5067817" y="4221830"/>
-              <a:ext cx="2529603" cy="369332"/>
-            </a:xfrm>
-            <a:prstGeom prst="rect">
-              <a:avLst/>
-            </a:prstGeom>
-          </p:spPr>
-          <p:txBody>
-            <a:bodyPr wrap="none">
-              <a:spAutoFit/>
-            </a:bodyPr>
-            <a:lstStyle/>
-            <a:p>
-              <a:pPr marL="285750" indent="-285750">
-                <a:buFont typeface="Arial" panose="020B0604020202020204" pitchFamily="34" charset="0"/>
-                <a:buChar char="•"/>
-              </a:pPr>
-              <a:r>
-                <a:rPr lang="en-US" b="1" dirty="0" err="1"/>
-                <a:t>maxmemory</a:t>
-              </a:r>
-              <a:r>
-                <a:rPr lang="en-US" b="1" dirty="0"/>
-                <a:t>-samples</a:t>
-              </a:r>
-            </a:p>
-          </p:txBody>
-        </p:sp>
-        <p:pic>
-          <p:nvPicPr>
-            <p:cNvPr id="12" name="Picture 11">
-              <a:extLst>
-                <a:ext uri="{FF2B5EF4-FFF2-40B4-BE49-F238E27FC236}">
-                  <a16:creationId xmlns:a16="http://schemas.microsoft.com/office/drawing/2014/main" id="{6839B732-A9D5-A942-B879-4AF9AF3B82E9}"/>
-                </a:ext>
-              </a:extLst>
-            </p:cNvPr>
-            <p:cNvPicPr>
-              <a:picLocks noChangeAspect="1"/>
-            </p:cNvPicPr>
-            <p:nvPr/>
-          </p:nvPicPr>
-          <p:blipFill>
-            <a:blip r:embed="rId6"/>
-            <a:stretch>
-              <a:fillRect/>
-            </a:stretch>
-          </p:blipFill>
-          <p:spPr>
-            <a:xfrm>
-              <a:off x="5067817" y="4708688"/>
-              <a:ext cx="3194440" cy="1305904"/>
-            </a:xfrm>
-            <a:prstGeom prst="rect">
-              <a:avLst/>
-            </a:prstGeom>
-          </p:spPr>
-        </p:pic>
-      </p:grpSp>
-    </p:spTree>
-    <p:extLst>
-      <p:ext uri="{BB962C8B-B14F-4D97-AF65-F5344CB8AC3E}">
-        <p14:creationId xmlns:p14="http://schemas.microsoft.com/office/powerpoint/2010/main" val="3392640423"/>
-      </p:ext>
-    </p:extLst>
-  </p:cSld>
-  <p:clrMapOvr>
-    <a:masterClrMapping/>
-  </p:clrMapOvr>
-</p:sld>
-</file>
-
-<file path=ppt/slides/slide9.xml><?xml version="1.0" encoding="utf-8"?>
-<p:sld xmlns:a="http://schemas.openxmlformats.org/drawingml/2006/main" xmlns:r="http://schemas.openxmlformats.org/officeDocument/2006/relationships" xmlns:p="http://schemas.openxmlformats.org/presentationml/2006/main">
-  <p:cSld>
-    <p:spTree>
-      <p:nvGrpSpPr>
-        <p:cNvPr id="1" name=""/>
-        <p:cNvGrpSpPr/>
-        <p:nvPr/>
-      </p:nvGrpSpPr>
-      <p:grpSpPr>
-        <a:xfrm>
-          <a:off x="0" y="0"/>
-          <a:ext cx="0" cy="0"/>
-          <a:chOff x="0" y="0"/>
-          <a:chExt cx="0" cy="0"/>
-        </a:xfrm>
-      </p:grpSpPr>
-      <p:sp>
-        <p:nvSpPr>
-          <p:cNvPr id="2" name="Title 1">
-            <a:extLst>
-              <a:ext uri="{FF2B5EF4-FFF2-40B4-BE49-F238E27FC236}">
-                <a16:creationId xmlns:a16="http://schemas.microsoft.com/office/drawing/2014/main" id="{821B4B74-4A80-6E49-BF95-0A3F5C03FC81}"/>
-              </a:ext>
-            </a:extLst>
-          </p:cNvPr>
-          <p:cNvSpPr>
-            <a:spLocks noGrp="1"/>
-          </p:cNvSpPr>
-          <p:nvPr>
-            <p:ph type="title"/>
-          </p:nvPr>
-        </p:nvSpPr>
-        <p:spPr/>
-        <p:txBody>
-          <a:bodyPr/>
-          <a:lstStyle/>
-          <a:p>
-            <a:r>
-              <a:rPr lang="en-US" dirty="0" err="1"/>
-              <a:t>Activedefrag</a:t>
-            </a:r>
-            <a:r>
-              <a:rPr lang="en-US" dirty="0"/>
-              <a:t> knob</a:t>
-            </a:r>
-            <a:r>
-              <a:rPr lang="ko-KR" altLang="en-US" dirty="0"/>
-              <a:t>의 </a:t>
-            </a:r>
-            <a:r>
-              <a:rPr lang="en-US" dirty="0"/>
-              <a:t>P-value</a:t>
-            </a:r>
-            <a:endParaRPr lang="en-KR" dirty="0"/>
-          </a:p>
-        </p:txBody>
-      </p:sp>
-      <p:sp>
-        <p:nvSpPr>
-          <p:cNvPr id="3" name="Slide Number Placeholder 2">
-            <a:extLst>
-              <a:ext uri="{FF2B5EF4-FFF2-40B4-BE49-F238E27FC236}">
-                <a16:creationId xmlns:a16="http://schemas.microsoft.com/office/drawing/2014/main" id="{BA82D37E-A3A0-E346-9700-08D760A34880}"/>
-              </a:ext>
-            </a:extLst>
-          </p:cNvPr>
-          <p:cNvSpPr>
-            <a:spLocks noGrp="1"/>
-          </p:cNvSpPr>
-          <p:nvPr>
-            <p:ph type="sldNum" sz="quarter" idx="12"/>
-          </p:nvPr>
-        </p:nvSpPr>
-        <p:spPr/>
-        <p:txBody>
-          <a:bodyPr/>
-          <a:lstStyle/>
-          <a:p>
-            <a:fld id="{78583395-A25F-E84C-A18F-BA4FF87D0EA7}" type="slidenum">
-              <a:rPr lang="en-KR" smtClean="0"/>
-              <a:t>9</a:t>
-            </a:fld>
-            <a:endParaRPr lang="en-KR"/>
-          </a:p>
-        </p:txBody>
-      </p:sp>
-      <p:sp>
-        <p:nvSpPr>
-          <p:cNvPr id="5" name="Right Arrow 4">
-            <a:extLst>
-              <a:ext uri="{FF2B5EF4-FFF2-40B4-BE49-F238E27FC236}">
-                <a16:creationId xmlns:a16="http://schemas.microsoft.com/office/drawing/2014/main" id="{9ADFD43C-6A9C-9D42-B219-BF2083FE09BF}"/>
-              </a:ext>
-            </a:extLst>
-          </p:cNvPr>
-          <p:cNvSpPr/>
-          <p:nvPr/>
-        </p:nvSpPr>
-        <p:spPr>
-          <a:xfrm>
-            <a:off x="4480931" y="3723436"/>
-            <a:ext cx="1975626" cy="600165"/>
-          </a:xfrm>
-          <a:prstGeom prst="rightArrow">
-            <a:avLst/>
-          </a:prstGeom>
-          <a:solidFill>
-            <a:schemeClr val="bg2"/>
-          </a:solidFill>
-          <a:ln>
-            <a:solidFill>
-              <a:schemeClr val="bg2"/>
-            </a:solidFill>
-          </a:ln>
-        </p:spPr>
-        <p:style>
-          <a:lnRef idx="2">
-            <a:schemeClr val="accent1">
-              <a:shade val="50000"/>
-            </a:schemeClr>
-          </a:lnRef>
-          <a:fillRef idx="1">
-            <a:schemeClr val="accent1"/>
-          </a:fillRef>
-          <a:effectRef idx="0">
-            <a:schemeClr val="accent1"/>
-          </a:effectRef>
-          <a:fontRef idx="minor">
-            <a:schemeClr val="lt1"/>
-          </a:fontRef>
-        </p:style>
-        <p:txBody>
-          <a:bodyPr rtlCol="0" anchor="ctr"/>
-          <a:lstStyle/>
-          <a:p>
-            <a:pPr algn="ctr"/>
-            <a:endParaRPr lang="en-KR" dirty="0"/>
-          </a:p>
-        </p:txBody>
-      </p:sp>
-      <p:sp>
-        <p:nvSpPr>
-          <p:cNvPr id="6" name="TextBox 5">
-            <a:extLst>
-              <a:ext uri="{FF2B5EF4-FFF2-40B4-BE49-F238E27FC236}">
-                <a16:creationId xmlns:a16="http://schemas.microsoft.com/office/drawing/2014/main" id="{3E345057-4A9B-374B-A26F-9A5682709987}"/>
-              </a:ext>
-            </a:extLst>
-          </p:cNvPr>
-          <p:cNvSpPr txBox="1"/>
-          <p:nvPr/>
-        </p:nvSpPr>
-        <p:spPr>
-          <a:xfrm>
-            <a:off x="4650059" y="2832410"/>
-            <a:ext cx="1210588" cy="923330"/>
-          </a:xfrm>
-          <a:prstGeom prst="rect">
-            <a:avLst/>
-          </a:prstGeom>
-          <a:noFill/>
-        </p:spPr>
-        <p:txBody>
-          <a:bodyPr wrap="none" rtlCol="0">
-            <a:spAutoFit/>
-          </a:bodyPr>
-          <a:lstStyle/>
-          <a:p>
-            <a:r>
-              <a:rPr lang="en-US" b="1" dirty="0"/>
-              <a:t>P</a:t>
-            </a:r>
-            <a:r>
-              <a:rPr lang="en-KR" b="1" dirty="0"/>
-              <a:t>earson</a:t>
-            </a:r>
-          </a:p>
-          <a:p>
-            <a:r>
-              <a:rPr lang="en-US" b="1" dirty="0"/>
-              <a:t>K</a:t>
-            </a:r>
-            <a:r>
-              <a:rPr lang="en-KR" b="1" dirty="0"/>
-              <a:t>endalltau</a:t>
-            </a:r>
-          </a:p>
-          <a:p>
-            <a:r>
-              <a:rPr lang="en-US" b="1" dirty="0"/>
-              <a:t>S</a:t>
-            </a:r>
-            <a:r>
-              <a:rPr lang="en-KR" b="1" dirty="0"/>
-              <a:t>pearman</a:t>
-            </a:r>
-          </a:p>
-        </p:txBody>
-      </p:sp>
-      <p:graphicFrame>
-        <p:nvGraphicFramePr>
-          <p:cNvPr id="12" name="Table 11">
-            <a:extLst>
-              <a:ext uri="{FF2B5EF4-FFF2-40B4-BE49-F238E27FC236}">
-                <a16:creationId xmlns:a16="http://schemas.microsoft.com/office/drawing/2014/main" id="{92E3A2A2-FEC9-CB46-9F73-D8288AA5F251}"/>
-              </a:ext>
-            </a:extLst>
-          </p:cNvPr>
-          <p:cNvGraphicFramePr>
-            <a:graphicFrameLocks noGrp="1"/>
-          </p:cNvGraphicFramePr>
-          <p:nvPr>
-            <p:extLst>
-              <p:ext uri="{D42A27DB-BD31-4B8C-83A1-F6EECF244321}">
-                <p14:modId xmlns:p14="http://schemas.microsoft.com/office/powerpoint/2010/main" val="1237591294"/>
-              </p:ext>
-            </p:extLst>
-          </p:nvPr>
-        </p:nvGraphicFramePr>
-        <p:xfrm>
-          <a:off x="564617" y="2832410"/>
-          <a:ext cx="3160230" cy="1828800"/>
-        </p:xfrm>
-        <a:graphic>
-          <a:graphicData uri="http://schemas.openxmlformats.org/drawingml/2006/table">
-            <a:tbl>
-              <a:tblPr firstRow="1" bandRow="1">
-                <a:tableStyleId>{93296810-A885-4BE3-A3E7-6D5BEEA58F35}</a:tableStyleId>
-              </a:tblPr>
-              <a:tblGrid>
-                <a:gridCol w="3160230">
-                  <a:extLst>
-                    <a:ext uri="{9D8B030D-6E8A-4147-A177-3AD203B41FA5}">
-                      <a16:colId xmlns:a16="http://schemas.microsoft.com/office/drawing/2014/main" val="410668646"/>
-                    </a:ext>
-                  </a:extLst>
-                </a:gridCol>
-              </a:tblGrid>
-              <a:tr h="0">
-                <a:tc>
-                  <a:txBody>
-                    <a:bodyPr/>
-                    <a:lstStyle/>
-                    <a:p>
-                      <a:pPr algn="ctr"/>
-                      <a:r>
-                        <a:rPr lang="en-KR" sz="1800" b="1" dirty="0"/>
-                        <a:t>activedefrag</a:t>
-                      </a:r>
-                    </a:p>
-                  </a:txBody>
-                  <a:tcPr/>
-                </a:tc>
-                <a:extLst>
-                  <a:ext uri="{0D108BD9-81ED-4DB2-BD59-A6C34878D82A}">
-                    <a16:rowId xmlns:a16="http://schemas.microsoft.com/office/drawing/2014/main" val="495310276"/>
-                  </a:ext>
-                </a:extLst>
-              </a:tr>
-              <a:tr h="0">
-                <a:tc>
-                  <a:txBody>
-                    <a:bodyPr/>
-                    <a:lstStyle/>
-                    <a:p>
-                      <a:pPr algn="ctr"/>
-                      <a:r>
-                        <a:rPr lang="en-US" sz="1800" b="1" dirty="0"/>
-                        <a:t>active-defrag-threshold-lower</a:t>
-                      </a:r>
-                      <a:endParaRPr lang="en-KR" sz="1800" b="1" dirty="0"/>
-                    </a:p>
-                  </a:txBody>
-                  <a:tcPr/>
-                </a:tc>
-                <a:extLst>
-                  <a:ext uri="{0D108BD9-81ED-4DB2-BD59-A6C34878D82A}">
-                    <a16:rowId xmlns:a16="http://schemas.microsoft.com/office/drawing/2014/main" val="1214816255"/>
-                  </a:ext>
-                </a:extLst>
-              </a:tr>
-              <a:tr h="0">
-                <a:tc>
-                  <a:txBody>
-                    <a:bodyPr/>
-                    <a:lstStyle/>
-                    <a:p>
-                      <a:pPr marL="0" marR="0" lvl="0" indent="0" algn="ctr" defTabSz="914400" rtl="0" eaLnBrk="1" fontAlgn="auto" latinLnBrk="0" hangingPunct="1">
-                        <a:lnSpc>
-                          <a:spcPct val="100000"/>
-                        </a:lnSpc>
-                        <a:spcBef>
-                          <a:spcPts val="0"/>
-                        </a:spcBef>
-                        <a:spcAft>
-                          <a:spcPts val="0"/>
-                        </a:spcAft>
-                        <a:buClrTx/>
-                        <a:buSzTx/>
-                        <a:buFontTx/>
-                        <a:buNone/>
-                        <a:tabLst/>
-                        <a:defRPr/>
-                      </a:pPr>
-                      <a:r>
-                        <a:rPr lang="en-US" sz="1800" b="1" dirty="0"/>
-                        <a:t>active-defrag-threshold-upper</a:t>
-                      </a:r>
-                      <a:endParaRPr lang="en-KR" sz="1800" b="1" dirty="0"/>
-                    </a:p>
-                  </a:txBody>
-                  <a:tcPr/>
-                </a:tc>
-                <a:extLst>
-                  <a:ext uri="{0D108BD9-81ED-4DB2-BD59-A6C34878D82A}">
-                    <a16:rowId xmlns:a16="http://schemas.microsoft.com/office/drawing/2014/main" val="2349910428"/>
-                  </a:ext>
-                </a:extLst>
-              </a:tr>
-              <a:tr h="0">
-                <a:tc>
-                  <a:txBody>
-                    <a:bodyPr/>
-                    <a:lstStyle/>
-                    <a:p>
-                      <a:pPr algn="ctr"/>
-                      <a:r>
-                        <a:rPr lang="en-US" sz="1800" b="1" dirty="0"/>
-                        <a:t>active-defrag-cycle-min</a:t>
-                      </a:r>
-                      <a:endParaRPr lang="en-KR" sz="1800" b="1" dirty="0"/>
-                    </a:p>
-                  </a:txBody>
-                  <a:tcPr/>
-                </a:tc>
-                <a:extLst>
-                  <a:ext uri="{0D108BD9-81ED-4DB2-BD59-A6C34878D82A}">
-                    <a16:rowId xmlns:a16="http://schemas.microsoft.com/office/drawing/2014/main" val="4254688658"/>
-                  </a:ext>
-                </a:extLst>
-              </a:tr>
-              <a:tr h="0">
-                <a:tc>
-                  <a:txBody>
-                    <a:bodyPr/>
-                    <a:lstStyle/>
-                    <a:p>
-                      <a:pPr marL="0" marR="0" lvl="0" indent="0" algn="ctr" defTabSz="914400" rtl="0" eaLnBrk="1" fontAlgn="auto" latinLnBrk="0" hangingPunct="1">
-                        <a:lnSpc>
-                          <a:spcPct val="100000"/>
-                        </a:lnSpc>
-                        <a:spcBef>
-                          <a:spcPts val="0"/>
-                        </a:spcBef>
-                        <a:spcAft>
-                          <a:spcPts val="0"/>
-                        </a:spcAft>
-                        <a:buClrTx/>
-                        <a:buSzTx/>
-                        <a:buFontTx/>
-                        <a:buNone/>
-                        <a:tabLst/>
-                        <a:defRPr/>
-                      </a:pPr>
-                      <a:r>
-                        <a:rPr lang="en-US" sz="1800" b="1" dirty="0"/>
-                        <a:t>active-defrag-cycle-max</a:t>
-                      </a:r>
-                      <a:endParaRPr lang="en-KR" sz="1800" b="1" dirty="0"/>
-                    </a:p>
-                  </a:txBody>
-                  <a:tcPr/>
-                </a:tc>
-                <a:extLst>
-                  <a:ext uri="{0D108BD9-81ED-4DB2-BD59-A6C34878D82A}">
-                    <a16:rowId xmlns:a16="http://schemas.microsoft.com/office/drawing/2014/main" val="1396694008"/>
-                  </a:ext>
-                </a:extLst>
-              </a:tr>
-            </a:tbl>
-          </a:graphicData>
-        </a:graphic>
-      </p:graphicFrame>
-      <p:pic>
-        <p:nvPicPr>
-          <p:cNvPr id="13" name="Picture 12">
-            <a:extLst>
-              <a:ext uri="{FF2B5EF4-FFF2-40B4-BE49-F238E27FC236}">
-                <a16:creationId xmlns:a16="http://schemas.microsoft.com/office/drawing/2014/main" id="{7C804DE3-3A7F-1A40-B8D0-76F23C40BD0C}"/>
-              </a:ext>
-            </a:extLst>
-          </p:cNvPr>
-          <p:cNvPicPr>
-            <a:picLocks noChangeAspect="1"/>
-          </p:cNvPicPr>
-          <p:nvPr/>
-        </p:nvPicPr>
-        <p:blipFill>
-          <a:blip r:embed="rId3"/>
-          <a:stretch>
-            <a:fillRect/>
-          </a:stretch>
-        </p:blipFill>
-        <p:spPr>
-          <a:xfrm>
-            <a:off x="7547783" y="2629483"/>
-            <a:ext cx="3870589" cy="1028670"/>
-          </a:xfrm>
-          <a:prstGeom prst="rect">
-            <a:avLst/>
-          </a:prstGeom>
-        </p:spPr>
-      </p:pic>
-      <p:pic>
-        <p:nvPicPr>
-          <p:cNvPr id="14" name="Picture 13">
-            <a:extLst>
-              <a:ext uri="{FF2B5EF4-FFF2-40B4-BE49-F238E27FC236}">
-                <a16:creationId xmlns:a16="http://schemas.microsoft.com/office/drawing/2014/main" id="{95922A75-4A72-3D4A-9709-9B812BE550D3}"/>
-              </a:ext>
-            </a:extLst>
-          </p:cNvPr>
-          <p:cNvPicPr>
-            <a:picLocks noChangeAspect="1"/>
-          </p:cNvPicPr>
-          <p:nvPr/>
-        </p:nvPicPr>
-        <p:blipFill>
-          <a:blip r:embed="rId4"/>
-          <a:stretch>
-            <a:fillRect/>
-          </a:stretch>
-        </p:blipFill>
-        <p:spPr>
-          <a:xfrm>
-            <a:off x="7547783" y="3840300"/>
-            <a:ext cx="3870589" cy="840201"/>
-          </a:xfrm>
-          <a:prstGeom prst="rect">
-            <a:avLst/>
-          </a:prstGeom>
-        </p:spPr>
-      </p:pic>
-      <p:pic>
-        <p:nvPicPr>
-          <p:cNvPr id="15" name="Picture 14">
-            <a:extLst>
-              <a:ext uri="{FF2B5EF4-FFF2-40B4-BE49-F238E27FC236}">
-                <a16:creationId xmlns:a16="http://schemas.microsoft.com/office/drawing/2014/main" id="{B45D45F2-F6A2-AE4C-AB29-7E8A9C38574A}"/>
-              </a:ext>
-            </a:extLst>
-          </p:cNvPr>
-          <p:cNvPicPr>
-            <a:picLocks noChangeAspect="1"/>
-          </p:cNvPicPr>
-          <p:nvPr/>
-        </p:nvPicPr>
-        <p:blipFill>
-          <a:blip r:embed="rId5"/>
-          <a:stretch>
-            <a:fillRect/>
-          </a:stretch>
-        </p:blipFill>
-        <p:spPr>
-          <a:xfrm>
-            <a:off x="7547783" y="4846319"/>
-            <a:ext cx="4480929" cy="845458"/>
-          </a:xfrm>
-          <a:prstGeom prst="rect">
-            <a:avLst/>
-          </a:prstGeom>
-        </p:spPr>
-      </p:pic>
-      <p:sp>
-        <p:nvSpPr>
-          <p:cNvPr id="16" name="Rectangle 15">
-            <a:extLst>
-              <a:ext uri="{FF2B5EF4-FFF2-40B4-BE49-F238E27FC236}">
-                <a16:creationId xmlns:a16="http://schemas.microsoft.com/office/drawing/2014/main" id="{992F5CAC-6A56-E04D-BCBA-9EF88705E1CF}"/>
-              </a:ext>
-            </a:extLst>
-          </p:cNvPr>
-          <p:cNvSpPr/>
-          <p:nvPr/>
-        </p:nvSpPr>
-        <p:spPr>
-          <a:xfrm>
-            <a:off x="7547783" y="1900713"/>
-            <a:ext cx="3780843" cy="454355"/>
-          </a:xfrm>
-          <a:prstGeom prst="rect">
-            <a:avLst/>
-          </a:prstGeom>
-        </p:spPr>
-        <p:txBody>
-          <a:bodyPr wrap="none">
-            <a:spAutoFit/>
-          </a:bodyPr>
-          <a:lstStyle/>
-          <a:p>
-            <a:pPr marL="285750" indent="-285750">
-              <a:lnSpc>
-                <a:spcPct val="150000"/>
-              </a:lnSpc>
-              <a:buFont typeface="Arial" panose="020B0604020202020204" pitchFamily="34" charset="0"/>
-              <a:buChar char="•"/>
-            </a:pPr>
-            <a:r>
-              <a:rPr lang="en-US" b="1" i="0" dirty="0">
-                <a:solidFill>
-                  <a:srgbClr val="000000"/>
-                </a:solidFill>
-                <a:effectLst/>
-                <a:latin typeface="Helvetica Neue" panose="02000503000000020004" pitchFamily="2" charset="0"/>
-              </a:rPr>
-              <a:t>active-defrag-threshold-lower</a:t>
-            </a:r>
-          </a:p>
-        </p:txBody>
-      </p:sp>
-    </p:spTree>
-    <p:extLst>
-      <p:ext uri="{BB962C8B-B14F-4D97-AF65-F5344CB8AC3E}">
-        <p14:creationId xmlns:p14="http://schemas.microsoft.com/office/powerpoint/2010/main" val="985431727"/>
       </p:ext>
     </p:extLst>
   </p:cSld>
